--- a/GradHack Project Presentation.pptx
+++ b/GradHack Project Presentation.pptx
@@ -12,8 +12,19 @@
     <p:sldId id="257" r:id="rId6"/>
     <p:sldId id="266" r:id="rId7"/>
     <p:sldId id="267" r:id="rId8"/>
-    <p:sldId id="263" r:id="rId9"/>
-    <p:sldId id="261" r:id="rId10"/>
+    <p:sldId id="268" r:id="rId9"/>
+    <p:sldId id="263" r:id="rId10"/>
+    <p:sldId id="269" r:id="rId11"/>
+    <p:sldId id="271" r:id="rId12"/>
+    <p:sldId id="270" r:id="rId13"/>
+    <p:sldId id="272" r:id="rId14"/>
+    <p:sldId id="273" r:id="rId15"/>
+    <p:sldId id="274" r:id="rId16"/>
+    <p:sldId id="275" r:id="rId17"/>
+    <p:sldId id="276" r:id="rId18"/>
+    <p:sldId id="277" r:id="rId19"/>
+    <p:sldId id="278" r:id="rId20"/>
+    <p:sldId id="280" r:id="rId21"/>
   </p:sldIdLst>
   <p:sldSz cx="12192000" cy="6858000"/>
   <p:notesSz cx="6858000" cy="9144000"/>
@@ -269,7 +280,7 @@
           <a:p>
             <a:fld id="{767045CA-FDFB-458E-912A-1E58DE9EB4E5}" type="datetimeFigureOut">
               <a:rPr lang="en-GB" smtClean="0"/>
-              <a:t>20/09/2019</a:t>
+              <a:t>23/09/2019</a:t>
             </a:fld>
             <a:endParaRPr lang="en-GB"/>
           </a:p>
@@ -339,6 +350,18 @@
   <p:clrMapOvr>
     <a:masterClrMapping/>
   </p:clrMapOvr>
+  <mc:AlternateContent xmlns:mc="http://schemas.openxmlformats.org/markup-compatibility/2006">
+    <mc:Choice xmlns:p14="http://schemas.microsoft.com/office/powerpoint/2010/main" Requires="p14">
+      <p:transition spd="slow" p14:dur="1250">
+        <p14:doors dir="vert"/>
+      </p:transition>
+    </mc:Choice>
+    <mc:Fallback>
+      <p:transition spd="slow">
+        <p:fade/>
+      </p:transition>
+    </mc:Fallback>
+  </mc:AlternateContent>
 </p:sldLayout>
 </file>
 
@@ -469,7 +492,7 @@
           <a:p>
             <a:fld id="{767045CA-FDFB-458E-912A-1E58DE9EB4E5}" type="datetimeFigureOut">
               <a:rPr lang="en-GB" smtClean="0"/>
-              <a:t>20/09/2019</a:t>
+              <a:t>23/09/2019</a:t>
             </a:fld>
             <a:endParaRPr lang="en-GB"/>
           </a:p>
@@ -539,6 +562,18 @@
   <p:clrMapOvr>
     <a:masterClrMapping/>
   </p:clrMapOvr>
+  <mc:AlternateContent xmlns:mc="http://schemas.openxmlformats.org/markup-compatibility/2006">
+    <mc:Choice xmlns:p14="http://schemas.microsoft.com/office/powerpoint/2010/main" Requires="p14">
+      <p:transition spd="slow" p14:dur="1250">
+        <p14:doors dir="vert"/>
+      </p:transition>
+    </mc:Choice>
+    <mc:Fallback>
+      <p:transition spd="slow">
+        <p:fade/>
+      </p:transition>
+    </mc:Fallback>
+  </mc:AlternateContent>
 </p:sldLayout>
 </file>
 
@@ -679,7 +714,7 @@
           <a:p>
             <a:fld id="{767045CA-FDFB-458E-912A-1E58DE9EB4E5}" type="datetimeFigureOut">
               <a:rPr lang="en-GB" smtClean="0"/>
-              <a:t>20/09/2019</a:t>
+              <a:t>23/09/2019</a:t>
             </a:fld>
             <a:endParaRPr lang="en-GB"/>
           </a:p>
@@ -749,6 +784,18 @@
   <p:clrMapOvr>
     <a:masterClrMapping/>
   </p:clrMapOvr>
+  <mc:AlternateContent xmlns:mc="http://schemas.openxmlformats.org/markup-compatibility/2006">
+    <mc:Choice xmlns:p14="http://schemas.microsoft.com/office/powerpoint/2010/main" Requires="p14">
+      <p:transition spd="slow" p14:dur="1250">
+        <p14:doors dir="vert"/>
+      </p:transition>
+    </mc:Choice>
+    <mc:Fallback>
+      <p:transition spd="slow">
+        <p:fade/>
+      </p:transition>
+    </mc:Fallback>
+  </mc:AlternateContent>
 </p:sldLayout>
 </file>
 
@@ -965,7 +1012,7 @@
           <a:p>
             <a:fld id="{767045CA-FDFB-458E-912A-1E58DE9EB4E5}" type="datetimeFigureOut">
               <a:rPr lang="en-GB" smtClean="0"/>
-              <a:t>20/09/2019</a:t>
+              <a:t>23/09/2019</a:t>
             </a:fld>
             <a:endParaRPr lang="en-GB"/>
           </a:p>
@@ -1023,6 +1070,18 @@
   <p:clrMapOvr>
     <a:masterClrMapping/>
   </p:clrMapOvr>
+  <mc:AlternateContent xmlns:mc="http://schemas.openxmlformats.org/markup-compatibility/2006">
+    <mc:Choice xmlns:p14="http://schemas.microsoft.com/office/powerpoint/2010/main" Requires="p14">
+      <p:transition spd="slow" p14:dur="1250">
+        <p14:doors dir="vert"/>
+      </p:transition>
+    </mc:Choice>
+    <mc:Fallback>
+      <p:transition spd="slow">
+        <p:fade/>
+      </p:transition>
+    </mc:Fallback>
+  </mc:AlternateContent>
 </p:sldLayout>
 </file>
 
@@ -1135,7 +1194,7 @@
           <a:p>
             <a:fld id="{767045CA-FDFB-458E-912A-1E58DE9EB4E5}" type="datetimeFigureOut">
               <a:rPr lang="en-GB" smtClean="0"/>
-              <a:t>20/09/2019</a:t>
+              <a:t>23/09/2019</a:t>
             </a:fld>
             <a:endParaRPr lang="en-GB"/>
           </a:p>
@@ -1193,6 +1252,18 @@
   <p:clrMapOvr>
     <a:masterClrMapping/>
   </p:clrMapOvr>
+  <mc:AlternateContent xmlns:mc="http://schemas.openxmlformats.org/markup-compatibility/2006">
+    <mc:Choice xmlns:p14="http://schemas.microsoft.com/office/powerpoint/2010/main" Requires="p14">
+      <p:transition spd="slow" p14:dur="1250">
+        <p14:doors dir="vert"/>
+      </p:transition>
+    </mc:Choice>
+    <mc:Fallback>
+      <p:transition spd="slow">
+        <p:fade/>
+      </p:transition>
+    </mc:Fallback>
+  </mc:AlternateContent>
 </p:sldLayout>
 </file>
 
@@ -1392,7 +1463,7 @@
           <a:p>
             <a:fld id="{767045CA-FDFB-458E-912A-1E58DE9EB4E5}" type="datetimeFigureOut">
               <a:rPr lang="en-GB" smtClean="0"/>
-              <a:t>20/09/2019</a:t>
+              <a:t>23/09/2019</a:t>
             </a:fld>
             <a:endParaRPr lang="en-GB"/>
           </a:p>
@@ -1450,6 +1521,18 @@
   <p:clrMapOvr>
     <a:masterClrMapping/>
   </p:clrMapOvr>
+  <mc:AlternateContent xmlns:mc="http://schemas.openxmlformats.org/markup-compatibility/2006">
+    <mc:Choice xmlns:p14="http://schemas.microsoft.com/office/powerpoint/2010/main" Requires="p14">
+      <p:transition spd="slow" p14:dur="1250">
+        <p14:doors dir="vert"/>
+      </p:transition>
+    </mc:Choice>
+    <mc:Fallback>
+      <p:transition spd="slow">
+        <p:fade/>
+      </p:transition>
+    </mc:Fallback>
+  </mc:AlternateContent>
 </p:sldLayout>
 </file>
 
@@ -1684,7 +1767,7 @@
           <a:p>
             <a:fld id="{767045CA-FDFB-458E-912A-1E58DE9EB4E5}" type="datetimeFigureOut">
               <a:rPr lang="en-GB" smtClean="0"/>
-              <a:t>20/09/2019</a:t>
+              <a:t>23/09/2019</a:t>
             </a:fld>
             <a:endParaRPr lang="en-GB"/>
           </a:p>
@@ -1742,6 +1825,18 @@
   <p:clrMapOvr>
     <a:masterClrMapping/>
   </p:clrMapOvr>
+  <mc:AlternateContent xmlns:mc="http://schemas.openxmlformats.org/markup-compatibility/2006">
+    <mc:Choice xmlns:p14="http://schemas.microsoft.com/office/powerpoint/2010/main" Requires="p14">
+      <p:transition spd="slow" p14:dur="1250">
+        <p14:doors dir="vert"/>
+      </p:transition>
+    </mc:Choice>
+    <mc:Fallback>
+      <p:transition spd="slow">
+        <p:fade/>
+      </p:transition>
+    </mc:Fallback>
+  </mc:AlternateContent>
 </p:sldLayout>
 </file>
 
@@ -2114,7 +2209,7 @@
           <a:p>
             <a:fld id="{767045CA-FDFB-458E-912A-1E58DE9EB4E5}" type="datetimeFigureOut">
               <a:rPr lang="en-GB" smtClean="0"/>
-              <a:t>20/09/2019</a:t>
+              <a:t>23/09/2019</a:t>
             </a:fld>
             <a:endParaRPr lang="en-GB"/>
           </a:p>
@@ -2172,6 +2267,18 @@
   <p:clrMapOvr>
     <a:masterClrMapping/>
   </p:clrMapOvr>
+  <mc:AlternateContent xmlns:mc="http://schemas.openxmlformats.org/markup-compatibility/2006">
+    <mc:Choice xmlns:p14="http://schemas.microsoft.com/office/powerpoint/2010/main" Requires="p14">
+      <p:transition spd="slow" p14:dur="1250">
+        <p14:doors dir="vert"/>
+      </p:transition>
+    </mc:Choice>
+    <mc:Fallback>
+      <p:transition spd="slow">
+        <p:fade/>
+      </p:transition>
+    </mc:Fallback>
+  </mc:AlternateContent>
 </p:sldLayout>
 </file>
 
@@ -2232,7 +2339,7 @@
           <a:p>
             <a:fld id="{767045CA-FDFB-458E-912A-1E58DE9EB4E5}" type="datetimeFigureOut">
               <a:rPr lang="en-GB" smtClean="0"/>
-              <a:t>20/09/2019</a:t>
+              <a:t>23/09/2019</a:t>
             </a:fld>
             <a:endParaRPr lang="en-GB"/>
           </a:p>
@@ -2290,6 +2397,18 @@
   <p:clrMapOvr>
     <a:masterClrMapping/>
   </p:clrMapOvr>
+  <mc:AlternateContent xmlns:mc="http://schemas.openxmlformats.org/markup-compatibility/2006">
+    <mc:Choice xmlns:p14="http://schemas.microsoft.com/office/powerpoint/2010/main" Requires="p14">
+      <p:transition spd="slow" p14:dur="1250">
+        <p14:doors dir="vert"/>
+      </p:transition>
+    </mc:Choice>
+    <mc:Fallback>
+      <p:transition spd="slow">
+        <p:fade/>
+      </p:transition>
+    </mc:Fallback>
+  </mc:AlternateContent>
 </p:sldLayout>
 </file>
 
@@ -2327,7 +2446,7 @@
           <a:p>
             <a:fld id="{767045CA-FDFB-458E-912A-1E58DE9EB4E5}" type="datetimeFigureOut">
               <a:rPr lang="en-GB" smtClean="0"/>
-              <a:t>20/09/2019</a:t>
+              <a:t>23/09/2019</a:t>
             </a:fld>
             <a:endParaRPr lang="en-GB"/>
           </a:p>
@@ -2385,6 +2504,18 @@
   <p:clrMapOvr>
     <a:masterClrMapping/>
   </p:clrMapOvr>
+  <mc:AlternateContent xmlns:mc="http://schemas.openxmlformats.org/markup-compatibility/2006">
+    <mc:Choice xmlns:p14="http://schemas.microsoft.com/office/powerpoint/2010/main" Requires="p14">
+      <p:transition spd="slow" p14:dur="1250">
+        <p14:doors dir="vert"/>
+      </p:transition>
+    </mc:Choice>
+    <mc:Fallback>
+      <p:transition spd="slow">
+        <p:fade/>
+      </p:transition>
+    </mc:Fallback>
+  </mc:AlternateContent>
 </p:sldLayout>
 </file>
 
@@ -2610,7 +2741,7 @@
           <a:p>
             <a:fld id="{767045CA-FDFB-458E-912A-1E58DE9EB4E5}" type="datetimeFigureOut">
               <a:rPr lang="en-GB" smtClean="0"/>
-              <a:t>20/09/2019</a:t>
+              <a:t>23/09/2019</a:t>
             </a:fld>
             <a:endParaRPr lang="en-GB"/>
           </a:p>
@@ -2668,6 +2799,18 @@
   <p:clrMapOvr>
     <a:masterClrMapping/>
   </p:clrMapOvr>
+  <mc:AlternateContent xmlns:mc="http://schemas.openxmlformats.org/markup-compatibility/2006">
+    <mc:Choice xmlns:p14="http://schemas.microsoft.com/office/powerpoint/2010/main" Requires="p14">
+      <p:transition spd="slow" p14:dur="1250">
+        <p14:doors dir="vert"/>
+      </p:transition>
+    </mc:Choice>
+    <mc:Fallback>
+      <p:transition spd="slow">
+        <p:fade/>
+      </p:transition>
+    </mc:Fallback>
+  </mc:AlternateContent>
 </p:sldLayout>
 </file>
 
@@ -2798,7 +2941,7 @@
           <a:p>
             <a:fld id="{767045CA-FDFB-458E-912A-1E58DE9EB4E5}" type="datetimeFigureOut">
               <a:rPr lang="en-GB" smtClean="0"/>
-              <a:t>20/09/2019</a:t>
+              <a:t>23/09/2019</a:t>
             </a:fld>
             <a:endParaRPr lang="en-GB"/>
           </a:p>
@@ -2868,6 +3011,18 @@
   <p:clrMapOvr>
     <a:masterClrMapping/>
   </p:clrMapOvr>
+  <mc:AlternateContent xmlns:mc="http://schemas.openxmlformats.org/markup-compatibility/2006">
+    <mc:Choice xmlns:p14="http://schemas.microsoft.com/office/powerpoint/2010/main" Requires="p14">
+      <p:transition spd="slow" p14:dur="1250">
+        <p14:doors dir="vert"/>
+      </p:transition>
+    </mc:Choice>
+    <mc:Fallback>
+      <p:transition spd="slow">
+        <p:fade/>
+      </p:transition>
+    </mc:Fallback>
+  </mc:AlternateContent>
 </p:sldLayout>
 </file>
 
@@ -3101,7 +3256,7 @@
           <a:p>
             <a:fld id="{767045CA-FDFB-458E-912A-1E58DE9EB4E5}" type="datetimeFigureOut">
               <a:rPr lang="en-GB" smtClean="0"/>
-              <a:t>20/09/2019</a:t>
+              <a:t>23/09/2019</a:t>
             </a:fld>
             <a:endParaRPr lang="en-GB"/>
           </a:p>
@@ -3169,6 +3324,18 @@
   <p:clrMapOvr>
     <a:masterClrMapping/>
   </p:clrMapOvr>
+  <mc:AlternateContent xmlns:mc="http://schemas.openxmlformats.org/markup-compatibility/2006">
+    <mc:Choice xmlns:p14="http://schemas.microsoft.com/office/powerpoint/2010/main" Requires="p14">
+      <p:transition spd="slow" p14:dur="1250">
+        <p14:doors dir="vert"/>
+      </p:transition>
+    </mc:Choice>
+    <mc:Fallback>
+      <p:transition spd="slow">
+        <p:fade/>
+      </p:transition>
+    </mc:Fallback>
+  </mc:AlternateContent>
 </p:sldLayout>
 </file>
 
@@ -3402,7 +3569,7 @@
           <a:p>
             <a:fld id="{767045CA-FDFB-458E-912A-1E58DE9EB4E5}" type="datetimeFigureOut">
               <a:rPr lang="en-GB" smtClean="0"/>
-              <a:t>20/09/2019</a:t>
+              <a:t>23/09/2019</a:t>
             </a:fld>
             <a:endParaRPr lang="en-GB"/>
           </a:p>
@@ -3460,6 +3627,18 @@
   <p:clrMapOvr>
     <a:masterClrMapping/>
   </p:clrMapOvr>
+  <mc:AlternateContent xmlns:mc="http://schemas.openxmlformats.org/markup-compatibility/2006">
+    <mc:Choice xmlns:p14="http://schemas.microsoft.com/office/powerpoint/2010/main" Requires="p14">
+      <p:transition spd="slow" p14:dur="1250">
+        <p14:doors dir="vert"/>
+      </p:transition>
+    </mc:Choice>
+    <mc:Fallback>
+      <p:transition spd="slow">
+        <p:fade/>
+      </p:transition>
+    </mc:Fallback>
+  </mc:AlternateContent>
 </p:sldLayout>
 </file>
 
@@ -3661,7 +3840,7 @@
           <a:p>
             <a:fld id="{767045CA-FDFB-458E-912A-1E58DE9EB4E5}" type="datetimeFigureOut">
               <a:rPr lang="en-GB" smtClean="0"/>
-              <a:t>20/09/2019</a:t>
+              <a:t>23/09/2019</a:t>
             </a:fld>
             <a:endParaRPr lang="en-GB"/>
           </a:p>
@@ -3719,6 +3898,18 @@
   <p:clrMapOvr>
     <a:masterClrMapping/>
   </p:clrMapOvr>
+  <mc:AlternateContent xmlns:mc="http://schemas.openxmlformats.org/markup-compatibility/2006">
+    <mc:Choice xmlns:p14="http://schemas.microsoft.com/office/powerpoint/2010/main" Requires="p14">
+      <p:transition spd="slow" p14:dur="1250">
+        <p14:doors dir="vert"/>
+      </p:transition>
+    </mc:Choice>
+    <mc:Fallback>
+      <p:transition spd="slow">
+        <p:fade/>
+      </p:transition>
+    </mc:Fallback>
+  </mc:AlternateContent>
 </p:sldLayout>
 </file>
 
@@ -4130,7 +4321,7 @@
           <a:p>
             <a:fld id="{767045CA-FDFB-458E-912A-1E58DE9EB4E5}" type="datetimeFigureOut">
               <a:rPr lang="en-GB" smtClean="0"/>
-              <a:t>20/09/2019</a:t>
+              <a:t>23/09/2019</a:t>
             </a:fld>
             <a:endParaRPr lang="en-GB"/>
           </a:p>
@@ -4188,6 +4379,18 @@
   <p:clrMapOvr>
     <a:masterClrMapping/>
   </p:clrMapOvr>
+  <mc:AlternateContent xmlns:mc="http://schemas.openxmlformats.org/markup-compatibility/2006">
+    <mc:Choice xmlns:p14="http://schemas.microsoft.com/office/powerpoint/2010/main" Requires="p14">
+      <p:transition spd="slow" p14:dur="1250">
+        <p14:doors dir="vert"/>
+      </p:transition>
+    </mc:Choice>
+    <mc:Fallback>
+      <p:transition spd="slow">
+        <p:fade/>
+      </p:transition>
+    </mc:Fallback>
+  </mc:AlternateContent>
 </p:sldLayout>
 </file>
 
@@ -4310,7 +4513,7 @@
           <a:p>
             <a:fld id="{767045CA-FDFB-458E-912A-1E58DE9EB4E5}" type="datetimeFigureOut">
               <a:rPr lang="en-GB" smtClean="0"/>
-              <a:t>20/09/2019</a:t>
+              <a:t>23/09/2019</a:t>
             </a:fld>
             <a:endParaRPr lang="en-GB"/>
           </a:p>
@@ -4368,6 +4571,18 @@
   <p:clrMapOvr>
     <a:masterClrMapping/>
   </p:clrMapOvr>
+  <mc:AlternateContent xmlns:mc="http://schemas.openxmlformats.org/markup-compatibility/2006">
+    <mc:Choice xmlns:p14="http://schemas.microsoft.com/office/powerpoint/2010/main" Requires="p14">
+      <p:transition spd="slow" p14:dur="1250">
+        <p14:doors dir="vert"/>
+      </p:transition>
+    </mc:Choice>
+    <mc:Fallback>
+      <p:transition spd="slow">
+        <p:fade/>
+      </p:transition>
+    </mc:Fallback>
+  </mc:AlternateContent>
 </p:sldLayout>
 </file>
 
@@ -4886,7 +5101,7 @@
           <a:p>
             <a:fld id="{767045CA-FDFB-458E-912A-1E58DE9EB4E5}" type="datetimeFigureOut">
               <a:rPr lang="en-GB" smtClean="0"/>
-              <a:t>20/09/2019</a:t>
+              <a:t>23/09/2019</a:t>
             </a:fld>
             <a:endParaRPr lang="en-GB"/>
           </a:p>
@@ -4944,6 +5159,18 @@
   <p:clrMapOvr>
     <a:masterClrMapping/>
   </p:clrMapOvr>
+  <mc:AlternateContent xmlns:mc="http://schemas.openxmlformats.org/markup-compatibility/2006">
+    <mc:Choice xmlns:p14="http://schemas.microsoft.com/office/powerpoint/2010/main" Requires="p14">
+      <p:transition spd="slow" p14:dur="1250">
+        <p14:doors dir="vert"/>
+      </p:transition>
+    </mc:Choice>
+    <mc:Fallback>
+      <p:transition spd="slow">
+        <p:fade/>
+      </p:transition>
+    </mc:Fallback>
+  </mc:AlternateContent>
 </p:sldLayout>
 </file>
 
@@ -5218,7 +5445,7 @@
           <a:p>
             <a:fld id="{767045CA-FDFB-458E-912A-1E58DE9EB4E5}" type="datetimeFigureOut">
               <a:rPr lang="en-GB" smtClean="0"/>
-              <a:t>20/09/2019</a:t>
+              <a:t>23/09/2019</a:t>
             </a:fld>
             <a:endParaRPr lang="en-GB"/>
           </a:p>
@@ -5276,6 +5503,18 @@
   <p:clrMapOvr>
     <a:masterClrMapping/>
   </p:clrMapOvr>
+  <mc:AlternateContent xmlns:mc="http://schemas.openxmlformats.org/markup-compatibility/2006">
+    <mc:Choice xmlns:p14="http://schemas.microsoft.com/office/powerpoint/2010/main" Requires="p14">
+      <p:transition spd="slow" p14:dur="1250">
+        <p14:doors dir="vert"/>
+      </p:transition>
+    </mc:Choice>
+    <mc:Fallback>
+      <p:transition spd="slow">
+        <p:fade/>
+      </p:transition>
+    </mc:Fallback>
+  </mc:AlternateContent>
 </p:sldLayout>
 </file>
 
@@ -5393,7 +5632,7 @@
           <a:p>
             <a:fld id="{767045CA-FDFB-458E-912A-1E58DE9EB4E5}" type="datetimeFigureOut">
               <a:rPr lang="en-GB" smtClean="0"/>
-              <a:t>20/09/2019</a:t>
+              <a:t>23/09/2019</a:t>
             </a:fld>
             <a:endParaRPr lang="en-GB"/>
           </a:p>
@@ -5451,6 +5690,18 @@
   <p:clrMapOvr>
     <a:masterClrMapping/>
   </p:clrMapOvr>
+  <mc:AlternateContent xmlns:mc="http://schemas.openxmlformats.org/markup-compatibility/2006">
+    <mc:Choice xmlns:p14="http://schemas.microsoft.com/office/powerpoint/2010/main" Requires="p14">
+      <p:transition spd="slow" p14:dur="1250">
+        <p14:doors dir="vert"/>
+      </p:transition>
+    </mc:Choice>
+    <mc:Fallback>
+      <p:transition spd="slow">
+        <p:fade/>
+      </p:transition>
+    </mc:Fallback>
+  </mc:AlternateContent>
 </p:sldLayout>
 </file>
 
@@ -5573,7 +5824,7 @@
           <a:p>
             <a:fld id="{767045CA-FDFB-458E-912A-1E58DE9EB4E5}" type="datetimeFigureOut">
               <a:rPr lang="en-GB" smtClean="0"/>
-              <a:t>20/09/2019</a:t>
+              <a:t>23/09/2019</a:t>
             </a:fld>
             <a:endParaRPr lang="en-GB"/>
           </a:p>
@@ -5631,6 +5882,18 @@
   <p:clrMapOvr>
     <a:masterClrMapping/>
   </p:clrMapOvr>
+  <mc:AlternateContent xmlns:mc="http://schemas.openxmlformats.org/markup-compatibility/2006">
+    <mc:Choice xmlns:p14="http://schemas.microsoft.com/office/powerpoint/2010/main" Requires="p14">
+      <p:transition spd="slow" p14:dur="1250">
+        <p14:doors dir="vert"/>
+      </p:transition>
+    </mc:Choice>
+    <mc:Fallback>
+      <p:transition spd="slow">
+        <p:fade/>
+      </p:transition>
+    </mc:Fallback>
+  </mc:AlternateContent>
 </p:sldLayout>
 </file>
 
@@ -5837,7 +6100,7 @@
           <a:p>
             <a:fld id="{767045CA-FDFB-458E-912A-1E58DE9EB4E5}" type="datetimeFigureOut">
               <a:rPr lang="en-GB" smtClean="0"/>
-              <a:t>20/09/2019</a:t>
+              <a:t>23/09/2019</a:t>
             </a:fld>
             <a:endParaRPr lang="en-GB"/>
           </a:p>
@@ -5907,6 +6170,18 @@
   <p:clrMapOvr>
     <a:masterClrMapping/>
   </p:clrMapOvr>
+  <mc:AlternateContent xmlns:mc="http://schemas.openxmlformats.org/markup-compatibility/2006">
+    <mc:Choice xmlns:p14="http://schemas.microsoft.com/office/powerpoint/2010/main" Requires="p14">
+      <p:transition spd="slow" p14:dur="1250">
+        <p14:doors dir="vert"/>
+      </p:transition>
+    </mc:Choice>
+    <mc:Fallback>
+      <p:transition spd="slow">
+        <p:fade/>
+      </p:transition>
+    </mc:Fallback>
+  </mc:AlternateContent>
 </p:sldLayout>
 </file>
 
@@ -6105,7 +6380,7 @@
           <a:p>
             <a:fld id="{767045CA-FDFB-458E-912A-1E58DE9EB4E5}" type="datetimeFigureOut">
               <a:rPr lang="en-GB" smtClean="0"/>
-              <a:t>20/09/2019</a:t>
+              <a:t>23/09/2019</a:t>
             </a:fld>
             <a:endParaRPr lang="en-GB"/>
           </a:p>
@@ -6175,6 +6450,18 @@
   <p:clrMapOvr>
     <a:masterClrMapping/>
   </p:clrMapOvr>
+  <mc:AlternateContent xmlns:mc="http://schemas.openxmlformats.org/markup-compatibility/2006">
+    <mc:Choice xmlns:p14="http://schemas.microsoft.com/office/powerpoint/2010/main" Requires="p14">
+      <p:transition spd="slow" p14:dur="1250">
+        <p14:doors dir="vert"/>
+      </p:transition>
+    </mc:Choice>
+    <mc:Fallback>
+      <p:transition spd="slow">
+        <p:fade/>
+      </p:transition>
+    </mc:Fallback>
+  </mc:AlternateContent>
 </p:sldLayout>
 </file>
 
@@ -6520,7 +6807,7 @@
           <a:p>
             <a:fld id="{767045CA-FDFB-458E-912A-1E58DE9EB4E5}" type="datetimeFigureOut">
               <a:rPr lang="en-GB" smtClean="0"/>
-              <a:t>20/09/2019</a:t>
+              <a:t>23/09/2019</a:t>
             </a:fld>
             <a:endParaRPr lang="en-GB"/>
           </a:p>
@@ -6590,6 +6877,18 @@
   <p:clrMapOvr>
     <a:masterClrMapping/>
   </p:clrMapOvr>
+  <mc:AlternateContent xmlns:mc="http://schemas.openxmlformats.org/markup-compatibility/2006">
+    <mc:Choice xmlns:p14="http://schemas.microsoft.com/office/powerpoint/2010/main" Requires="p14">
+      <p:transition spd="slow" p14:dur="1250">
+        <p14:doors dir="vert"/>
+      </p:transition>
+    </mc:Choice>
+    <mc:Fallback>
+      <p:transition spd="slow">
+        <p:fade/>
+      </p:transition>
+    </mc:Fallback>
+  </mc:AlternateContent>
 </p:sldLayout>
 </file>
 
@@ -6662,7 +6961,7 @@
           <a:p>
             <a:fld id="{767045CA-FDFB-458E-912A-1E58DE9EB4E5}" type="datetimeFigureOut">
               <a:rPr lang="en-GB" smtClean="0"/>
-              <a:t>20/09/2019</a:t>
+              <a:t>23/09/2019</a:t>
             </a:fld>
             <a:endParaRPr lang="en-GB"/>
           </a:p>
@@ -6732,6 +7031,18 @@
   <p:clrMapOvr>
     <a:masterClrMapping/>
   </p:clrMapOvr>
+  <mc:AlternateContent xmlns:mc="http://schemas.openxmlformats.org/markup-compatibility/2006">
+    <mc:Choice xmlns:p14="http://schemas.microsoft.com/office/powerpoint/2010/main" Requires="p14">
+      <p:transition spd="slow" p14:dur="1250">
+        <p14:doors dir="vert"/>
+      </p:transition>
+    </mc:Choice>
+    <mc:Fallback>
+      <p:transition spd="slow">
+        <p:fade/>
+      </p:transition>
+    </mc:Fallback>
+  </mc:AlternateContent>
 </p:sldLayout>
 </file>
 
@@ -6775,7 +7086,7 @@
           <a:p>
             <a:fld id="{767045CA-FDFB-458E-912A-1E58DE9EB4E5}" type="datetimeFigureOut">
               <a:rPr lang="en-GB" smtClean="0"/>
-              <a:t>20/09/2019</a:t>
+              <a:t>23/09/2019</a:t>
             </a:fld>
             <a:endParaRPr lang="en-GB"/>
           </a:p>
@@ -6845,6 +7156,18 @@
   <p:clrMapOvr>
     <a:masterClrMapping/>
   </p:clrMapOvr>
+  <mc:AlternateContent xmlns:mc="http://schemas.openxmlformats.org/markup-compatibility/2006">
+    <mc:Choice xmlns:p14="http://schemas.microsoft.com/office/powerpoint/2010/main" Requires="p14">
+      <p:transition spd="slow" p14:dur="1250">
+        <p14:doors dir="vert"/>
+      </p:transition>
+    </mc:Choice>
+    <mc:Fallback>
+      <p:transition spd="slow">
+        <p:fade/>
+      </p:transition>
+    </mc:Fallback>
+  </mc:AlternateContent>
 </p:sldLayout>
 </file>
 
@@ -7088,7 +7411,7 @@
           <a:p>
             <a:fld id="{767045CA-FDFB-458E-912A-1E58DE9EB4E5}" type="datetimeFigureOut">
               <a:rPr lang="en-GB" smtClean="0"/>
-              <a:t>20/09/2019</a:t>
+              <a:t>23/09/2019</a:t>
             </a:fld>
             <a:endParaRPr lang="en-GB"/>
           </a:p>
@@ -7158,6 +7481,18 @@
   <p:clrMapOvr>
     <a:masterClrMapping/>
   </p:clrMapOvr>
+  <mc:AlternateContent xmlns:mc="http://schemas.openxmlformats.org/markup-compatibility/2006">
+    <mc:Choice xmlns:p14="http://schemas.microsoft.com/office/powerpoint/2010/main" Requires="p14">
+      <p:transition spd="slow" p14:dur="1250">
+        <p14:doors dir="vert"/>
+      </p:transition>
+    </mc:Choice>
+    <mc:Fallback>
+      <p:transition spd="slow">
+        <p:fade/>
+      </p:transition>
+    </mc:Fallback>
+  </mc:AlternateContent>
 </p:sldLayout>
 </file>
 
@@ -7377,7 +7712,7 @@
           <a:p>
             <a:fld id="{767045CA-FDFB-458E-912A-1E58DE9EB4E5}" type="datetimeFigureOut">
               <a:rPr lang="en-GB" smtClean="0"/>
-              <a:t>20/09/2019</a:t>
+              <a:t>23/09/2019</a:t>
             </a:fld>
             <a:endParaRPr lang="en-GB"/>
           </a:p>
@@ -7447,6 +7782,18 @@
   <p:clrMapOvr>
     <a:masterClrMapping/>
   </p:clrMapOvr>
+  <mc:AlternateContent xmlns:mc="http://schemas.openxmlformats.org/markup-compatibility/2006">
+    <mc:Choice xmlns:p14="http://schemas.microsoft.com/office/powerpoint/2010/main" Requires="p14">
+      <p:transition spd="slow" p14:dur="1250">
+        <p14:doors dir="vert"/>
+      </p:transition>
+    </mc:Choice>
+    <mc:Fallback>
+      <p:transition spd="slow">
+        <p:fade/>
+      </p:transition>
+    </mc:Fallback>
+  </mc:AlternateContent>
 </p:sldLayout>
 </file>
 
@@ -7620,7 +7967,7 @@
           <a:p>
             <a:fld id="{767045CA-FDFB-458E-912A-1E58DE9EB4E5}" type="datetimeFigureOut">
               <a:rPr lang="en-GB" smtClean="0"/>
-              <a:t>20/09/2019</a:t>
+              <a:t>23/09/2019</a:t>
             </a:fld>
             <a:endParaRPr lang="en-GB"/>
           </a:p>
@@ -7737,6 +8084,18 @@
     <p:sldLayoutId id="2147483658" r:id="rId10"/>
     <p:sldLayoutId id="2147483659" r:id="rId11"/>
   </p:sldLayoutIdLst>
+  <mc:AlternateContent xmlns:mc="http://schemas.openxmlformats.org/markup-compatibility/2006">
+    <mc:Choice xmlns:p14="http://schemas.microsoft.com/office/powerpoint/2010/main" Requires="p14">
+      <p:transition spd="slow" p14:dur="1250">
+        <p14:doors dir="vert"/>
+      </p:transition>
+    </mc:Choice>
+    <mc:Fallback>
+      <p:transition spd="slow">
+        <p:fade/>
+      </p:transition>
+    </mc:Fallback>
+  </mc:AlternateContent>
   <p:txStyles>
     <p:titleStyle>
       <a:lvl1pPr algn="l" defTabSz="914400" rtl="0" eaLnBrk="1" latinLnBrk="0" hangingPunct="1">
@@ -8180,7 +8539,7 @@
           <a:p>
             <a:fld id="{767045CA-FDFB-458E-912A-1E58DE9EB4E5}" type="datetimeFigureOut">
               <a:rPr lang="en-GB" smtClean="0"/>
-              <a:t>20/09/2019</a:t>
+              <a:t>23/09/2019</a:t>
             </a:fld>
             <a:endParaRPr lang="en-GB"/>
           </a:p>
@@ -8307,6 +8666,18 @@
     <p:sldLayoutId id="2147483676" r:id="rId16"/>
     <p:sldLayoutId id="2147483677" r:id="rId17"/>
   </p:sldLayoutIdLst>
+  <mc:AlternateContent xmlns:mc="http://schemas.openxmlformats.org/markup-compatibility/2006">
+    <mc:Choice xmlns:p14="http://schemas.microsoft.com/office/powerpoint/2010/main" Requires="p14">
+      <p:transition spd="slow" p14:dur="1250">
+        <p14:doors dir="vert"/>
+      </p:transition>
+    </mc:Choice>
+    <mc:Fallback>
+      <p:transition spd="slow">
+        <p:fade/>
+      </p:transition>
+    </mc:Fallback>
+  </mc:AlternateContent>
   <p:txStyles>
     <p:titleStyle>
       <a:lvl1pPr algn="l" defTabSz="457200" rtl="0" eaLnBrk="1" latinLnBrk="0" hangingPunct="1">
@@ -9147,8 +9518,8 @@
         </p:nvSpPr>
         <p:spPr>
           <a:xfrm>
-            <a:off x="6791329" y="3254478"/>
-            <a:ext cx="4805691" cy="2068637"/>
+            <a:off x="6828784" y="3517936"/>
+            <a:ext cx="4805691" cy="634305"/>
           </a:xfrm>
         </p:spPr>
         <p:txBody>
@@ -9159,43 +9530,13 @@
           <a:p>
             <a:pPr algn="l"/>
             <a:r>
-              <a:rPr lang="en-GB" sz="2000" dirty="0">
+              <a:rPr lang="en-GB" sz="2000" i="1" dirty="0">
                 <a:solidFill>
                   <a:srgbClr val="000000"/>
                 </a:solidFill>
                 <a:latin typeface="Avenir Next LT Pro Light" panose="020B0304020202020204" pitchFamily="34" charset="0"/>
               </a:rPr>
               <a:t>YOUR SIMPLE WAY TO BANK</a:t>
-            </a:r>
-          </a:p>
-          <a:p>
-            <a:pPr algn="l"/>
-            <a:endParaRPr lang="en-GB" sz="2000" dirty="0">
-              <a:solidFill>
-                <a:srgbClr val="000000"/>
-              </a:solidFill>
-              <a:latin typeface="Avenir Next LT Pro Light" panose="020B0304020202020204" pitchFamily="34" charset="0"/>
-            </a:endParaRPr>
-          </a:p>
-          <a:p>
-            <a:pPr algn="l"/>
-            <a:endParaRPr lang="en-GB" sz="2000" dirty="0">
-              <a:solidFill>
-                <a:srgbClr val="000000"/>
-              </a:solidFill>
-              <a:latin typeface="Avenir Next LT Pro Light" panose="020B0304020202020204" pitchFamily="34" charset="0"/>
-            </a:endParaRPr>
-          </a:p>
-          <a:p>
-            <a:pPr algn="l"/>
-            <a:r>
-              <a:rPr lang="en-GB" sz="2000" dirty="0">
-                <a:solidFill>
-                  <a:srgbClr val="000000"/>
-                </a:solidFill>
-                <a:latin typeface="Avenir Next LT Pro Light" panose="020B0304020202020204" pitchFamily="34" charset="0"/>
-              </a:rPr>
-              <a:t>- TEAM 30 -</a:t>
             </a:r>
           </a:p>
         </p:txBody>
@@ -9540,6 +9881,211 @@
           </a:effectLst>
         </p:spPr>
       </p:pic>
+      <p:sp>
+        <p:nvSpPr>
+          <p:cNvPr id="8" name="Subtitle 2">
+            <a:extLst>
+              <a:ext uri="{FF2B5EF4-FFF2-40B4-BE49-F238E27FC236}">
+                <a16:creationId xmlns:a16="http://schemas.microsoft.com/office/drawing/2014/main" id="{3048E260-66AD-4BC3-A3A2-FC5CFD07D32B}"/>
+              </a:ext>
+            </a:extLst>
+          </p:cNvPr>
+          <p:cNvSpPr txBox="1">
+            <a:spLocks/>
+          </p:cNvSpPr>
+          <p:nvPr/>
+        </p:nvSpPr>
+        <p:spPr>
+          <a:xfrm>
+            <a:off x="6828784" y="4328300"/>
+            <a:ext cx="4805691" cy="819589"/>
+          </a:xfrm>
+          <a:prstGeom prst="rect">
+            <a:avLst/>
+          </a:prstGeom>
+        </p:spPr>
+        <p:txBody>
+          <a:bodyPr vert="horz" lIns="91440" tIns="45720" rIns="91440" bIns="45720" rtlCol="0" anchor="b">
+            <a:normAutofit/>
+          </a:bodyPr>
+          <a:lstStyle>
+            <a:lvl1pPr marL="0" indent="0" algn="ctr" defTabSz="914400" rtl="0" eaLnBrk="1" latinLnBrk="0" hangingPunct="1">
+              <a:lnSpc>
+                <a:spcPct val="90000"/>
+              </a:lnSpc>
+              <a:spcBef>
+                <a:spcPts val="1000"/>
+              </a:spcBef>
+              <a:buFont typeface="Arial" panose="020B0604020202020204" pitchFamily="34" charset="0"/>
+              <a:buNone/>
+              <a:defRPr sz="2400" kern="1200">
+                <a:solidFill>
+                  <a:schemeClr val="tx1"/>
+                </a:solidFill>
+                <a:latin typeface="+mn-lt"/>
+                <a:ea typeface="+mn-ea"/>
+                <a:cs typeface="+mn-cs"/>
+              </a:defRPr>
+            </a:lvl1pPr>
+            <a:lvl2pPr marL="457200" indent="0" algn="ctr" defTabSz="914400" rtl="0" eaLnBrk="1" latinLnBrk="0" hangingPunct="1">
+              <a:lnSpc>
+                <a:spcPct val="90000"/>
+              </a:lnSpc>
+              <a:spcBef>
+                <a:spcPts val="500"/>
+              </a:spcBef>
+              <a:buFont typeface="Arial" panose="020B0604020202020204" pitchFamily="34" charset="0"/>
+              <a:buNone/>
+              <a:defRPr sz="2000" kern="1200">
+                <a:solidFill>
+                  <a:schemeClr val="tx1"/>
+                </a:solidFill>
+                <a:latin typeface="+mn-lt"/>
+                <a:ea typeface="+mn-ea"/>
+                <a:cs typeface="+mn-cs"/>
+              </a:defRPr>
+            </a:lvl2pPr>
+            <a:lvl3pPr marL="914400" indent="0" algn="ctr" defTabSz="914400" rtl="0" eaLnBrk="1" latinLnBrk="0" hangingPunct="1">
+              <a:lnSpc>
+                <a:spcPct val="90000"/>
+              </a:lnSpc>
+              <a:spcBef>
+                <a:spcPts val="500"/>
+              </a:spcBef>
+              <a:buFont typeface="Arial" panose="020B0604020202020204" pitchFamily="34" charset="0"/>
+              <a:buNone/>
+              <a:defRPr sz="1800" kern="1200">
+                <a:solidFill>
+                  <a:schemeClr val="tx1"/>
+                </a:solidFill>
+                <a:latin typeface="+mn-lt"/>
+                <a:ea typeface="+mn-ea"/>
+                <a:cs typeface="+mn-cs"/>
+              </a:defRPr>
+            </a:lvl3pPr>
+            <a:lvl4pPr marL="1371600" indent="0" algn="ctr" defTabSz="914400" rtl="0" eaLnBrk="1" latinLnBrk="0" hangingPunct="1">
+              <a:lnSpc>
+                <a:spcPct val="90000"/>
+              </a:lnSpc>
+              <a:spcBef>
+                <a:spcPts val="500"/>
+              </a:spcBef>
+              <a:buFont typeface="Arial" panose="020B0604020202020204" pitchFamily="34" charset="0"/>
+              <a:buNone/>
+              <a:defRPr sz="1600" kern="1200">
+                <a:solidFill>
+                  <a:schemeClr val="tx1"/>
+                </a:solidFill>
+                <a:latin typeface="+mn-lt"/>
+                <a:ea typeface="+mn-ea"/>
+                <a:cs typeface="+mn-cs"/>
+              </a:defRPr>
+            </a:lvl4pPr>
+            <a:lvl5pPr marL="1828800" indent="0" algn="ctr" defTabSz="914400" rtl="0" eaLnBrk="1" latinLnBrk="0" hangingPunct="1">
+              <a:lnSpc>
+                <a:spcPct val="90000"/>
+              </a:lnSpc>
+              <a:spcBef>
+                <a:spcPts val="500"/>
+              </a:spcBef>
+              <a:buFont typeface="Arial" panose="020B0604020202020204" pitchFamily="34" charset="0"/>
+              <a:buNone/>
+              <a:defRPr sz="1600" kern="1200">
+                <a:solidFill>
+                  <a:schemeClr val="tx1"/>
+                </a:solidFill>
+                <a:latin typeface="+mn-lt"/>
+                <a:ea typeface="+mn-ea"/>
+                <a:cs typeface="+mn-cs"/>
+              </a:defRPr>
+            </a:lvl5pPr>
+            <a:lvl6pPr marL="2286000" indent="0" algn="ctr" defTabSz="914400" rtl="0" eaLnBrk="1" latinLnBrk="0" hangingPunct="1">
+              <a:lnSpc>
+                <a:spcPct val="90000"/>
+              </a:lnSpc>
+              <a:spcBef>
+                <a:spcPts val="500"/>
+              </a:spcBef>
+              <a:buFont typeface="Arial" panose="020B0604020202020204" pitchFamily="34" charset="0"/>
+              <a:buNone/>
+              <a:defRPr sz="1600" kern="1200">
+                <a:solidFill>
+                  <a:schemeClr val="tx1"/>
+                </a:solidFill>
+                <a:latin typeface="+mn-lt"/>
+                <a:ea typeface="+mn-ea"/>
+                <a:cs typeface="+mn-cs"/>
+              </a:defRPr>
+            </a:lvl6pPr>
+            <a:lvl7pPr marL="2743200" indent="0" algn="ctr" defTabSz="914400" rtl="0" eaLnBrk="1" latinLnBrk="0" hangingPunct="1">
+              <a:lnSpc>
+                <a:spcPct val="90000"/>
+              </a:lnSpc>
+              <a:spcBef>
+                <a:spcPts val="500"/>
+              </a:spcBef>
+              <a:buFont typeface="Arial" panose="020B0604020202020204" pitchFamily="34" charset="0"/>
+              <a:buNone/>
+              <a:defRPr sz="1600" kern="1200">
+                <a:solidFill>
+                  <a:schemeClr val="tx1"/>
+                </a:solidFill>
+                <a:latin typeface="+mn-lt"/>
+                <a:ea typeface="+mn-ea"/>
+                <a:cs typeface="+mn-cs"/>
+              </a:defRPr>
+            </a:lvl7pPr>
+            <a:lvl8pPr marL="3200400" indent="0" algn="ctr" defTabSz="914400" rtl="0" eaLnBrk="1" latinLnBrk="0" hangingPunct="1">
+              <a:lnSpc>
+                <a:spcPct val="90000"/>
+              </a:lnSpc>
+              <a:spcBef>
+                <a:spcPts val="500"/>
+              </a:spcBef>
+              <a:buFont typeface="Arial" panose="020B0604020202020204" pitchFamily="34" charset="0"/>
+              <a:buNone/>
+              <a:defRPr sz="1600" kern="1200">
+                <a:solidFill>
+                  <a:schemeClr val="tx1"/>
+                </a:solidFill>
+                <a:latin typeface="+mn-lt"/>
+                <a:ea typeface="+mn-ea"/>
+                <a:cs typeface="+mn-cs"/>
+              </a:defRPr>
+            </a:lvl8pPr>
+            <a:lvl9pPr marL="3657600" indent="0" algn="ctr" defTabSz="914400" rtl="0" eaLnBrk="1" latinLnBrk="0" hangingPunct="1">
+              <a:lnSpc>
+                <a:spcPct val="90000"/>
+              </a:lnSpc>
+              <a:spcBef>
+                <a:spcPts val="500"/>
+              </a:spcBef>
+              <a:buFont typeface="Arial" panose="020B0604020202020204" pitchFamily="34" charset="0"/>
+              <a:buNone/>
+              <a:defRPr sz="1600" kern="1200">
+                <a:solidFill>
+                  <a:schemeClr val="tx1"/>
+                </a:solidFill>
+                <a:latin typeface="+mn-lt"/>
+                <a:ea typeface="+mn-ea"/>
+                <a:cs typeface="+mn-cs"/>
+              </a:defRPr>
+            </a:lvl9pPr>
+          </a:lstStyle>
+          <a:p>
+            <a:pPr algn="l"/>
+            <a:r>
+              <a:rPr lang="en-GB" sz="2000" dirty="0">
+                <a:solidFill>
+                  <a:srgbClr val="000000"/>
+                </a:solidFill>
+                <a:latin typeface="Avenir Next LT Pro Light" panose="020B0304020202020204" pitchFamily="34" charset="0"/>
+              </a:rPr>
+              <a:t>- TEAM 30 -</a:t>
+            </a:r>
+          </a:p>
+        </p:txBody>
+      </p:sp>
     </p:spTree>
     <p:extLst>
       <p:ext uri="{BB962C8B-B14F-4D97-AF65-F5344CB8AC3E}">
@@ -9550,6 +10096,4430 @@
   <p:clrMapOvr>
     <a:masterClrMapping/>
   </p:clrMapOvr>
+  <mc:AlternateContent xmlns:mc="http://schemas.openxmlformats.org/markup-compatibility/2006">
+    <mc:Choice xmlns:p14="http://schemas.microsoft.com/office/powerpoint/2010/main" Requires="p14">
+      <p:transition spd="slow" p14:dur="1250">
+        <p14:doors dir="vert"/>
+      </p:transition>
+    </mc:Choice>
+    <mc:Fallback>
+      <p:transition spd="slow">
+        <p:fade/>
+      </p:transition>
+    </mc:Fallback>
+  </mc:AlternateContent>
+  <p:timing>
+    <p:tnLst>
+      <p:par>
+        <p:cTn id="1" dur="indefinite" restart="never" nodeType="tmRoot">
+          <p:childTnLst>
+            <p:seq concurrent="1" nextAc="seek">
+              <p:cTn id="2" dur="indefinite" nodeType="mainSeq">
+                <p:childTnLst>
+                  <p:par>
+                    <p:cTn id="3" fill="hold">
+                      <p:stCondLst>
+                        <p:cond delay="indefinite"/>
+                        <p:cond evt="onBegin" delay="0">
+                          <p:tn val="2"/>
+                        </p:cond>
+                      </p:stCondLst>
+                      <p:childTnLst>
+                        <p:par>
+                          <p:cTn id="4" fill="hold">
+                            <p:stCondLst>
+                              <p:cond delay="0"/>
+                            </p:stCondLst>
+                            <p:childTnLst>
+                              <p:par>
+                                <p:cTn id="5" presetID="10" presetClass="entr" presetSubtype="0" fill="hold" nodeType="withEffect">
+                                  <p:stCondLst>
+                                    <p:cond delay="0"/>
+                                  </p:stCondLst>
+                                  <p:childTnLst>
+                                    <p:set>
+                                      <p:cBhvr>
+                                        <p:cTn id="6" dur="1" fill="hold">
+                                          <p:stCondLst>
+                                            <p:cond delay="0"/>
+                                          </p:stCondLst>
+                                        </p:cTn>
+                                        <p:tgtEl>
+                                          <p:spTgt spid="3">
+                                            <p:txEl>
+                                              <p:pRg st="0" end="0"/>
+                                            </p:txEl>
+                                          </p:spTgt>
+                                        </p:tgtEl>
+                                        <p:attrNameLst>
+                                          <p:attrName>style.visibility</p:attrName>
+                                        </p:attrNameLst>
+                                      </p:cBhvr>
+                                      <p:to>
+                                        <p:strVal val="visible"/>
+                                      </p:to>
+                                    </p:set>
+                                    <p:animEffect transition="in" filter="fade">
+                                      <p:cBhvr>
+                                        <p:cTn id="7" dur="1000"/>
+                                        <p:tgtEl>
+                                          <p:spTgt spid="3">
+                                            <p:txEl>
+                                              <p:pRg st="0" end="0"/>
+                                            </p:txEl>
+                                          </p:spTgt>
+                                        </p:tgtEl>
+                                      </p:cBhvr>
+                                    </p:animEffect>
+                                  </p:childTnLst>
+                                </p:cTn>
+                              </p:par>
+                            </p:childTnLst>
+                          </p:cTn>
+                        </p:par>
+                      </p:childTnLst>
+                    </p:cTn>
+                  </p:par>
+                </p:childTnLst>
+              </p:cTn>
+              <p:prevCondLst>
+                <p:cond evt="onPrev" delay="0">
+                  <p:tgtEl>
+                    <p:sldTgt/>
+                  </p:tgtEl>
+                </p:cond>
+              </p:prevCondLst>
+              <p:nextCondLst>
+                <p:cond evt="onNext" delay="0">
+                  <p:tgtEl>
+                    <p:sldTgt/>
+                  </p:tgtEl>
+                </p:cond>
+              </p:nextCondLst>
+            </p:seq>
+          </p:childTnLst>
+        </p:cTn>
+      </p:par>
+    </p:tnLst>
+  </p:timing>
+</p:sld>
+</file>
+
+<file path=ppt/slides/slide10.xml><?xml version="1.0" encoding="utf-8"?>
+<p:sld xmlns:a="http://schemas.openxmlformats.org/drawingml/2006/main" xmlns:r="http://schemas.openxmlformats.org/officeDocument/2006/relationships" xmlns:p="http://schemas.openxmlformats.org/presentationml/2006/main">
+  <p:cSld>
+    <p:bg>
+      <p:bgPr>
+        <a:blipFill rotWithShape="1">
+          <a:blip r:embed="rId2">
+            <a:duotone>
+              <a:schemeClr val="bg2">
+                <a:shade val="28000"/>
+                <a:satMod val="94000"/>
+                <a:lumMod val="20000"/>
+              </a:schemeClr>
+              <a:schemeClr val="bg2">
+                <a:tint val="94000"/>
+                <a:shade val="84000"/>
+                <a:satMod val="148000"/>
+                <a:lumMod val="114000"/>
+              </a:schemeClr>
+            </a:duotone>
+          </a:blip>
+          <a:stretch/>
+        </a:blipFill>
+        <a:effectLst/>
+      </p:bgPr>
+    </p:bg>
+    <p:spTree>
+      <p:nvGrpSpPr>
+        <p:cNvPr id="1" name=""/>
+        <p:cNvGrpSpPr/>
+        <p:nvPr/>
+      </p:nvGrpSpPr>
+      <p:grpSpPr>
+        <a:xfrm>
+          <a:off x="0" y="0"/>
+          <a:ext cx="0" cy="0"/>
+          <a:chOff x="0" y="0"/>
+          <a:chExt cx="0" cy="0"/>
+        </a:xfrm>
+      </p:grpSpPr>
+      <p:sp>
+        <p:nvSpPr>
+          <p:cNvPr id="59" name="Rectangle 51">
+            <a:extLst>
+              <a:ext uri="{FF2B5EF4-FFF2-40B4-BE49-F238E27FC236}">
+                <a16:creationId xmlns:a16="http://schemas.microsoft.com/office/drawing/2014/main" id="{FB3516BD-64C7-48EF-A342-9F00D167EE78}"/>
+              </a:ext>
+              <a:ext uri="{C183D7F6-B498-43B3-948B-1728B52AA6E4}">
+                <adec:decorative xmlns:adec="http://schemas.microsoft.com/office/drawing/2017/decorative" val="1"/>
+              </a:ext>
+            </a:extLst>
+          </p:cNvPr>
+          <p:cNvSpPr>
+            <a:spLocks noGrp="1" noRot="1" noChangeAspect="1" noMove="1" noResize="1" noEditPoints="1" noAdjustHandles="1" noChangeArrowheads="1" noChangeShapeType="1" noTextEdit="1"/>
+          </p:cNvSpPr>
+          <p:nvPr>
+            <p:extLst>
+              <p:ext uri="{386F3935-93C4-4BCD-93E2-E3B085C9AB24}">
+                <p16:designElem xmlns:p16="http://schemas.microsoft.com/office/powerpoint/2015/main" val="1"/>
+              </p:ext>
+            </p:extLst>
+          </p:nvPr>
+        </p:nvSpPr>
+        <p:spPr>
+          <a:xfrm>
+            <a:off x="643467" y="643467"/>
+            <a:ext cx="10905066" cy="5571066"/>
+          </a:xfrm>
+          <a:prstGeom prst="rect">
+            <a:avLst/>
+          </a:prstGeom>
+          <a:solidFill>
+            <a:srgbClr val="FFFFFF"/>
+          </a:solidFill>
+          <a:ln>
+            <a:noFill/>
+          </a:ln>
+          <a:effectLst>
+            <a:outerShdw blurRad="165100" dist="38100" dir="5400000" sx="102000" sy="102000" algn="t" rotWithShape="0">
+              <a:prstClr val="black">
+                <a:alpha val="40000"/>
+              </a:prstClr>
+            </a:outerShdw>
+          </a:effectLst>
+        </p:spPr>
+        <p:style>
+          <a:lnRef idx="2">
+            <a:schemeClr val="accent1">
+              <a:shade val="50000"/>
+            </a:schemeClr>
+          </a:lnRef>
+          <a:fillRef idx="1">
+            <a:schemeClr val="accent1"/>
+          </a:fillRef>
+          <a:effectRef idx="0">
+            <a:schemeClr val="accent1"/>
+          </a:effectRef>
+          <a:fontRef idx="minor">
+            <a:schemeClr val="lt1"/>
+          </a:fontRef>
+        </p:style>
+        <p:txBody>
+          <a:bodyPr rtlCol="0" anchor="ctr"/>
+          <a:lstStyle/>
+          <a:p>
+            <a:pPr algn="ctr"/>
+            <a:endParaRPr lang="en-US"/>
+          </a:p>
+        </p:txBody>
+      </p:sp>
+      <p:sp>
+        <p:nvSpPr>
+          <p:cNvPr id="7" name="TextBox 6">
+            <a:extLst>
+              <a:ext uri="{FF2B5EF4-FFF2-40B4-BE49-F238E27FC236}">
+                <a16:creationId xmlns:a16="http://schemas.microsoft.com/office/drawing/2014/main" id="{6FCF6712-AA4D-40A1-8787-5D0993D9AD13}"/>
+              </a:ext>
+            </a:extLst>
+          </p:cNvPr>
+          <p:cNvSpPr txBox="1"/>
+          <p:nvPr/>
+        </p:nvSpPr>
+        <p:spPr>
+          <a:xfrm>
+            <a:off x="1415844" y="2572914"/>
+            <a:ext cx="5877710" cy="2554545"/>
+          </a:xfrm>
+          <a:prstGeom prst="rect">
+            <a:avLst/>
+          </a:prstGeom>
+          <a:ln w="38100"/>
+        </p:spPr>
+        <p:style>
+          <a:lnRef idx="2">
+            <a:schemeClr val="dk1"/>
+          </a:lnRef>
+          <a:fillRef idx="1">
+            <a:schemeClr val="lt1"/>
+          </a:fillRef>
+          <a:effectRef idx="0">
+            <a:schemeClr val="dk1"/>
+          </a:effectRef>
+          <a:fontRef idx="minor">
+            <a:schemeClr val="dk1"/>
+          </a:fontRef>
+        </p:style>
+        <p:txBody>
+          <a:bodyPr wrap="square" rtlCol="0">
+            <a:spAutoFit/>
+          </a:bodyPr>
+          <a:lstStyle/>
+          <a:p>
+            <a:r>
+              <a:rPr lang="en-GB" sz="2000" dirty="0"/>
+              <a:t>The Account Summary page will display the last five transactions made via the user’s account, along with their account balance and other key information</a:t>
+            </a:r>
+          </a:p>
+          <a:p>
+            <a:endParaRPr lang="en-GB" sz="2000" dirty="0"/>
+          </a:p>
+          <a:p>
+            <a:endParaRPr lang="en-GB" sz="2000" dirty="0"/>
+          </a:p>
+          <a:p>
+            <a:r>
+              <a:rPr lang="en-GB" sz="2000" dirty="0"/>
+              <a:t>The navigation to the next or home screen will be via tapping onto the screen</a:t>
+            </a:r>
+          </a:p>
+        </p:txBody>
+      </p:sp>
+      <p:sp>
+        <p:nvSpPr>
+          <p:cNvPr id="6" name="TextBox 5">
+            <a:extLst>
+              <a:ext uri="{FF2B5EF4-FFF2-40B4-BE49-F238E27FC236}">
+                <a16:creationId xmlns:a16="http://schemas.microsoft.com/office/drawing/2014/main" id="{03CE6654-4AB0-4A05-B74F-5E80122384F6}"/>
+              </a:ext>
+            </a:extLst>
+          </p:cNvPr>
+          <p:cNvSpPr txBox="1"/>
+          <p:nvPr/>
+        </p:nvSpPr>
+        <p:spPr>
+          <a:xfrm>
+            <a:off x="1415844" y="807212"/>
+            <a:ext cx="6650088" cy="923330"/>
+          </a:xfrm>
+          <a:prstGeom prst="rect">
+            <a:avLst/>
+          </a:prstGeom>
+          <a:noFill/>
+        </p:spPr>
+        <p:txBody>
+          <a:bodyPr wrap="square" rtlCol="0">
+            <a:spAutoFit/>
+          </a:bodyPr>
+          <a:lstStyle/>
+          <a:p>
+            <a:r>
+              <a:rPr lang="en-GB" sz="5400" dirty="0">
+                <a:solidFill>
+                  <a:schemeClr val="bg1"/>
+                </a:solidFill>
+              </a:rPr>
+              <a:t>Account Summary</a:t>
+            </a:r>
+          </a:p>
+        </p:txBody>
+      </p:sp>
+      <p:pic>
+        <p:nvPicPr>
+          <p:cNvPr id="8" name="Picture 7" descr="A screenshot of a computer&#10;&#10;Description automatically generated">
+            <a:extLst>
+              <a:ext uri="{FF2B5EF4-FFF2-40B4-BE49-F238E27FC236}">
+                <a16:creationId xmlns:a16="http://schemas.microsoft.com/office/drawing/2014/main" id="{717DCEA1-621C-4677-B2BE-508B522ACCCC}"/>
+              </a:ext>
+            </a:extLst>
+          </p:cNvPr>
+          <p:cNvPicPr>
+            <a:picLocks noChangeAspect="1"/>
+          </p:cNvPicPr>
+          <p:nvPr/>
+        </p:nvPicPr>
+        <p:blipFill>
+          <a:blip r:embed="rId3">
+            <a:extLst>
+              <a:ext uri="{28A0092B-C50C-407E-A947-70E740481C1C}">
+                <a14:useLocalDpi xmlns:a14="http://schemas.microsoft.com/office/drawing/2010/main" val="0"/>
+              </a:ext>
+            </a:extLst>
+          </a:blip>
+          <a:stretch>
+            <a:fillRect/>
+          </a:stretch>
+        </p:blipFill>
+        <p:spPr>
+          <a:xfrm>
+            <a:off x="8427285" y="807212"/>
+            <a:ext cx="2759894" cy="5314185"/>
+          </a:xfrm>
+          <a:prstGeom prst="rect">
+            <a:avLst/>
+          </a:prstGeom>
+        </p:spPr>
+      </p:pic>
+    </p:spTree>
+    <p:extLst>
+      <p:ext uri="{BB962C8B-B14F-4D97-AF65-F5344CB8AC3E}">
+        <p14:creationId xmlns:p14="http://schemas.microsoft.com/office/powerpoint/2010/main" val="4068904553"/>
+      </p:ext>
+    </p:extLst>
+  </p:cSld>
+  <p:clrMapOvr>
+    <a:masterClrMapping/>
+  </p:clrMapOvr>
+  <mc:AlternateContent xmlns:mc="http://schemas.openxmlformats.org/markup-compatibility/2006">
+    <mc:Choice xmlns:p14="http://schemas.microsoft.com/office/powerpoint/2010/main" Requires="p14">
+      <p:transition spd="slow" p14:dur="1250">
+        <p14:doors dir="vert"/>
+      </p:transition>
+    </mc:Choice>
+    <mc:Fallback>
+      <p:transition spd="slow">
+        <p:fade/>
+      </p:transition>
+    </mc:Fallback>
+  </mc:AlternateContent>
+  <p:timing>
+    <p:tnLst>
+      <p:par>
+        <p:cTn id="1" dur="indefinite" restart="never" nodeType="tmRoot">
+          <p:childTnLst>
+            <p:seq concurrent="1" nextAc="seek">
+              <p:cTn id="2" dur="indefinite" nodeType="mainSeq">
+                <p:childTnLst>
+                  <p:par>
+                    <p:cTn id="3" fill="hold">
+                      <p:stCondLst>
+                        <p:cond delay="indefinite"/>
+                        <p:cond evt="onBegin" delay="0">
+                          <p:tn val="2"/>
+                        </p:cond>
+                      </p:stCondLst>
+                      <p:childTnLst>
+                        <p:par>
+                          <p:cTn id="4" fill="hold">
+                            <p:stCondLst>
+                              <p:cond delay="0"/>
+                            </p:stCondLst>
+                            <p:childTnLst>
+                              <p:par>
+                                <p:cTn id="5" presetID="10" presetClass="entr" presetSubtype="0" fill="hold" nodeType="afterEffect">
+                                  <p:stCondLst>
+                                    <p:cond delay="0"/>
+                                  </p:stCondLst>
+                                  <p:childTnLst>
+                                    <p:set>
+                                      <p:cBhvr>
+                                        <p:cTn id="6" dur="1" fill="hold">
+                                          <p:stCondLst>
+                                            <p:cond delay="0"/>
+                                          </p:stCondLst>
+                                        </p:cTn>
+                                        <p:tgtEl>
+                                          <p:spTgt spid="7">
+                                            <p:txEl>
+                                              <p:pRg st="0" end="0"/>
+                                            </p:txEl>
+                                          </p:spTgt>
+                                        </p:tgtEl>
+                                        <p:attrNameLst>
+                                          <p:attrName>style.visibility</p:attrName>
+                                        </p:attrNameLst>
+                                      </p:cBhvr>
+                                      <p:to>
+                                        <p:strVal val="visible"/>
+                                      </p:to>
+                                    </p:set>
+                                    <p:animEffect transition="in" filter="fade">
+                                      <p:cBhvr>
+                                        <p:cTn id="7" dur="500"/>
+                                        <p:tgtEl>
+                                          <p:spTgt spid="7">
+                                            <p:txEl>
+                                              <p:pRg st="0" end="0"/>
+                                            </p:txEl>
+                                          </p:spTgt>
+                                        </p:tgtEl>
+                                      </p:cBhvr>
+                                    </p:animEffect>
+                                  </p:childTnLst>
+                                </p:cTn>
+                              </p:par>
+                            </p:childTnLst>
+                          </p:cTn>
+                        </p:par>
+                        <p:par>
+                          <p:cTn id="8" fill="hold">
+                            <p:stCondLst>
+                              <p:cond delay="500"/>
+                            </p:stCondLst>
+                            <p:childTnLst>
+                              <p:par>
+                                <p:cTn id="9" presetID="10" presetClass="entr" presetSubtype="0" fill="hold" nodeType="afterEffect">
+                                  <p:stCondLst>
+                                    <p:cond delay="0"/>
+                                  </p:stCondLst>
+                                  <p:childTnLst>
+                                    <p:set>
+                                      <p:cBhvr>
+                                        <p:cTn id="10" dur="1" fill="hold">
+                                          <p:stCondLst>
+                                            <p:cond delay="0"/>
+                                          </p:stCondLst>
+                                        </p:cTn>
+                                        <p:tgtEl>
+                                          <p:spTgt spid="7">
+                                            <p:txEl>
+                                              <p:pRg st="3" end="3"/>
+                                            </p:txEl>
+                                          </p:spTgt>
+                                        </p:tgtEl>
+                                        <p:attrNameLst>
+                                          <p:attrName>style.visibility</p:attrName>
+                                        </p:attrNameLst>
+                                      </p:cBhvr>
+                                      <p:to>
+                                        <p:strVal val="visible"/>
+                                      </p:to>
+                                    </p:set>
+                                    <p:animEffect transition="in" filter="fade">
+                                      <p:cBhvr>
+                                        <p:cTn id="11" dur="500"/>
+                                        <p:tgtEl>
+                                          <p:spTgt spid="7">
+                                            <p:txEl>
+                                              <p:pRg st="3" end="3"/>
+                                            </p:txEl>
+                                          </p:spTgt>
+                                        </p:tgtEl>
+                                      </p:cBhvr>
+                                    </p:animEffect>
+                                  </p:childTnLst>
+                                </p:cTn>
+                              </p:par>
+                            </p:childTnLst>
+                          </p:cTn>
+                        </p:par>
+                      </p:childTnLst>
+                    </p:cTn>
+                  </p:par>
+                </p:childTnLst>
+              </p:cTn>
+              <p:prevCondLst>
+                <p:cond evt="onPrev" delay="0">
+                  <p:tgtEl>
+                    <p:sldTgt/>
+                  </p:tgtEl>
+                </p:cond>
+              </p:prevCondLst>
+              <p:nextCondLst>
+                <p:cond evt="onNext" delay="0">
+                  <p:tgtEl>
+                    <p:sldTgt/>
+                  </p:tgtEl>
+                </p:cond>
+              </p:nextCondLst>
+            </p:seq>
+          </p:childTnLst>
+        </p:cTn>
+      </p:par>
+    </p:tnLst>
+  </p:timing>
+</p:sld>
+</file>
+
+<file path=ppt/slides/slide11.xml><?xml version="1.0" encoding="utf-8"?>
+<p:sld xmlns:a="http://schemas.openxmlformats.org/drawingml/2006/main" xmlns:r="http://schemas.openxmlformats.org/officeDocument/2006/relationships" xmlns:p="http://schemas.openxmlformats.org/presentationml/2006/main">
+  <p:cSld>
+    <p:bg>
+      <p:bgPr>
+        <a:blipFill rotWithShape="1">
+          <a:blip r:embed="rId2">
+            <a:duotone>
+              <a:schemeClr val="bg2">
+                <a:shade val="28000"/>
+                <a:satMod val="94000"/>
+                <a:lumMod val="20000"/>
+              </a:schemeClr>
+              <a:schemeClr val="bg2">
+                <a:tint val="94000"/>
+                <a:shade val="84000"/>
+                <a:satMod val="148000"/>
+                <a:lumMod val="114000"/>
+              </a:schemeClr>
+            </a:duotone>
+          </a:blip>
+          <a:stretch/>
+        </a:blipFill>
+        <a:effectLst/>
+      </p:bgPr>
+    </p:bg>
+    <p:spTree>
+      <p:nvGrpSpPr>
+        <p:cNvPr id="1" name=""/>
+        <p:cNvGrpSpPr/>
+        <p:nvPr/>
+      </p:nvGrpSpPr>
+      <p:grpSpPr>
+        <a:xfrm>
+          <a:off x="0" y="0"/>
+          <a:ext cx="0" cy="0"/>
+          <a:chOff x="0" y="0"/>
+          <a:chExt cx="0" cy="0"/>
+        </a:xfrm>
+      </p:grpSpPr>
+      <p:sp>
+        <p:nvSpPr>
+          <p:cNvPr id="59" name="Rectangle 51">
+            <a:extLst>
+              <a:ext uri="{FF2B5EF4-FFF2-40B4-BE49-F238E27FC236}">
+                <a16:creationId xmlns:a16="http://schemas.microsoft.com/office/drawing/2014/main" id="{FB3516BD-64C7-48EF-A342-9F00D167EE78}"/>
+              </a:ext>
+              <a:ext uri="{C183D7F6-B498-43B3-948B-1728B52AA6E4}">
+                <adec:decorative xmlns:adec="http://schemas.microsoft.com/office/drawing/2017/decorative" val="1"/>
+              </a:ext>
+            </a:extLst>
+          </p:cNvPr>
+          <p:cNvSpPr>
+            <a:spLocks noGrp="1" noRot="1" noChangeAspect="1" noMove="1" noResize="1" noEditPoints="1" noAdjustHandles="1" noChangeArrowheads="1" noChangeShapeType="1" noTextEdit="1"/>
+          </p:cNvSpPr>
+          <p:nvPr>
+            <p:extLst>
+              <p:ext uri="{386F3935-93C4-4BCD-93E2-E3B085C9AB24}">
+                <p16:designElem xmlns:p16="http://schemas.microsoft.com/office/powerpoint/2015/main" val="1"/>
+              </p:ext>
+            </p:extLst>
+          </p:nvPr>
+        </p:nvSpPr>
+        <p:spPr>
+          <a:xfrm>
+            <a:off x="643467" y="643467"/>
+            <a:ext cx="10905066" cy="5571066"/>
+          </a:xfrm>
+          <a:prstGeom prst="rect">
+            <a:avLst/>
+          </a:prstGeom>
+          <a:solidFill>
+            <a:srgbClr val="FFFFFF"/>
+          </a:solidFill>
+          <a:ln>
+            <a:noFill/>
+          </a:ln>
+          <a:effectLst>
+            <a:outerShdw blurRad="165100" dist="38100" dir="5400000" sx="102000" sy="102000" algn="t" rotWithShape="0">
+              <a:prstClr val="black">
+                <a:alpha val="40000"/>
+              </a:prstClr>
+            </a:outerShdw>
+          </a:effectLst>
+        </p:spPr>
+        <p:style>
+          <a:lnRef idx="2">
+            <a:schemeClr val="accent1">
+              <a:shade val="50000"/>
+            </a:schemeClr>
+          </a:lnRef>
+          <a:fillRef idx="1">
+            <a:schemeClr val="accent1"/>
+          </a:fillRef>
+          <a:effectRef idx="0">
+            <a:schemeClr val="accent1"/>
+          </a:effectRef>
+          <a:fontRef idx="minor">
+            <a:schemeClr val="lt1"/>
+          </a:fontRef>
+        </p:style>
+        <p:txBody>
+          <a:bodyPr rtlCol="0" anchor="ctr"/>
+          <a:lstStyle/>
+          <a:p>
+            <a:pPr algn="ctr"/>
+            <a:endParaRPr lang="en-US"/>
+          </a:p>
+        </p:txBody>
+      </p:sp>
+      <p:sp>
+        <p:nvSpPr>
+          <p:cNvPr id="4" name="TextBox 3">
+            <a:extLst>
+              <a:ext uri="{FF2B5EF4-FFF2-40B4-BE49-F238E27FC236}">
+                <a16:creationId xmlns:a16="http://schemas.microsoft.com/office/drawing/2014/main" id="{5E331C3F-D6B4-4A35-9538-1EAE4F316B32}"/>
+              </a:ext>
+            </a:extLst>
+          </p:cNvPr>
+          <p:cNvSpPr txBox="1"/>
+          <p:nvPr/>
+        </p:nvSpPr>
+        <p:spPr>
+          <a:xfrm>
+            <a:off x="4172114" y="865557"/>
+            <a:ext cx="5139034" cy="923330"/>
+          </a:xfrm>
+          <a:prstGeom prst="rect">
+            <a:avLst/>
+          </a:prstGeom>
+          <a:noFill/>
+        </p:spPr>
+        <p:txBody>
+          <a:bodyPr wrap="square" rtlCol="0">
+            <a:spAutoFit/>
+          </a:bodyPr>
+          <a:lstStyle/>
+          <a:p>
+            <a:r>
+              <a:rPr lang="en-GB" sz="5400" dirty="0">
+                <a:solidFill>
+                  <a:schemeClr val="bg1"/>
+                </a:solidFill>
+              </a:rPr>
+              <a:t>Transfer Funds</a:t>
+            </a:r>
+          </a:p>
+        </p:txBody>
+      </p:sp>
+      <p:sp>
+        <p:nvSpPr>
+          <p:cNvPr id="7" name="TextBox 6">
+            <a:extLst>
+              <a:ext uri="{FF2B5EF4-FFF2-40B4-BE49-F238E27FC236}">
+                <a16:creationId xmlns:a16="http://schemas.microsoft.com/office/drawing/2014/main" id="{6FCF6712-AA4D-40A1-8787-5D0993D9AD13}"/>
+              </a:ext>
+            </a:extLst>
+          </p:cNvPr>
+          <p:cNvSpPr txBox="1"/>
+          <p:nvPr/>
+        </p:nvSpPr>
+        <p:spPr>
+          <a:xfrm>
+            <a:off x="4172114" y="2031940"/>
+            <a:ext cx="6486054" cy="3785652"/>
+          </a:xfrm>
+          <a:prstGeom prst="rect">
+            <a:avLst/>
+          </a:prstGeom>
+          <a:ln w="38100"/>
+        </p:spPr>
+        <p:style>
+          <a:lnRef idx="2">
+            <a:schemeClr val="dk1"/>
+          </a:lnRef>
+          <a:fillRef idx="1">
+            <a:schemeClr val="lt1"/>
+          </a:fillRef>
+          <a:effectRef idx="0">
+            <a:schemeClr val="dk1"/>
+          </a:effectRef>
+          <a:fontRef idx="minor">
+            <a:schemeClr val="dk1"/>
+          </a:fontRef>
+        </p:style>
+        <p:txBody>
+          <a:bodyPr wrap="square" rtlCol="0">
+            <a:spAutoFit/>
+          </a:bodyPr>
+          <a:lstStyle/>
+          <a:p>
+            <a:r>
+              <a:rPr lang="en-GB" sz="2000" dirty="0"/>
+              <a:t>The Transfer Funds page allows the user to transfer money to other beneficiaries using a secure mechanism</a:t>
+            </a:r>
+          </a:p>
+          <a:p>
+            <a:endParaRPr lang="en-GB" sz="2000" dirty="0"/>
+          </a:p>
+          <a:p>
+            <a:r>
+              <a:rPr lang="en-GB" sz="2000" dirty="0"/>
+              <a:t>Core operations permitted are:</a:t>
+            </a:r>
+          </a:p>
+          <a:p>
+            <a:pPr marL="800100" lvl="1" indent="-342900">
+              <a:buFont typeface="Wingdings" panose="05000000000000000000" pitchFamily="2" charset="2"/>
+              <a:buChar char="§"/>
+            </a:pPr>
+            <a:r>
+              <a:rPr lang="en-GB" sz="2000" dirty="0"/>
+              <a:t>Adding new beneficiaries</a:t>
+            </a:r>
+          </a:p>
+          <a:p>
+            <a:pPr marL="800100" lvl="1" indent="-342900">
+              <a:buFont typeface="Wingdings" panose="05000000000000000000" pitchFamily="2" charset="2"/>
+              <a:buChar char="§"/>
+            </a:pPr>
+            <a:r>
+              <a:rPr lang="en-GB" sz="2000" dirty="0"/>
+              <a:t>Transfer funds to existing beneficiaries</a:t>
+            </a:r>
+          </a:p>
+          <a:p>
+            <a:pPr marL="800100" lvl="1" indent="-342900">
+              <a:buFont typeface="Wingdings" panose="05000000000000000000" pitchFamily="2" charset="2"/>
+              <a:buChar char="§"/>
+            </a:pPr>
+            <a:r>
+              <a:rPr lang="en-GB" sz="2000" dirty="0"/>
+              <a:t>Managing/Editing existing beneficiaries</a:t>
+            </a:r>
+          </a:p>
+          <a:p>
+            <a:pPr lvl="1"/>
+            <a:endParaRPr lang="en-GB" sz="2000" dirty="0"/>
+          </a:p>
+          <a:p>
+            <a:pPr marL="0" lvl="1">
+              <a:tabLst>
+                <a:tab pos="0" algn="l"/>
+              </a:tabLst>
+            </a:pPr>
+            <a:r>
+              <a:rPr lang="en-GB" sz="2000" dirty="0"/>
+              <a:t>The screen will use Speech-to-Text and vice versa for input and feedback, confirming all relevant details before committing to an operation</a:t>
+            </a:r>
+          </a:p>
+        </p:txBody>
+      </p:sp>
+      <p:pic>
+        <p:nvPicPr>
+          <p:cNvPr id="10" name="Picture 9" descr="A screenshot of a computer&#10;&#10;Description automatically generated">
+            <a:extLst>
+              <a:ext uri="{FF2B5EF4-FFF2-40B4-BE49-F238E27FC236}">
+                <a16:creationId xmlns:a16="http://schemas.microsoft.com/office/drawing/2014/main" id="{A49239C3-66BB-4EDA-ACF1-46059FC6792C}"/>
+              </a:ext>
+            </a:extLst>
+          </p:cNvPr>
+          <p:cNvPicPr>
+            <a:picLocks noChangeAspect="1"/>
+          </p:cNvPicPr>
+          <p:nvPr/>
+        </p:nvPicPr>
+        <p:blipFill>
+          <a:blip r:embed="rId3">
+            <a:extLst>
+              <a:ext uri="{28A0092B-C50C-407E-A947-70E740481C1C}">
+                <a14:useLocalDpi xmlns:a14="http://schemas.microsoft.com/office/drawing/2010/main" val="0"/>
+              </a:ext>
+            </a:extLst>
+          </a:blip>
+          <a:stretch>
+            <a:fillRect/>
+          </a:stretch>
+        </p:blipFill>
+        <p:spPr>
+          <a:xfrm>
+            <a:off x="1189506" y="924302"/>
+            <a:ext cx="2436570" cy="5009396"/>
+          </a:xfrm>
+          <a:prstGeom prst="rect">
+            <a:avLst/>
+          </a:prstGeom>
+        </p:spPr>
+      </p:pic>
+    </p:spTree>
+    <p:extLst>
+      <p:ext uri="{BB962C8B-B14F-4D97-AF65-F5344CB8AC3E}">
+        <p14:creationId xmlns:p14="http://schemas.microsoft.com/office/powerpoint/2010/main" val="3371360686"/>
+      </p:ext>
+    </p:extLst>
+  </p:cSld>
+  <p:clrMapOvr>
+    <a:masterClrMapping/>
+  </p:clrMapOvr>
+  <mc:AlternateContent xmlns:mc="http://schemas.openxmlformats.org/markup-compatibility/2006">
+    <mc:Choice xmlns:p14="http://schemas.microsoft.com/office/powerpoint/2010/main" Requires="p14">
+      <p:transition spd="slow" p14:dur="1250">
+        <p14:doors dir="vert"/>
+      </p:transition>
+    </mc:Choice>
+    <mc:Fallback>
+      <p:transition spd="slow">
+        <p:fade/>
+      </p:transition>
+    </mc:Fallback>
+  </mc:AlternateContent>
+  <p:timing>
+    <p:tnLst>
+      <p:par>
+        <p:cTn id="1" dur="indefinite" restart="never" nodeType="tmRoot">
+          <p:childTnLst>
+            <p:seq concurrent="1" nextAc="seek">
+              <p:cTn id="2" dur="indefinite" nodeType="mainSeq">
+                <p:childTnLst>
+                  <p:par>
+                    <p:cTn id="3" fill="hold">
+                      <p:stCondLst>
+                        <p:cond delay="indefinite"/>
+                        <p:cond evt="onBegin" delay="0">
+                          <p:tn val="2"/>
+                        </p:cond>
+                      </p:stCondLst>
+                      <p:childTnLst>
+                        <p:par>
+                          <p:cTn id="4" fill="hold">
+                            <p:stCondLst>
+                              <p:cond delay="0"/>
+                            </p:stCondLst>
+                            <p:childTnLst>
+                              <p:par>
+                                <p:cTn id="5" presetID="10" presetClass="entr" presetSubtype="0" fill="hold" nodeType="afterEffect">
+                                  <p:stCondLst>
+                                    <p:cond delay="0"/>
+                                  </p:stCondLst>
+                                  <p:childTnLst>
+                                    <p:set>
+                                      <p:cBhvr>
+                                        <p:cTn id="6" dur="1" fill="hold">
+                                          <p:stCondLst>
+                                            <p:cond delay="0"/>
+                                          </p:stCondLst>
+                                        </p:cTn>
+                                        <p:tgtEl>
+                                          <p:spTgt spid="7">
+                                            <p:txEl>
+                                              <p:pRg st="0" end="0"/>
+                                            </p:txEl>
+                                          </p:spTgt>
+                                        </p:tgtEl>
+                                        <p:attrNameLst>
+                                          <p:attrName>style.visibility</p:attrName>
+                                        </p:attrNameLst>
+                                      </p:cBhvr>
+                                      <p:to>
+                                        <p:strVal val="visible"/>
+                                      </p:to>
+                                    </p:set>
+                                    <p:animEffect transition="in" filter="fade">
+                                      <p:cBhvr>
+                                        <p:cTn id="7" dur="500"/>
+                                        <p:tgtEl>
+                                          <p:spTgt spid="7">
+                                            <p:txEl>
+                                              <p:pRg st="0" end="0"/>
+                                            </p:txEl>
+                                          </p:spTgt>
+                                        </p:tgtEl>
+                                      </p:cBhvr>
+                                    </p:animEffect>
+                                  </p:childTnLst>
+                                </p:cTn>
+                              </p:par>
+                            </p:childTnLst>
+                          </p:cTn>
+                        </p:par>
+                        <p:par>
+                          <p:cTn id="8" fill="hold">
+                            <p:stCondLst>
+                              <p:cond delay="500"/>
+                            </p:stCondLst>
+                            <p:childTnLst>
+                              <p:par>
+                                <p:cTn id="9" presetID="10" presetClass="entr" presetSubtype="0" fill="hold" nodeType="afterEffect">
+                                  <p:stCondLst>
+                                    <p:cond delay="0"/>
+                                  </p:stCondLst>
+                                  <p:childTnLst>
+                                    <p:set>
+                                      <p:cBhvr>
+                                        <p:cTn id="10" dur="1" fill="hold">
+                                          <p:stCondLst>
+                                            <p:cond delay="0"/>
+                                          </p:stCondLst>
+                                        </p:cTn>
+                                        <p:tgtEl>
+                                          <p:spTgt spid="7">
+                                            <p:txEl>
+                                              <p:pRg st="2" end="2"/>
+                                            </p:txEl>
+                                          </p:spTgt>
+                                        </p:tgtEl>
+                                        <p:attrNameLst>
+                                          <p:attrName>style.visibility</p:attrName>
+                                        </p:attrNameLst>
+                                      </p:cBhvr>
+                                      <p:to>
+                                        <p:strVal val="visible"/>
+                                      </p:to>
+                                    </p:set>
+                                    <p:animEffect transition="in" filter="fade">
+                                      <p:cBhvr>
+                                        <p:cTn id="11" dur="500"/>
+                                        <p:tgtEl>
+                                          <p:spTgt spid="7">
+                                            <p:txEl>
+                                              <p:pRg st="2" end="2"/>
+                                            </p:txEl>
+                                          </p:spTgt>
+                                        </p:tgtEl>
+                                      </p:cBhvr>
+                                    </p:animEffect>
+                                  </p:childTnLst>
+                                </p:cTn>
+                              </p:par>
+                            </p:childTnLst>
+                          </p:cTn>
+                        </p:par>
+                        <p:par>
+                          <p:cTn id="12" fill="hold">
+                            <p:stCondLst>
+                              <p:cond delay="1000"/>
+                            </p:stCondLst>
+                            <p:childTnLst>
+                              <p:par>
+                                <p:cTn id="13" presetID="10" presetClass="entr" presetSubtype="0" fill="hold" nodeType="afterEffect">
+                                  <p:stCondLst>
+                                    <p:cond delay="0"/>
+                                  </p:stCondLst>
+                                  <p:childTnLst>
+                                    <p:set>
+                                      <p:cBhvr>
+                                        <p:cTn id="14" dur="1" fill="hold">
+                                          <p:stCondLst>
+                                            <p:cond delay="0"/>
+                                          </p:stCondLst>
+                                        </p:cTn>
+                                        <p:tgtEl>
+                                          <p:spTgt spid="7">
+                                            <p:txEl>
+                                              <p:pRg st="3" end="3"/>
+                                            </p:txEl>
+                                          </p:spTgt>
+                                        </p:tgtEl>
+                                        <p:attrNameLst>
+                                          <p:attrName>style.visibility</p:attrName>
+                                        </p:attrNameLst>
+                                      </p:cBhvr>
+                                      <p:to>
+                                        <p:strVal val="visible"/>
+                                      </p:to>
+                                    </p:set>
+                                    <p:animEffect transition="in" filter="fade">
+                                      <p:cBhvr>
+                                        <p:cTn id="15" dur="500"/>
+                                        <p:tgtEl>
+                                          <p:spTgt spid="7">
+                                            <p:txEl>
+                                              <p:pRg st="3" end="3"/>
+                                            </p:txEl>
+                                          </p:spTgt>
+                                        </p:tgtEl>
+                                      </p:cBhvr>
+                                    </p:animEffect>
+                                  </p:childTnLst>
+                                </p:cTn>
+                              </p:par>
+                            </p:childTnLst>
+                          </p:cTn>
+                        </p:par>
+                        <p:par>
+                          <p:cTn id="16" fill="hold">
+                            <p:stCondLst>
+                              <p:cond delay="1500"/>
+                            </p:stCondLst>
+                            <p:childTnLst>
+                              <p:par>
+                                <p:cTn id="17" presetID="10" presetClass="entr" presetSubtype="0" fill="hold" nodeType="afterEffect">
+                                  <p:stCondLst>
+                                    <p:cond delay="0"/>
+                                  </p:stCondLst>
+                                  <p:childTnLst>
+                                    <p:set>
+                                      <p:cBhvr>
+                                        <p:cTn id="18" dur="1" fill="hold">
+                                          <p:stCondLst>
+                                            <p:cond delay="0"/>
+                                          </p:stCondLst>
+                                        </p:cTn>
+                                        <p:tgtEl>
+                                          <p:spTgt spid="7">
+                                            <p:txEl>
+                                              <p:pRg st="4" end="4"/>
+                                            </p:txEl>
+                                          </p:spTgt>
+                                        </p:tgtEl>
+                                        <p:attrNameLst>
+                                          <p:attrName>style.visibility</p:attrName>
+                                        </p:attrNameLst>
+                                      </p:cBhvr>
+                                      <p:to>
+                                        <p:strVal val="visible"/>
+                                      </p:to>
+                                    </p:set>
+                                    <p:animEffect transition="in" filter="fade">
+                                      <p:cBhvr>
+                                        <p:cTn id="19" dur="500"/>
+                                        <p:tgtEl>
+                                          <p:spTgt spid="7">
+                                            <p:txEl>
+                                              <p:pRg st="4" end="4"/>
+                                            </p:txEl>
+                                          </p:spTgt>
+                                        </p:tgtEl>
+                                      </p:cBhvr>
+                                    </p:animEffect>
+                                  </p:childTnLst>
+                                </p:cTn>
+                              </p:par>
+                            </p:childTnLst>
+                          </p:cTn>
+                        </p:par>
+                        <p:par>
+                          <p:cTn id="20" fill="hold">
+                            <p:stCondLst>
+                              <p:cond delay="2000"/>
+                            </p:stCondLst>
+                            <p:childTnLst>
+                              <p:par>
+                                <p:cTn id="21" presetID="10" presetClass="entr" presetSubtype="0" fill="hold" nodeType="afterEffect">
+                                  <p:stCondLst>
+                                    <p:cond delay="0"/>
+                                  </p:stCondLst>
+                                  <p:childTnLst>
+                                    <p:set>
+                                      <p:cBhvr>
+                                        <p:cTn id="22" dur="1" fill="hold">
+                                          <p:stCondLst>
+                                            <p:cond delay="0"/>
+                                          </p:stCondLst>
+                                        </p:cTn>
+                                        <p:tgtEl>
+                                          <p:spTgt spid="7">
+                                            <p:txEl>
+                                              <p:pRg st="5" end="5"/>
+                                            </p:txEl>
+                                          </p:spTgt>
+                                        </p:tgtEl>
+                                        <p:attrNameLst>
+                                          <p:attrName>style.visibility</p:attrName>
+                                        </p:attrNameLst>
+                                      </p:cBhvr>
+                                      <p:to>
+                                        <p:strVal val="visible"/>
+                                      </p:to>
+                                    </p:set>
+                                    <p:animEffect transition="in" filter="fade">
+                                      <p:cBhvr>
+                                        <p:cTn id="23" dur="500"/>
+                                        <p:tgtEl>
+                                          <p:spTgt spid="7">
+                                            <p:txEl>
+                                              <p:pRg st="5" end="5"/>
+                                            </p:txEl>
+                                          </p:spTgt>
+                                        </p:tgtEl>
+                                      </p:cBhvr>
+                                    </p:animEffect>
+                                  </p:childTnLst>
+                                </p:cTn>
+                              </p:par>
+                            </p:childTnLst>
+                          </p:cTn>
+                        </p:par>
+                        <p:par>
+                          <p:cTn id="24" fill="hold">
+                            <p:stCondLst>
+                              <p:cond delay="2500"/>
+                            </p:stCondLst>
+                            <p:childTnLst>
+                              <p:par>
+                                <p:cTn id="25" presetID="10" presetClass="entr" presetSubtype="0" fill="hold" nodeType="afterEffect">
+                                  <p:stCondLst>
+                                    <p:cond delay="0"/>
+                                  </p:stCondLst>
+                                  <p:childTnLst>
+                                    <p:set>
+                                      <p:cBhvr>
+                                        <p:cTn id="26" dur="1" fill="hold">
+                                          <p:stCondLst>
+                                            <p:cond delay="0"/>
+                                          </p:stCondLst>
+                                        </p:cTn>
+                                        <p:tgtEl>
+                                          <p:spTgt spid="7">
+                                            <p:txEl>
+                                              <p:pRg st="7" end="7"/>
+                                            </p:txEl>
+                                          </p:spTgt>
+                                        </p:tgtEl>
+                                        <p:attrNameLst>
+                                          <p:attrName>style.visibility</p:attrName>
+                                        </p:attrNameLst>
+                                      </p:cBhvr>
+                                      <p:to>
+                                        <p:strVal val="visible"/>
+                                      </p:to>
+                                    </p:set>
+                                    <p:animEffect transition="in" filter="fade">
+                                      <p:cBhvr>
+                                        <p:cTn id="27" dur="500"/>
+                                        <p:tgtEl>
+                                          <p:spTgt spid="7">
+                                            <p:txEl>
+                                              <p:pRg st="7" end="7"/>
+                                            </p:txEl>
+                                          </p:spTgt>
+                                        </p:tgtEl>
+                                      </p:cBhvr>
+                                    </p:animEffect>
+                                  </p:childTnLst>
+                                </p:cTn>
+                              </p:par>
+                            </p:childTnLst>
+                          </p:cTn>
+                        </p:par>
+                      </p:childTnLst>
+                    </p:cTn>
+                  </p:par>
+                </p:childTnLst>
+              </p:cTn>
+              <p:prevCondLst>
+                <p:cond evt="onPrev" delay="0">
+                  <p:tgtEl>
+                    <p:sldTgt/>
+                  </p:tgtEl>
+                </p:cond>
+              </p:prevCondLst>
+              <p:nextCondLst>
+                <p:cond evt="onNext" delay="0">
+                  <p:tgtEl>
+                    <p:sldTgt/>
+                  </p:tgtEl>
+                </p:cond>
+              </p:nextCondLst>
+            </p:seq>
+          </p:childTnLst>
+        </p:cTn>
+      </p:par>
+    </p:tnLst>
+  </p:timing>
+</p:sld>
+</file>
+
+<file path=ppt/slides/slide12.xml><?xml version="1.0" encoding="utf-8"?>
+<p:sld xmlns:a="http://schemas.openxmlformats.org/drawingml/2006/main" xmlns:r="http://schemas.openxmlformats.org/officeDocument/2006/relationships" xmlns:p="http://schemas.openxmlformats.org/presentationml/2006/main">
+  <p:cSld>
+    <p:bg>
+      <p:bgPr>
+        <a:blipFill rotWithShape="1">
+          <a:blip r:embed="rId2">
+            <a:duotone>
+              <a:schemeClr val="bg2">
+                <a:shade val="28000"/>
+                <a:satMod val="94000"/>
+                <a:lumMod val="20000"/>
+              </a:schemeClr>
+              <a:schemeClr val="bg2">
+                <a:tint val="94000"/>
+                <a:shade val="84000"/>
+                <a:satMod val="148000"/>
+                <a:lumMod val="114000"/>
+              </a:schemeClr>
+            </a:duotone>
+          </a:blip>
+          <a:stretch/>
+        </a:blipFill>
+        <a:effectLst/>
+      </p:bgPr>
+    </p:bg>
+    <p:spTree>
+      <p:nvGrpSpPr>
+        <p:cNvPr id="1" name=""/>
+        <p:cNvGrpSpPr/>
+        <p:nvPr/>
+      </p:nvGrpSpPr>
+      <p:grpSpPr>
+        <a:xfrm>
+          <a:off x="0" y="0"/>
+          <a:ext cx="0" cy="0"/>
+          <a:chOff x="0" y="0"/>
+          <a:chExt cx="0" cy="0"/>
+        </a:xfrm>
+      </p:grpSpPr>
+      <p:sp>
+        <p:nvSpPr>
+          <p:cNvPr id="59" name="Rectangle 51">
+            <a:extLst>
+              <a:ext uri="{FF2B5EF4-FFF2-40B4-BE49-F238E27FC236}">
+                <a16:creationId xmlns:a16="http://schemas.microsoft.com/office/drawing/2014/main" id="{FB3516BD-64C7-48EF-A342-9F00D167EE78}"/>
+              </a:ext>
+              <a:ext uri="{C183D7F6-B498-43B3-948B-1728B52AA6E4}">
+                <adec:decorative xmlns:adec="http://schemas.microsoft.com/office/drawing/2017/decorative" val="1"/>
+              </a:ext>
+            </a:extLst>
+          </p:cNvPr>
+          <p:cNvSpPr>
+            <a:spLocks noGrp="1" noRot="1" noChangeAspect="1" noMove="1" noResize="1" noEditPoints="1" noAdjustHandles="1" noChangeArrowheads="1" noChangeShapeType="1" noTextEdit="1"/>
+          </p:cNvSpPr>
+          <p:nvPr>
+            <p:extLst>
+              <p:ext uri="{386F3935-93C4-4BCD-93E2-E3B085C9AB24}">
+                <p16:designElem xmlns:p16="http://schemas.microsoft.com/office/powerpoint/2015/main" val="1"/>
+              </p:ext>
+            </p:extLst>
+          </p:nvPr>
+        </p:nvSpPr>
+        <p:spPr>
+          <a:xfrm>
+            <a:off x="643467" y="643467"/>
+            <a:ext cx="10905066" cy="5571066"/>
+          </a:xfrm>
+          <a:prstGeom prst="rect">
+            <a:avLst/>
+          </a:prstGeom>
+          <a:solidFill>
+            <a:srgbClr val="FFFFFF"/>
+          </a:solidFill>
+          <a:ln>
+            <a:noFill/>
+          </a:ln>
+          <a:effectLst>
+            <a:outerShdw blurRad="165100" dist="38100" dir="5400000" sx="102000" sy="102000" algn="t" rotWithShape="0">
+              <a:prstClr val="black">
+                <a:alpha val="40000"/>
+              </a:prstClr>
+            </a:outerShdw>
+          </a:effectLst>
+        </p:spPr>
+        <p:style>
+          <a:lnRef idx="2">
+            <a:schemeClr val="accent1">
+              <a:shade val="50000"/>
+            </a:schemeClr>
+          </a:lnRef>
+          <a:fillRef idx="1">
+            <a:schemeClr val="accent1"/>
+          </a:fillRef>
+          <a:effectRef idx="0">
+            <a:schemeClr val="accent1"/>
+          </a:effectRef>
+          <a:fontRef idx="minor">
+            <a:schemeClr val="lt1"/>
+          </a:fontRef>
+        </p:style>
+        <p:txBody>
+          <a:bodyPr rtlCol="0" anchor="ctr"/>
+          <a:lstStyle/>
+          <a:p>
+            <a:pPr algn="ctr"/>
+            <a:endParaRPr lang="en-US"/>
+          </a:p>
+        </p:txBody>
+      </p:sp>
+      <p:sp>
+        <p:nvSpPr>
+          <p:cNvPr id="7" name="TextBox 6">
+            <a:extLst>
+              <a:ext uri="{FF2B5EF4-FFF2-40B4-BE49-F238E27FC236}">
+                <a16:creationId xmlns:a16="http://schemas.microsoft.com/office/drawing/2014/main" id="{6FCF6712-AA4D-40A1-8787-5D0993D9AD13}"/>
+              </a:ext>
+            </a:extLst>
+          </p:cNvPr>
+          <p:cNvSpPr txBox="1"/>
+          <p:nvPr/>
+        </p:nvSpPr>
+        <p:spPr>
+          <a:xfrm>
+            <a:off x="1415844" y="2572914"/>
+            <a:ext cx="5877710" cy="2862322"/>
+          </a:xfrm>
+          <a:prstGeom prst="rect">
+            <a:avLst/>
+          </a:prstGeom>
+          <a:ln w="38100"/>
+        </p:spPr>
+        <p:style>
+          <a:lnRef idx="2">
+            <a:schemeClr val="dk1"/>
+          </a:lnRef>
+          <a:fillRef idx="1">
+            <a:schemeClr val="lt1"/>
+          </a:fillRef>
+          <a:effectRef idx="0">
+            <a:schemeClr val="dk1"/>
+          </a:effectRef>
+          <a:fontRef idx="minor">
+            <a:schemeClr val="dk1"/>
+          </a:fontRef>
+        </p:style>
+        <p:txBody>
+          <a:bodyPr wrap="square" rtlCol="0">
+            <a:spAutoFit/>
+          </a:bodyPr>
+          <a:lstStyle/>
+          <a:p>
+            <a:r>
+              <a:rPr lang="en-GB" sz="2000" dirty="0"/>
+              <a:t>The Nearest Branch page allows the user to automatically initiate navigation to their nearest bank branch from a single tap on the screen </a:t>
+            </a:r>
+          </a:p>
+          <a:p>
+            <a:endParaRPr lang="en-GB" sz="2000" dirty="0"/>
+          </a:p>
+          <a:p>
+            <a:r>
+              <a:rPr lang="en-GB" sz="2000" dirty="0"/>
+              <a:t>Using Google Maps API the application performs a query which retrieves the closest bank </a:t>
+            </a:r>
+            <a:r>
+              <a:rPr lang="en-GB" sz="2000" dirty="0" err="1"/>
+              <a:t>branche</a:t>
+            </a:r>
+            <a:r>
+              <a:rPr lang="en-GB" sz="2000" dirty="0"/>
+              <a:t> to the user and begins navigation to this branch </a:t>
+            </a:r>
+          </a:p>
+        </p:txBody>
+      </p:sp>
+      <p:pic>
+        <p:nvPicPr>
+          <p:cNvPr id="3" name="Picture 2" descr="A close up of electronics&#10;&#10;Description automatically generated">
+            <a:extLst>
+              <a:ext uri="{FF2B5EF4-FFF2-40B4-BE49-F238E27FC236}">
+                <a16:creationId xmlns:a16="http://schemas.microsoft.com/office/drawing/2014/main" id="{94036E78-6F42-45E3-B06B-F3269973F007}"/>
+              </a:ext>
+            </a:extLst>
+          </p:cNvPr>
+          <p:cNvPicPr>
+            <a:picLocks noChangeAspect="1"/>
+          </p:cNvPicPr>
+          <p:nvPr/>
+        </p:nvPicPr>
+        <p:blipFill>
+          <a:blip r:embed="rId3">
+            <a:extLst>
+              <a:ext uri="{28A0092B-C50C-407E-A947-70E740481C1C}">
+                <a14:useLocalDpi xmlns:a14="http://schemas.microsoft.com/office/drawing/2010/main" val="0"/>
+              </a:ext>
+            </a:extLst>
+          </a:blip>
+          <a:stretch>
+            <a:fillRect/>
+          </a:stretch>
+        </p:blipFill>
+        <p:spPr>
+          <a:xfrm>
+            <a:off x="8065931" y="759643"/>
+            <a:ext cx="2825299" cy="5338714"/>
+          </a:xfrm>
+          <a:prstGeom prst="rect">
+            <a:avLst/>
+          </a:prstGeom>
+        </p:spPr>
+      </p:pic>
+      <p:sp>
+        <p:nvSpPr>
+          <p:cNvPr id="10" name="TextBox 9">
+            <a:extLst>
+              <a:ext uri="{FF2B5EF4-FFF2-40B4-BE49-F238E27FC236}">
+                <a16:creationId xmlns:a16="http://schemas.microsoft.com/office/drawing/2014/main" id="{28604826-AAED-494E-866F-EE2CB0F932A3}"/>
+              </a:ext>
+            </a:extLst>
+          </p:cNvPr>
+          <p:cNvSpPr txBox="1"/>
+          <p:nvPr/>
+        </p:nvSpPr>
+        <p:spPr>
+          <a:xfrm>
+            <a:off x="1300770" y="1024175"/>
+            <a:ext cx="6559650" cy="923330"/>
+          </a:xfrm>
+          <a:prstGeom prst="rect">
+            <a:avLst/>
+          </a:prstGeom>
+          <a:noFill/>
+        </p:spPr>
+        <p:txBody>
+          <a:bodyPr wrap="square" rtlCol="0">
+            <a:spAutoFit/>
+          </a:bodyPr>
+          <a:lstStyle/>
+          <a:p>
+            <a:r>
+              <a:rPr lang="en-GB" sz="5400" dirty="0">
+                <a:solidFill>
+                  <a:schemeClr val="bg1"/>
+                </a:solidFill>
+              </a:rPr>
+              <a:t>Nearest Branch (1)</a:t>
+            </a:r>
+          </a:p>
+        </p:txBody>
+      </p:sp>
+    </p:spTree>
+    <p:extLst>
+      <p:ext uri="{BB962C8B-B14F-4D97-AF65-F5344CB8AC3E}">
+        <p14:creationId xmlns:p14="http://schemas.microsoft.com/office/powerpoint/2010/main" val="160501151"/>
+      </p:ext>
+    </p:extLst>
+  </p:cSld>
+  <p:clrMapOvr>
+    <a:masterClrMapping/>
+  </p:clrMapOvr>
+  <mc:AlternateContent xmlns:mc="http://schemas.openxmlformats.org/markup-compatibility/2006">
+    <mc:Choice xmlns:p14="http://schemas.microsoft.com/office/powerpoint/2010/main" Requires="p14">
+      <p:transition spd="slow" p14:dur="1250">
+        <p14:doors dir="vert"/>
+      </p:transition>
+    </mc:Choice>
+    <mc:Fallback>
+      <p:transition spd="slow">
+        <p:fade/>
+      </p:transition>
+    </mc:Fallback>
+  </mc:AlternateContent>
+  <p:timing>
+    <p:tnLst>
+      <p:par>
+        <p:cTn id="1" dur="indefinite" restart="never" nodeType="tmRoot">
+          <p:childTnLst>
+            <p:seq concurrent="1" nextAc="seek">
+              <p:cTn id="2" dur="indefinite" nodeType="mainSeq">
+                <p:childTnLst>
+                  <p:par>
+                    <p:cTn id="3" fill="hold">
+                      <p:stCondLst>
+                        <p:cond delay="indefinite"/>
+                        <p:cond evt="onBegin" delay="0">
+                          <p:tn val="2"/>
+                        </p:cond>
+                      </p:stCondLst>
+                      <p:childTnLst>
+                        <p:par>
+                          <p:cTn id="4" fill="hold">
+                            <p:stCondLst>
+                              <p:cond delay="0"/>
+                            </p:stCondLst>
+                            <p:childTnLst>
+                              <p:par>
+                                <p:cTn id="5" presetID="10" presetClass="entr" presetSubtype="0" fill="hold" nodeType="afterEffect">
+                                  <p:stCondLst>
+                                    <p:cond delay="0"/>
+                                  </p:stCondLst>
+                                  <p:childTnLst>
+                                    <p:set>
+                                      <p:cBhvr>
+                                        <p:cTn id="6" dur="1" fill="hold">
+                                          <p:stCondLst>
+                                            <p:cond delay="0"/>
+                                          </p:stCondLst>
+                                        </p:cTn>
+                                        <p:tgtEl>
+                                          <p:spTgt spid="7">
+                                            <p:txEl>
+                                              <p:pRg st="0" end="0"/>
+                                            </p:txEl>
+                                          </p:spTgt>
+                                        </p:tgtEl>
+                                        <p:attrNameLst>
+                                          <p:attrName>style.visibility</p:attrName>
+                                        </p:attrNameLst>
+                                      </p:cBhvr>
+                                      <p:to>
+                                        <p:strVal val="visible"/>
+                                      </p:to>
+                                    </p:set>
+                                    <p:animEffect transition="in" filter="fade">
+                                      <p:cBhvr>
+                                        <p:cTn id="7" dur="500"/>
+                                        <p:tgtEl>
+                                          <p:spTgt spid="7">
+                                            <p:txEl>
+                                              <p:pRg st="0" end="0"/>
+                                            </p:txEl>
+                                          </p:spTgt>
+                                        </p:tgtEl>
+                                      </p:cBhvr>
+                                    </p:animEffect>
+                                  </p:childTnLst>
+                                </p:cTn>
+                              </p:par>
+                            </p:childTnLst>
+                          </p:cTn>
+                        </p:par>
+                        <p:par>
+                          <p:cTn id="8" fill="hold">
+                            <p:stCondLst>
+                              <p:cond delay="500"/>
+                            </p:stCondLst>
+                            <p:childTnLst>
+                              <p:par>
+                                <p:cTn id="9" presetID="10" presetClass="entr" presetSubtype="0" fill="hold" nodeType="afterEffect">
+                                  <p:stCondLst>
+                                    <p:cond delay="0"/>
+                                  </p:stCondLst>
+                                  <p:childTnLst>
+                                    <p:set>
+                                      <p:cBhvr>
+                                        <p:cTn id="10" dur="1" fill="hold">
+                                          <p:stCondLst>
+                                            <p:cond delay="0"/>
+                                          </p:stCondLst>
+                                        </p:cTn>
+                                        <p:tgtEl>
+                                          <p:spTgt spid="7">
+                                            <p:txEl>
+                                              <p:pRg st="2" end="2"/>
+                                            </p:txEl>
+                                          </p:spTgt>
+                                        </p:tgtEl>
+                                        <p:attrNameLst>
+                                          <p:attrName>style.visibility</p:attrName>
+                                        </p:attrNameLst>
+                                      </p:cBhvr>
+                                      <p:to>
+                                        <p:strVal val="visible"/>
+                                      </p:to>
+                                    </p:set>
+                                    <p:animEffect transition="in" filter="fade">
+                                      <p:cBhvr>
+                                        <p:cTn id="11" dur="500"/>
+                                        <p:tgtEl>
+                                          <p:spTgt spid="7">
+                                            <p:txEl>
+                                              <p:pRg st="2" end="2"/>
+                                            </p:txEl>
+                                          </p:spTgt>
+                                        </p:tgtEl>
+                                      </p:cBhvr>
+                                    </p:animEffect>
+                                  </p:childTnLst>
+                                </p:cTn>
+                              </p:par>
+                            </p:childTnLst>
+                          </p:cTn>
+                        </p:par>
+                      </p:childTnLst>
+                    </p:cTn>
+                  </p:par>
+                </p:childTnLst>
+              </p:cTn>
+              <p:prevCondLst>
+                <p:cond evt="onPrev" delay="0">
+                  <p:tgtEl>
+                    <p:sldTgt/>
+                  </p:tgtEl>
+                </p:cond>
+              </p:prevCondLst>
+              <p:nextCondLst>
+                <p:cond evt="onNext" delay="0">
+                  <p:tgtEl>
+                    <p:sldTgt/>
+                  </p:tgtEl>
+                </p:cond>
+              </p:nextCondLst>
+            </p:seq>
+          </p:childTnLst>
+        </p:cTn>
+      </p:par>
+    </p:tnLst>
+  </p:timing>
+</p:sld>
+</file>
+
+<file path=ppt/slides/slide13.xml><?xml version="1.0" encoding="utf-8"?>
+<p:sld xmlns:a="http://schemas.openxmlformats.org/drawingml/2006/main" xmlns:r="http://schemas.openxmlformats.org/officeDocument/2006/relationships" xmlns:p="http://schemas.openxmlformats.org/presentationml/2006/main">
+  <p:cSld>
+    <p:bg>
+      <p:bgPr>
+        <a:blipFill rotWithShape="1">
+          <a:blip r:embed="rId2">
+            <a:duotone>
+              <a:schemeClr val="bg2">
+                <a:shade val="28000"/>
+                <a:satMod val="94000"/>
+                <a:lumMod val="20000"/>
+              </a:schemeClr>
+              <a:schemeClr val="bg2">
+                <a:tint val="94000"/>
+                <a:shade val="84000"/>
+                <a:satMod val="148000"/>
+                <a:lumMod val="114000"/>
+              </a:schemeClr>
+            </a:duotone>
+          </a:blip>
+          <a:stretch/>
+        </a:blipFill>
+        <a:effectLst/>
+      </p:bgPr>
+    </p:bg>
+    <p:spTree>
+      <p:nvGrpSpPr>
+        <p:cNvPr id="1" name=""/>
+        <p:cNvGrpSpPr/>
+        <p:nvPr/>
+      </p:nvGrpSpPr>
+      <p:grpSpPr>
+        <a:xfrm>
+          <a:off x="0" y="0"/>
+          <a:ext cx="0" cy="0"/>
+          <a:chOff x="0" y="0"/>
+          <a:chExt cx="0" cy="0"/>
+        </a:xfrm>
+      </p:grpSpPr>
+      <p:sp>
+        <p:nvSpPr>
+          <p:cNvPr id="59" name="Rectangle 51">
+            <a:extLst>
+              <a:ext uri="{FF2B5EF4-FFF2-40B4-BE49-F238E27FC236}">
+                <a16:creationId xmlns:a16="http://schemas.microsoft.com/office/drawing/2014/main" id="{FB3516BD-64C7-48EF-A342-9F00D167EE78}"/>
+              </a:ext>
+              <a:ext uri="{C183D7F6-B498-43B3-948B-1728B52AA6E4}">
+                <adec:decorative xmlns:adec="http://schemas.microsoft.com/office/drawing/2017/decorative" val="1"/>
+              </a:ext>
+            </a:extLst>
+          </p:cNvPr>
+          <p:cNvSpPr>
+            <a:spLocks noGrp="1" noRot="1" noChangeAspect="1" noMove="1" noResize="1" noEditPoints="1" noAdjustHandles="1" noChangeArrowheads="1" noChangeShapeType="1" noTextEdit="1"/>
+          </p:cNvSpPr>
+          <p:nvPr>
+            <p:extLst>
+              <p:ext uri="{386F3935-93C4-4BCD-93E2-E3B085C9AB24}">
+                <p16:designElem xmlns:p16="http://schemas.microsoft.com/office/powerpoint/2015/main" val="1"/>
+              </p:ext>
+            </p:extLst>
+          </p:nvPr>
+        </p:nvSpPr>
+        <p:spPr>
+          <a:xfrm>
+            <a:off x="643467" y="643467"/>
+            <a:ext cx="10905066" cy="5571066"/>
+          </a:xfrm>
+          <a:prstGeom prst="rect">
+            <a:avLst/>
+          </a:prstGeom>
+          <a:solidFill>
+            <a:srgbClr val="FFFFFF"/>
+          </a:solidFill>
+          <a:ln>
+            <a:noFill/>
+          </a:ln>
+          <a:effectLst>
+            <a:outerShdw blurRad="165100" dist="38100" dir="5400000" sx="102000" sy="102000" algn="t" rotWithShape="0">
+              <a:prstClr val="black">
+                <a:alpha val="40000"/>
+              </a:prstClr>
+            </a:outerShdw>
+          </a:effectLst>
+        </p:spPr>
+        <p:style>
+          <a:lnRef idx="2">
+            <a:schemeClr val="accent1">
+              <a:shade val="50000"/>
+            </a:schemeClr>
+          </a:lnRef>
+          <a:fillRef idx="1">
+            <a:schemeClr val="accent1"/>
+          </a:fillRef>
+          <a:effectRef idx="0">
+            <a:schemeClr val="accent1"/>
+          </a:effectRef>
+          <a:fontRef idx="minor">
+            <a:schemeClr val="lt1"/>
+          </a:fontRef>
+        </p:style>
+        <p:txBody>
+          <a:bodyPr rtlCol="0" anchor="ctr"/>
+          <a:lstStyle/>
+          <a:p>
+            <a:pPr algn="ctr"/>
+            <a:endParaRPr lang="en-US"/>
+          </a:p>
+        </p:txBody>
+      </p:sp>
+      <p:sp>
+        <p:nvSpPr>
+          <p:cNvPr id="7" name="TextBox 6">
+            <a:extLst>
+              <a:ext uri="{FF2B5EF4-FFF2-40B4-BE49-F238E27FC236}">
+                <a16:creationId xmlns:a16="http://schemas.microsoft.com/office/drawing/2014/main" id="{6FCF6712-AA4D-40A1-8787-5D0993D9AD13}"/>
+              </a:ext>
+            </a:extLst>
+          </p:cNvPr>
+          <p:cNvSpPr txBox="1"/>
+          <p:nvPr/>
+        </p:nvSpPr>
+        <p:spPr>
+          <a:xfrm>
+            <a:off x="1415844" y="2572914"/>
+            <a:ext cx="5877710" cy="2554545"/>
+          </a:xfrm>
+          <a:prstGeom prst="rect">
+            <a:avLst/>
+          </a:prstGeom>
+          <a:ln w="38100"/>
+        </p:spPr>
+        <p:style>
+          <a:lnRef idx="2">
+            <a:schemeClr val="dk1"/>
+          </a:lnRef>
+          <a:fillRef idx="1">
+            <a:schemeClr val="lt1"/>
+          </a:fillRef>
+          <a:effectRef idx="0">
+            <a:schemeClr val="dk1"/>
+          </a:effectRef>
+          <a:fontRef idx="minor">
+            <a:schemeClr val="dk1"/>
+          </a:fontRef>
+        </p:style>
+        <p:txBody>
+          <a:bodyPr wrap="square" rtlCol="0">
+            <a:spAutoFit/>
+          </a:bodyPr>
+          <a:lstStyle/>
+          <a:p>
+            <a:r>
+              <a:rPr lang="en-GB" sz="2000" dirty="0"/>
+              <a:t>Once initiated the user can end navigation at any point</a:t>
+            </a:r>
+          </a:p>
+          <a:p>
+            <a:endParaRPr lang="en-GB" sz="2000" dirty="0"/>
+          </a:p>
+          <a:p>
+            <a:r>
+              <a:rPr lang="en-GB" sz="2000" dirty="0"/>
+              <a:t>The idea is to allow a voice based navigation to their nearest branch without having to bother with the search and selection operations associated with traditional navigational apps</a:t>
+            </a:r>
+          </a:p>
+        </p:txBody>
+      </p:sp>
+      <p:sp>
+        <p:nvSpPr>
+          <p:cNvPr id="6" name="TextBox 5">
+            <a:extLst>
+              <a:ext uri="{FF2B5EF4-FFF2-40B4-BE49-F238E27FC236}">
+                <a16:creationId xmlns:a16="http://schemas.microsoft.com/office/drawing/2014/main" id="{03CE6654-4AB0-4A05-B74F-5E80122384F6}"/>
+              </a:ext>
+            </a:extLst>
+          </p:cNvPr>
+          <p:cNvSpPr txBox="1"/>
+          <p:nvPr/>
+        </p:nvSpPr>
+        <p:spPr>
+          <a:xfrm>
+            <a:off x="1300770" y="1024175"/>
+            <a:ext cx="6559650" cy="923330"/>
+          </a:xfrm>
+          <a:prstGeom prst="rect">
+            <a:avLst/>
+          </a:prstGeom>
+          <a:noFill/>
+        </p:spPr>
+        <p:txBody>
+          <a:bodyPr wrap="square" rtlCol="0">
+            <a:spAutoFit/>
+          </a:bodyPr>
+          <a:lstStyle/>
+          <a:p>
+            <a:r>
+              <a:rPr lang="en-GB" sz="5400" dirty="0">
+                <a:solidFill>
+                  <a:schemeClr val="bg1"/>
+                </a:solidFill>
+              </a:rPr>
+              <a:t>Nearest Branch (2)</a:t>
+            </a:r>
+          </a:p>
+        </p:txBody>
+      </p:sp>
+      <p:pic>
+        <p:nvPicPr>
+          <p:cNvPr id="9" name="Picture 8" descr="A screenshot of a cell phone&#10;&#10;Description automatically generated">
+            <a:extLst>
+              <a:ext uri="{FF2B5EF4-FFF2-40B4-BE49-F238E27FC236}">
+                <a16:creationId xmlns:a16="http://schemas.microsoft.com/office/drawing/2014/main" id="{CD13F40B-43BB-402B-AB37-BF755931ACC2}"/>
+              </a:ext>
+            </a:extLst>
+          </p:cNvPr>
+          <p:cNvPicPr>
+            <a:picLocks noChangeAspect="1"/>
+          </p:cNvPicPr>
+          <p:nvPr/>
+        </p:nvPicPr>
+        <p:blipFill>
+          <a:blip r:embed="rId3">
+            <a:extLst>
+              <a:ext uri="{28A0092B-C50C-407E-A947-70E740481C1C}">
+                <a14:useLocalDpi xmlns:a14="http://schemas.microsoft.com/office/drawing/2010/main" val="0"/>
+              </a:ext>
+            </a:extLst>
+          </a:blip>
+          <a:stretch>
+            <a:fillRect/>
+          </a:stretch>
+        </p:blipFill>
+        <p:spPr>
+          <a:xfrm>
+            <a:off x="8065931" y="799491"/>
+            <a:ext cx="2790805" cy="5423990"/>
+          </a:xfrm>
+          <a:prstGeom prst="rect">
+            <a:avLst/>
+          </a:prstGeom>
+        </p:spPr>
+      </p:pic>
+    </p:spTree>
+    <p:extLst>
+      <p:ext uri="{BB962C8B-B14F-4D97-AF65-F5344CB8AC3E}">
+        <p14:creationId xmlns:p14="http://schemas.microsoft.com/office/powerpoint/2010/main" val="3492860006"/>
+      </p:ext>
+    </p:extLst>
+  </p:cSld>
+  <p:clrMapOvr>
+    <a:masterClrMapping/>
+  </p:clrMapOvr>
+  <mc:AlternateContent xmlns:mc="http://schemas.openxmlformats.org/markup-compatibility/2006">
+    <mc:Choice xmlns:p14="http://schemas.microsoft.com/office/powerpoint/2010/main" Requires="p14">
+      <p:transition spd="slow" p14:dur="1250">
+        <p14:doors dir="vert"/>
+      </p:transition>
+    </mc:Choice>
+    <mc:Fallback>
+      <p:transition spd="slow">
+        <p:fade/>
+      </p:transition>
+    </mc:Fallback>
+  </mc:AlternateContent>
+  <p:timing>
+    <p:tnLst>
+      <p:par>
+        <p:cTn id="1" dur="indefinite" restart="never" nodeType="tmRoot">
+          <p:childTnLst>
+            <p:seq concurrent="1" nextAc="seek">
+              <p:cTn id="2" dur="indefinite" nodeType="mainSeq">
+                <p:childTnLst>
+                  <p:par>
+                    <p:cTn id="3" fill="hold">
+                      <p:stCondLst>
+                        <p:cond delay="indefinite"/>
+                        <p:cond evt="onBegin" delay="0">
+                          <p:tn val="2"/>
+                        </p:cond>
+                      </p:stCondLst>
+                      <p:childTnLst>
+                        <p:par>
+                          <p:cTn id="4" fill="hold">
+                            <p:stCondLst>
+                              <p:cond delay="0"/>
+                            </p:stCondLst>
+                            <p:childTnLst>
+                              <p:par>
+                                <p:cTn id="5" presetID="10" presetClass="entr" presetSubtype="0" fill="hold" nodeType="afterEffect">
+                                  <p:stCondLst>
+                                    <p:cond delay="0"/>
+                                  </p:stCondLst>
+                                  <p:childTnLst>
+                                    <p:set>
+                                      <p:cBhvr>
+                                        <p:cTn id="6" dur="1" fill="hold">
+                                          <p:stCondLst>
+                                            <p:cond delay="0"/>
+                                          </p:stCondLst>
+                                        </p:cTn>
+                                        <p:tgtEl>
+                                          <p:spTgt spid="7">
+                                            <p:txEl>
+                                              <p:pRg st="0" end="0"/>
+                                            </p:txEl>
+                                          </p:spTgt>
+                                        </p:tgtEl>
+                                        <p:attrNameLst>
+                                          <p:attrName>style.visibility</p:attrName>
+                                        </p:attrNameLst>
+                                      </p:cBhvr>
+                                      <p:to>
+                                        <p:strVal val="visible"/>
+                                      </p:to>
+                                    </p:set>
+                                    <p:animEffect transition="in" filter="fade">
+                                      <p:cBhvr>
+                                        <p:cTn id="7" dur="500"/>
+                                        <p:tgtEl>
+                                          <p:spTgt spid="7">
+                                            <p:txEl>
+                                              <p:pRg st="0" end="0"/>
+                                            </p:txEl>
+                                          </p:spTgt>
+                                        </p:tgtEl>
+                                      </p:cBhvr>
+                                    </p:animEffect>
+                                  </p:childTnLst>
+                                </p:cTn>
+                              </p:par>
+                            </p:childTnLst>
+                          </p:cTn>
+                        </p:par>
+                        <p:par>
+                          <p:cTn id="8" fill="hold">
+                            <p:stCondLst>
+                              <p:cond delay="500"/>
+                            </p:stCondLst>
+                            <p:childTnLst>
+                              <p:par>
+                                <p:cTn id="9" presetID="10" presetClass="entr" presetSubtype="0" fill="hold" nodeType="afterEffect">
+                                  <p:stCondLst>
+                                    <p:cond delay="0"/>
+                                  </p:stCondLst>
+                                  <p:childTnLst>
+                                    <p:set>
+                                      <p:cBhvr>
+                                        <p:cTn id="10" dur="1" fill="hold">
+                                          <p:stCondLst>
+                                            <p:cond delay="0"/>
+                                          </p:stCondLst>
+                                        </p:cTn>
+                                        <p:tgtEl>
+                                          <p:spTgt spid="7">
+                                            <p:txEl>
+                                              <p:pRg st="2" end="2"/>
+                                            </p:txEl>
+                                          </p:spTgt>
+                                        </p:tgtEl>
+                                        <p:attrNameLst>
+                                          <p:attrName>style.visibility</p:attrName>
+                                        </p:attrNameLst>
+                                      </p:cBhvr>
+                                      <p:to>
+                                        <p:strVal val="visible"/>
+                                      </p:to>
+                                    </p:set>
+                                    <p:animEffect transition="in" filter="fade">
+                                      <p:cBhvr>
+                                        <p:cTn id="11" dur="500"/>
+                                        <p:tgtEl>
+                                          <p:spTgt spid="7">
+                                            <p:txEl>
+                                              <p:pRg st="2" end="2"/>
+                                            </p:txEl>
+                                          </p:spTgt>
+                                        </p:tgtEl>
+                                      </p:cBhvr>
+                                    </p:animEffect>
+                                  </p:childTnLst>
+                                </p:cTn>
+                              </p:par>
+                            </p:childTnLst>
+                          </p:cTn>
+                        </p:par>
+                      </p:childTnLst>
+                    </p:cTn>
+                  </p:par>
+                </p:childTnLst>
+              </p:cTn>
+              <p:prevCondLst>
+                <p:cond evt="onPrev" delay="0">
+                  <p:tgtEl>
+                    <p:sldTgt/>
+                  </p:tgtEl>
+                </p:cond>
+              </p:prevCondLst>
+              <p:nextCondLst>
+                <p:cond evt="onNext" delay="0">
+                  <p:tgtEl>
+                    <p:sldTgt/>
+                  </p:tgtEl>
+                </p:cond>
+              </p:nextCondLst>
+            </p:seq>
+          </p:childTnLst>
+        </p:cTn>
+      </p:par>
+    </p:tnLst>
+  </p:timing>
+</p:sld>
+</file>
+
+<file path=ppt/slides/slide14.xml><?xml version="1.0" encoding="utf-8"?>
+<p:sld xmlns:a="http://schemas.openxmlformats.org/drawingml/2006/main" xmlns:r="http://schemas.openxmlformats.org/officeDocument/2006/relationships" xmlns:p="http://schemas.openxmlformats.org/presentationml/2006/main">
+  <p:cSld>
+    <p:bg>
+      <p:bgPr>
+        <a:blipFill rotWithShape="1">
+          <a:blip r:embed="rId2">
+            <a:duotone>
+              <a:schemeClr val="bg2">
+                <a:shade val="28000"/>
+                <a:satMod val="94000"/>
+                <a:lumMod val="20000"/>
+              </a:schemeClr>
+              <a:schemeClr val="bg2">
+                <a:tint val="94000"/>
+                <a:shade val="84000"/>
+                <a:satMod val="148000"/>
+                <a:lumMod val="114000"/>
+              </a:schemeClr>
+            </a:duotone>
+          </a:blip>
+          <a:stretch/>
+        </a:blipFill>
+        <a:effectLst/>
+      </p:bgPr>
+    </p:bg>
+    <p:spTree>
+      <p:nvGrpSpPr>
+        <p:cNvPr id="1" name=""/>
+        <p:cNvGrpSpPr/>
+        <p:nvPr/>
+      </p:nvGrpSpPr>
+      <p:grpSpPr>
+        <a:xfrm>
+          <a:off x="0" y="0"/>
+          <a:ext cx="0" cy="0"/>
+          <a:chOff x="0" y="0"/>
+          <a:chExt cx="0" cy="0"/>
+        </a:xfrm>
+      </p:grpSpPr>
+      <p:sp>
+        <p:nvSpPr>
+          <p:cNvPr id="59" name="Rectangle 51">
+            <a:extLst>
+              <a:ext uri="{FF2B5EF4-FFF2-40B4-BE49-F238E27FC236}">
+                <a16:creationId xmlns:a16="http://schemas.microsoft.com/office/drawing/2014/main" id="{FB3516BD-64C7-48EF-A342-9F00D167EE78}"/>
+              </a:ext>
+              <a:ext uri="{C183D7F6-B498-43B3-948B-1728B52AA6E4}">
+                <adec:decorative xmlns:adec="http://schemas.microsoft.com/office/drawing/2017/decorative" val="1"/>
+              </a:ext>
+            </a:extLst>
+          </p:cNvPr>
+          <p:cNvSpPr>
+            <a:spLocks noGrp="1" noRot="1" noChangeAspect="1" noMove="1" noResize="1" noEditPoints="1" noAdjustHandles="1" noChangeArrowheads="1" noChangeShapeType="1" noTextEdit="1"/>
+          </p:cNvSpPr>
+          <p:nvPr>
+            <p:extLst>
+              <p:ext uri="{386F3935-93C4-4BCD-93E2-E3B085C9AB24}">
+                <p16:designElem xmlns:p16="http://schemas.microsoft.com/office/powerpoint/2015/main" val="1"/>
+              </p:ext>
+            </p:extLst>
+          </p:nvPr>
+        </p:nvSpPr>
+        <p:spPr>
+          <a:xfrm>
+            <a:off x="643467" y="643467"/>
+            <a:ext cx="10905066" cy="5571066"/>
+          </a:xfrm>
+          <a:prstGeom prst="rect">
+            <a:avLst/>
+          </a:prstGeom>
+          <a:solidFill>
+            <a:srgbClr val="FFFFFF"/>
+          </a:solidFill>
+          <a:ln>
+            <a:noFill/>
+          </a:ln>
+          <a:effectLst>
+            <a:outerShdw blurRad="165100" dist="38100" dir="5400000" sx="102000" sy="102000" algn="t" rotWithShape="0">
+              <a:prstClr val="black">
+                <a:alpha val="40000"/>
+              </a:prstClr>
+            </a:outerShdw>
+          </a:effectLst>
+        </p:spPr>
+        <p:style>
+          <a:lnRef idx="2">
+            <a:schemeClr val="accent1">
+              <a:shade val="50000"/>
+            </a:schemeClr>
+          </a:lnRef>
+          <a:fillRef idx="1">
+            <a:schemeClr val="accent1"/>
+          </a:fillRef>
+          <a:effectRef idx="0">
+            <a:schemeClr val="accent1"/>
+          </a:effectRef>
+          <a:fontRef idx="minor">
+            <a:schemeClr val="lt1"/>
+          </a:fontRef>
+        </p:style>
+        <p:txBody>
+          <a:bodyPr rtlCol="0" anchor="ctr"/>
+          <a:lstStyle/>
+          <a:p>
+            <a:pPr algn="ctr"/>
+            <a:endParaRPr lang="en-US"/>
+          </a:p>
+        </p:txBody>
+      </p:sp>
+      <p:sp>
+        <p:nvSpPr>
+          <p:cNvPr id="7" name="TextBox 6">
+            <a:extLst>
+              <a:ext uri="{FF2B5EF4-FFF2-40B4-BE49-F238E27FC236}">
+                <a16:creationId xmlns:a16="http://schemas.microsoft.com/office/drawing/2014/main" id="{6FCF6712-AA4D-40A1-8787-5D0993D9AD13}"/>
+              </a:ext>
+            </a:extLst>
+          </p:cNvPr>
+          <p:cNvSpPr txBox="1"/>
+          <p:nvPr/>
+        </p:nvSpPr>
+        <p:spPr>
+          <a:xfrm>
+            <a:off x="1415844" y="2572914"/>
+            <a:ext cx="5877710" cy="3170099"/>
+          </a:xfrm>
+          <a:prstGeom prst="rect">
+            <a:avLst/>
+          </a:prstGeom>
+          <a:ln w="38100"/>
+        </p:spPr>
+        <p:style>
+          <a:lnRef idx="2">
+            <a:schemeClr val="dk1"/>
+          </a:lnRef>
+          <a:fillRef idx="1">
+            <a:schemeClr val="lt1"/>
+          </a:fillRef>
+          <a:effectRef idx="0">
+            <a:schemeClr val="dk1"/>
+          </a:effectRef>
+          <a:fontRef idx="minor">
+            <a:schemeClr val="dk1"/>
+          </a:fontRef>
+        </p:style>
+        <p:txBody>
+          <a:bodyPr wrap="square" rtlCol="0">
+            <a:spAutoFit/>
+          </a:bodyPr>
+          <a:lstStyle/>
+          <a:p>
+            <a:r>
+              <a:rPr lang="en-GB" sz="2000" dirty="0"/>
+              <a:t>If the navigation service is no longer required the user can simply return to the Home screen by double tapping the Nearest Branch screen</a:t>
+            </a:r>
+          </a:p>
+          <a:p>
+            <a:endParaRPr lang="en-GB" sz="2000" dirty="0"/>
+          </a:p>
+          <a:p>
+            <a:r>
+              <a:rPr lang="en-GB" sz="2000" dirty="0"/>
+              <a:t>This capability is implemented at every screen to allow easy reset</a:t>
+            </a:r>
+          </a:p>
+          <a:p>
+            <a:endParaRPr lang="en-GB" sz="2000" dirty="0"/>
+          </a:p>
+          <a:p>
+            <a:r>
+              <a:rPr lang="en-GB" sz="2000" dirty="0"/>
+              <a:t>Again confirmation will be required before completing this action and every text will be converted into speech </a:t>
+            </a:r>
+          </a:p>
+        </p:txBody>
+      </p:sp>
+      <p:sp>
+        <p:nvSpPr>
+          <p:cNvPr id="6" name="TextBox 5">
+            <a:extLst>
+              <a:ext uri="{FF2B5EF4-FFF2-40B4-BE49-F238E27FC236}">
+                <a16:creationId xmlns:a16="http://schemas.microsoft.com/office/drawing/2014/main" id="{03CE6654-4AB0-4A05-B74F-5E80122384F6}"/>
+              </a:ext>
+            </a:extLst>
+          </p:cNvPr>
+          <p:cNvSpPr txBox="1"/>
+          <p:nvPr/>
+        </p:nvSpPr>
+        <p:spPr>
+          <a:xfrm>
+            <a:off x="1300770" y="1024175"/>
+            <a:ext cx="6559650" cy="923330"/>
+          </a:xfrm>
+          <a:prstGeom prst="rect">
+            <a:avLst/>
+          </a:prstGeom>
+          <a:noFill/>
+        </p:spPr>
+        <p:txBody>
+          <a:bodyPr wrap="square" rtlCol="0">
+            <a:spAutoFit/>
+          </a:bodyPr>
+          <a:lstStyle/>
+          <a:p>
+            <a:r>
+              <a:rPr lang="en-GB" sz="5400" dirty="0">
+                <a:solidFill>
+                  <a:schemeClr val="bg1"/>
+                </a:solidFill>
+              </a:rPr>
+              <a:t>Nearest Branch (3)</a:t>
+            </a:r>
+          </a:p>
+        </p:txBody>
+      </p:sp>
+      <p:pic>
+        <p:nvPicPr>
+          <p:cNvPr id="9" name="Picture 8" descr="A close up of electronics&#10;&#10;Description automatically generated">
+            <a:extLst>
+              <a:ext uri="{FF2B5EF4-FFF2-40B4-BE49-F238E27FC236}">
+                <a16:creationId xmlns:a16="http://schemas.microsoft.com/office/drawing/2014/main" id="{CC99D565-22E9-47A3-B713-B16E211BCD67}"/>
+              </a:ext>
+            </a:extLst>
+          </p:cNvPr>
+          <p:cNvPicPr>
+            <a:picLocks noChangeAspect="1"/>
+          </p:cNvPicPr>
+          <p:nvPr/>
+        </p:nvPicPr>
+        <p:blipFill>
+          <a:blip r:embed="rId3">
+            <a:extLst>
+              <a:ext uri="{28A0092B-C50C-407E-A947-70E740481C1C}">
+                <a14:useLocalDpi xmlns:a14="http://schemas.microsoft.com/office/drawing/2010/main" val="0"/>
+              </a:ext>
+            </a:extLst>
+          </a:blip>
+          <a:stretch>
+            <a:fillRect/>
+          </a:stretch>
+        </p:blipFill>
+        <p:spPr>
+          <a:xfrm>
+            <a:off x="8065931" y="799491"/>
+            <a:ext cx="2756313" cy="5302707"/>
+          </a:xfrm>
+          <a:prstGeom prst="rect">
+            <a:avLst/>
+          </a:prstGeom>
+        </p:spPr>
+      </p:pic>
+    </p:spTree>
+    <p:extLst>
+      <p:ext uri="{BB962C8B-B14F-4D97-AF65-F5344CB8AC3E}">
+        <p14:creationId xmlns:p14="http://schemas.microsoft.com/office/powerpoint/2010/main" val="1260200024"/>
+      </p:ext>
+    </p:extLst>
+  </p:cSld>
+  <p:clrMapOvr>
+    <a:masterClrMapping/>
+  </p:clrMapOvr>
+  <mc:AlternateContent xmlns:mc="http://schemas.openxmlformats.org/markup-compatibility/2006">
+    <mc:Choice xmlns:p14="http://schemas.microsoft.com/office/powerpoint/2010/main" Requires="p14">
+      <p:transition spd="slow" p14:dur="1250">
+        <p14:doors dir="vert"/>
+      </p:transition>
+    </mc:Choice>
+    <mc:Fallback>
+      <p:transition spd="slow">
+        <p:fade/>
+      </p:transition>
+    </mc:Fallback>
+  </mc:AlternateContent>
+  <p:timing>
+    <p:tnLst>
+      <p:par>
+        <p:cTn id="1" dur="indefinite" restart="never" nodeType="tmRoot">
+          <p:childTnLst>
+            <p:seq concurrent="1" nextAc="seek">
+              <p:cTn id="2" dur="indefinite" nodeType="mainSeq">
+                <p:childTnLst>
+                  <p:par>
+                    <p:cTn id="3" fill="hold">
+                      <p:stCondLst>
+                        <p:cond delay="indefinite"/>
+                        <p:cond evt="onBegin" delay="0">
+                          <p:tn val="2"/>
+                        </p:cond>
+                      </p:stCondLst>
+                      <p:childTnLst>
+                        <p:par>
+                          <p:cTn id="4" fill="hold">
+                            <p:stCondLst>
+                              <p:cond delay="0"/>
+                            </p:stCondLst>
+                            <p:childTnLst>
+                              <p:par>
+                                <p:cTn id="5" presetID="10" presetClass="entr" presetSubtype="0" fill="hold" nodeType="afterEffect">
+                                  <p:stCondLst>
+                                    <p:cond delay="0"/>
+                                  </p:stCondLst>
+                                  <p:childTnLst>
+                                    <p:set>
+                                      <p:cBhvr>
+                                        <p:cTn id="6" dur="1" fill="hold">
+                                          <p:stCondLst>
+                                            <p:cond delay="0"/>
+                                          </p:stCondLst>
+                                        </p:cTn>
+                                        <p:tgtEl>
+                                          <p:spTgt spid="7">
+                                            <p:txEl>
+                                              <p:pRg st="0" end="0"/>
+                                            </p:txEl>
+                                          </p:spTgt>
+                                        </p:tgtEl>
+                                        <p:attrNameLst>
+                                          <p:attrName>style.visibility</p:attrName>
+                                        </p:attrNameLst>
+                                      </p:cBhvr>
+                                      <p:to>
+                                        <p:strVal val="visible"/>
+                                      </p:to>
+                                    </p:set>
+                                    <p:animEffect transition="in" filter="fade">
+                                      <p:cBhvr>
+                                        <p:cTn id="7" dur="500"/>
+                                        <p:tgtEl>
+                                          <p:spTgt spid="7">
+                                            <p:txEl>
+                                              <p:pRg st="0" end="0"/>
+                                            </p:txEl>
+                                          </p:spTgt>
+                                        </p:tgtEl>
+                                      </p:cBhvr>
+                                    </p:animEffect>
+                                  </p:childTnLst>
+                                </p:cTn>
+                              </p:par>
+                            </p:childTnLst>
+                          </p:cTn>
+                        </p:par>
+                        <p:par>
+                          <p:cTn id="8" fill="hold">
+                            <p:stCondLst>
+                              <p:cond delay="500"/>
+                            </p:stCondLst>
+                            <p:childTnLst>
+                              <p:par>
+                                <p:cTn id="9" presetID="10" presetClass="entr" presetSubtype="0" fill="hold" nodeType="afterEffect">
+                                  <p:stCondLst>
+                                    <p:cond delay="0"/>
+                                  </p:stCondLst>
+                                  <p:childTnLst>
+                                    <p:set>
+                                      <p:cBhvr>
+                                        <p:cTn id="10" dur="1" fill="hold">
+                                          <p:stCondLst>
+                                            <p:cond delay="0"/>
+                                          </p:stCondLst>
+                                        </p:cTn>
+                                        <p:tgtEl>
+                                          <p:spTgt spid="7">
+                                            <p:txEl>
+                                              <p:pRg st="2" end="2"/>
+                                            </p:txEl>
+                                          </p:spTgt>
+                                        </p:tgtEl>
+                                        <p:attrNameLst>
+                                          <p:attrName>style.visibility</p:attrName>
+                                        </p:attrNameLst>
+                                      </p:cBhvr>
+                                      <p:to>
+                                        <p:strVal val="visible"/>
+                                      </p:to>
+                                    </p:set>
+                                    <p:animEffect transition="in" filter="fade">
+                                      <p:cBhvr>
+                                        <p:cTn id="11" dur="500"/>
+                                        <p:tgtEl>
+                                          <p:spTgt spid="7">
+                                            <p:txEl>
+                                              <p:pRg st="2" end="2"/>
+                                            </p:txEl>
+                                          </p:spTgt>
+                                        </p:tgtEl>
+                                      </p:cBhvr>
+                                    </p:animEffect>
+                                  </p:childTnLst>
+                                </p:cTn>
+                              </p:par>
+                            </p:childTnLst>
+                          </p:cTn>
+                        </p:par>
+                        <p:par>
+                          <p:cTn id="12" fill="hold">
+                            <p:stCondLst>
+                              <p:cond delay="1000"/>
+                            </p:stCondLst>
+                            <p:childTnLst>
+                              <p:par>
+                                <p:cTn id="13" presetID="10" presetClass="entr" presetSubtype="0" fill="hold" nodeType="afterEffect">
+                                  <p:stCondLst>
+                                    <p:cond delay="0"/>
+                                  </p:stCondLst>
+                                  <p:childTnLst>
+                                    <p:set>
+                                      <p:cBhvr>
+                                        <p:cTn id="14" dur="1" fill="hold">
+                                          <p:stCondLst>
+                                            <p:cond delay="0"/>
+                                          </p:stCondLst>
+                                        </p:cTn>
+                                        <p:tgtEl>
+                                          <p:spTgt spid="7">
+                                            <p:txEl>
+                                              <p:pRg st="4" end="4"/>
+                                            </p:txEl>
+                                          </p:spTgt>
+                                        </p:tgtEl>
+                                        <p:attrNameLst>
+                                          <p:attrName>style.visibility</p:attrName>
+                                        </p:attrNameLst>
+                                      </p:cBhvr>
+                                      <p:to>
+                                        <p:strVal val="visible"/>
+                                      </p:to>
+                                    </p:set>
+                                    <p:animEffect transition="in" filter="fade">
+                                      <p:cBhvr>
+                                        <p:cTn id="15" dur="500"/>
+                                        <p:tgtEl>
+                                          <p:spTgt spid="7">
+                                            <p:txEl>
+                                              <p:pRg st="4" end="4"/>
+                                            </p:txEl>
+                                          </p:spTgt>
+                                        </p:tgtEl>
+                                      </p:cBhvr>
+                                    </p:animEffect>
+                                  </p:childTnLst>
+                                </p:cTn>
+                              </p:par>
+                            </p:childTnLst>
+                          </p:cTn>
+                        </p:par>
+                      </p:childTnLst>
+                    </p:cTn>
+                  </p:par>
+                </p:childTnLst>
+              </p:cTn>
+              <p:prevCondLst>
+                <p:cond evt="onPrev" delay="0">
+                  <p:tgtEl>
+                    <p:sldTgt/>
+                  </p:tgtEl>
+                </p:cond>
+              </p:prevCondLst>
+              <p:nextCondLst>
+                <p:cond evt="onNext" delay="0">
+                  <p:tgtEl>
+                    <p:sldTgt/>
+                  </p:tgtEl>
+                </p:cond>
+              </p:nextCondLst>
+            </p:seq>
+          </p:childTnLst>
+        </p:cTn>
+      </p:par>
+    </p:tnLst>
+  </p:timing>
+</p:sld>
+</file>
+
+<file path=ppt/slides/slide15.xml><?xml version="1.0" encoding="utf-8"?>
+<p:sld xmlns:a="http://schemas.openxmlformats.org/drawingml/2006/main" xmlns:r="http://schemas.openxmlformats.org/officeDocument/2006/relationships" xmlns:p="http://schemas.openxmlformats.org/presentationml/2006/main">
+  <p:cSld>
+    <p:bg>
+      <p:bgPr>
+        <a:blipFill rotWithShape="1">
+          <a:blip r:embed="rId2">
+            <a:duotone>
+              <a:schemeClr val="bg2">
+                <a:shade val="28000"/>
+                <a:satMod val="94000"/>
+                <a:lumMod val="20000"/>
+              </a:schemeClr>
+              <a:schemeClr val="bg2">
+                <a:tint val="94000"/>
+                <a:shade val="84000"/>
+                <a:satMod val="148000"/>
+                <a:lumMod val="114000"/>
+              </a:schemeClr>
+            </a:duotone>
+          </a:blip>
+          <a:stretch/>
+        </a:blipFill>
+        <a:effectLst/>
+      </p:bgPr>
+    </p:bg>
+    <p:spTree>
+      <p:nvGrpSpPr>
+        <p:cNvPr id="1" name=""/>
+        <p:cNvGrpSpPr/>
+        <p:nvPr/>
+      </p:nvGrpSpPr>
+      <p:grpSpPr>
+        <a:xfrm>
+          <a:off x="0" y="0"/>
+          <a:ext cx="0" cy="0"/>
+          <a:chOff x="0" y="0"/>
+          <a:chExt cx="0" cy="0"/>
+        </a:xfrm>
+      </p:grpSpPr>
+      <p:sp>
+        <p:nvSpPr>
+          <p:cNvPr id="59" name="Rectangle 51">
+            <a:extLst>
+              <a:ext uri="{FF2B5EF4-FFF2-40B4-BE49-F238E27FC236}">
+                <a16:creationId xmlns:a16="http://schemas.microsoft.com/office/drawing/2014/main" id="{FB3516BD-64C7-48EF-A342-9F00D167EE78}"/>
+              </a:ext>
+              <a:ext uri="{C183D7F6-B498-43B3-948B-1728B52AA6E4}">
+                <adec:decorative xmlns:adec="http://schemas.microsoft.com/office/drawing/2017/decorative" val="1"/>
+              </a:ext>
+            </a:extLst>
+          </p:cNvPr>
+          <p:cNvSpPr>
+            <a:spLocks noGrp="1" noRot="1" noChangeAspect="1" noMove="1" noResize="1" noEditPoints="1" noAdjustHandles="1" noChangeArrowheads="1" noChangeShapeType="1" noTextEdit="1"/>
+          </p:cNvSpPr>
+          <p:nvPr>
+            <p:extLst>
+              <p:ext uri="{386F3935-93C4-4BCD-93E2-E3B085C9AB24}">
+                <p16:designElem xmlns:p16="http://schemas.microsoft.com/office/powerpoint/2015/main" val="1"/>
+              </p:ext>
+            </p:extLst>
+          </p:nvPr>
+        </p:nvSpPr>
+        <p:spPr>
+          <a:xfrm>
+            <a:off x="643467" y="643467"/>
+            <a:ext cx="10905066" cy="5571066"/>
+          </a:xfrm>
+          <a:prstGeom prst="rect">
+            <a:avLst/>
+          </a:prstGeom>
+          <a:solidFill>
+            <a:srgbClr val="FFFFFF"/>
+          </a:solidFill>
+          <a:ln>
+            <a:noFill/>
+          </a:ln>
+          <a:effectLst>
+            <a:outerShdw blurRad="165100" dist="38100" dir="5400000" sx="102000" sy="102000" algn="t" rotWithShape="0">
+              <a:prstClr val="black">
+                <a:alpha val="40000"/>
+              </a:prstClr>
+            </a:outerShdw>
+          </a:effectLst>
+        </p:spPr>
+        <p:style>
+          <a:lnRef idx="2">
+            <a:schemeClr val="accent1">
+              <a:shade val="50000"/>
+            </a:schemeClr>
+          </a:lnRef>
+          <a:fillRef idx="1">
+            <a:schemeClr val="accent1"/>
+          </a:fillRef>
+          <a:effectRef idx="0">
+            <a:schemeClr val="accent1"/>
+          </a:effectRef>
+          <a:fontRef idx="minor">
+            <a:schemeClr val="lt1"/>
+          </a:fontRef>
+        </p:style>
+        <p:txBody>
+          <a:bodyPr rtlCol="0" anchor="ctr"/>
+          <a:lstStyle/>
+          <a:p>
+            <a:pPr algn="ctr"/>
+            <a:endParaRPr lang="en-US"/>
+          </a:p>
+        </p:txBody>
+      </p:sp>
+      <p:sp>
+        <p:nvSpPr>
+          <p:cNvPr id="4" name="TextBox 3">
+            <a:extLst>
+              <a:ext uri="{FF2B5EF4-FFF2-40B4-BE49-F238E27FC236}">
+                <a16:creationId xmlns:a16="http://schemas.microsoft.com/office/drawing/2014/main" id="{5E331C3F-D6B4-4A35-9538-1EAE4F316B32}"/>
+              </a:ext>
+            </a:extLst>
+          </p:cNvPr>
+          <p:cNvSpPr txBox="1"/>
+          <p:nvPr/>
+        </p:nvSpPr>
+        <p:spPr>
+          <a:xfrm>
+            <a:off x="3747709" y="1108610"/>
+            <a:ext cx="7264420" cy="923330"/>
+          </a:xfrm>
+          <a:prstGeom prst="rect">
+            <a:avLst/>
+          </a:prstGeom>
+          <a:noFill/>
+        </p:spPr>
+        <p:txBody>
+          <a:bodyPr wrap="square" rtlCol="0">
+            <a:spAutoFit/>
+          </a:bodyPr>
+          <a:lstStyle/>
+          <a:p>
+            <a:r>
+              <a:rPr lang="en-GB" sz="5400" dirty="0">
+                <a:solidFill>
+                  <a:schemeClr val="bg1"/>
+                </a:solidFill>
+              </a:rPr>
+              <a:t>Customer Support (1)</a:t>
+            </a:r>
+          </a:p>
+        </p:txBody>
+      </p:sp>
+      <p:pic>
+        <p:nvPicPr>
+          <p:cNvPr id="3" name="Picture 2" descr="A screenshot of a cell phone&#10;&#10;Description automatically generated">
+            <a:extLst>
+              <a:ext uri="{FF2B5EF4-FFF2-40B4-BE49-F238E27FC236}">
+                <a16:creationId xmlns:a16="http://schemas.microsoft.com/office/drawing/2014/main" id="{A4FF3956-1012-490C-B4E9-DE2DE4752AAF}"/>
+              </a:ext>
+            </a:extLst>
+          </p:cNvPr>
+          <p:cNvPicPr>
+            <a:picLocks noChangeAspect="1"/>
+          </p:cNvPicPr>
+          <p:nvPr/>
+        </p:nvPicPr>
+        <p:blipFill>
+          <a:blip r:embed="rId3">
+            <a:extLst>
+              <a:ext uri="{28A0092B-C50C-407E-A947-70E740481C1C}">
+                <a14:useLocalDpi xmlns:a14="http://schemas.microsoft.com/office/drawing/2010/main" val="0"/>
+              </a:ext>
+            </a:extLst>
+          </a:blip>
+          <a:stretch>
+            <a:fillRect/>
+          </a:stretch>
+        </p:blipFill>
+        <p:spPr>
+          <a:xfrm>
+            <a:off x="822869" y="734402"/>
+            <a:ext cx="2745439" cy="5389195"/>
+          </a:xfrm>
+          <a:prstGeom prst="rect">
+            <a:avLst/>
+          </a:prstGeom>
+        </p:spPr>
+      </p:pic>
+      <p:sp>
+        <p:nvSpPr>
+          <p:cNvPr id="8" name="TextBox 7">
+            <a:extLst>
+              <a:ext uri="{FF2B5EF4-FFF2-40B4-BE49-F238E27FC236}">
+                <a16:creationId xmlns:a16="http://schemas.microsoft.com/office/drawing/2014/main" id="{79D4C1E3-5CAC-422E-94CE-C50328CA0478}"/>
+              </a:ext>
+            </a:extLst>
+          </p:cNvPr>
+          <p:cNvSpPr txBox="1"/>
+          <p:nvPr/>
+        </p:nvSpPr>
+        <p:spPr>
+          <a:xfrm>
+            <a:off x="4689987" y="2459503"/>
+            <a:ext cx="6111460" cy="2554545"/>
+          </a:xfrm>
+          <a:prstGeom prst="rect">
+            <a:avLst/>
+          </a:prstGeom>
+          <a:ln w="38100"/>
+        </p:spPr>
+        <p:style>
+          <a:lnRef idx="2">
+            <a:schemeClr val="dk1"/>
+          </a:lnRef>
+          <a:fillRef idx="1">
+            <a:schemeClr val="lt1"/>
+          </a:fillRef>
+          <a:effectRef idx="0">
+            <a:schemeClr val="dk1"/>
+          </a:effectRef>
+          <a:fontRef idx="minor">
+            <a:schemeClr val="dk1"/>
+          </a:fontRef>
+        </p:style>
+        <p:txBody>
+          <a:bodyPr wrap="square" rtlCol="0">
+            <a:spAutoFit/>
+          </a:bodyPr>
+          <a:lstStyle/>
+          <a:p>
+            <a:r>
+              <a:rPr lang="en-GB" sz="2000" dirty="0"/>
+              <a:t>The Customer Support screen enables a quick and simple mechanism to connect to the Bank’s customer support team</a:t>
+            </a:r>
+          </a:p>
+          <a:p>
+            <a:endParaRPr lang="en-GB" sz="2000" dirty="0"/>
+          </a:p>
+          <a:p>
+            <a:r>
+              <a:rPr lang="en-GB" sz="2000" dirty="0"/>
+              <a:t>The feature will require permission to make calls on behalf of the user</a:t>
+            </a:r>
+          </a:p>
+          <a:p>
+            <a:endParaRPr lang="en-GB" sz="2000" dirty="0"/>
+          </a:p>
+          <a:p>
+            <a:r>
+              <a:rPr lang="en-GB" sz="2000" dirty="0"/>
+              <a:t>Voice feedback will support this functionality</a:t>
+            </a:r>
+          </a:p>
+        </p:txBody>
+      </p:sp>
+    </p:spTree>
+    <p:extLst>
+      <p:ext uri="{BB962C8B-B14F-4D97-AF65-F5344CB8AC3E}">
+        <p14:creationId xmlns:p14="http://schemas.microsoft.com/office/powerpoint/2010/main" val="3002290527"/>
+      </p:ext>
+    </p:extLst>
+  </p:cSld>
+  <p:clrMapOvr>
+    <a:masterClrMapping/>
+  </p:clrMapOvr>
+  <mc:AlternateContent xmlns:mc="http://schemas.openxmlformats.org/markup-compatibility/2006">
+    <mc:Choice xmlns:p14="http://schemas.microsoft.com/office/powerpoint/2010/main" Requires="p14">
+      <p:transition spd="slow" p14:dur="1250">
+        <p14:doors dir="vert"/>
+      </p:transition>
+    </mc:Choice>
+    <mc:Fallback>
+      <p:transition spd="slow">
+        <p:fade/>
+      </p:transition>
+    </mc:Fallback>
+  </mc:AlternateContent>
+  <p:timing>
+    <p:tnLst>
+      <p:par>
+        <p:cTn id="1" dur="indefinite" restart="never" nodeType="tmRoot">
+          <p:childTnLst>
+            <p:seq concurrent="1" nextAc="seek">
+              <p:cTn id="2" dur="indefinite" nodeType="mainSeq">
+                <p:childTnLst>
+                  <p:par>
+                    <p:cTn id="3" fill="hold">
+                      <p:stCondLst>
+                        <p:cond delay="indefinite"/>
+                        <p:cond evt="onBegin" delay="0">
+                          <p:tn val="2"/>
+                        </p:cond>
+                      </p:stCondLst>
+                      <p:childTnLst>
+                        <p:par>
+                          <p:cTn id="4" fill="hold">
+                            <p:stCondLst>
+                              <p:cond delay="0"/>
+                            </p:stCondLst>
+                            <p:childTnLst>
+                              <p:par>
+                                <p:cTn id="5" presetID="10" presetClass="entr" presetSubtype="0" fill="hold" nodeType="afterEffect">
+                                  <p:stCondLst>
+                                    <p:cond delay="0"/>
+                                  </p:stCondLst>
+                                  <p:childTnLst>
+                                    <p:set>
+                                      <p:cBhvr>
+                                        <p:cTn id="6" dur="1" fill="hold">
+                                          <p:stCondLst>
+                                            <p:cond delay="0"/>
+                                          </p:stCondLst>
+                                        </p:cTn>
+                                        <p:tgtEl>
+                                          <p:spTgt spid="8">
+                                            <p:txEl>
+                                              <p:pRg st="0" end="0"/>
+                                            </p:txEl>
+                                          </p:spTgt>
+                                        </p:tgtEl>
+                                        <p:attrNameLst>
+                                          <p:attrName>style.visibility</p:attrName>
+                                        </p:attrNameLst>
+                                      </p:cBhvr>
+                                      <p:to>
+                                        <p:strVal val="visible"/>
+                                      </p:to>
+                                    </p:set>
+                                    <p:animEffect transition="in" filter="fade">
+                                      <p:cBhvr>
+                                        <p:cTn id="7" dur="500"/>
+                                        <p:tgtEl>
+                                          <p:spTgt spid="8">
+                                            <p:txEl>
+                                              <p:pRg st="0" end="0"/>
+                                            </p:txEl>
+                                          </p:spTgt>
+                                        </p:tgtEl>
+                                      </p:cBhvr>
+                                    </p:animEffect>
+                                  </p:childTnLst>
+                                </p:cTn>
+                              </p:par>
+                            </p:childTnLst>
+                          </p:cTn>
+                        </p:par>
+                        <p:par>
+                          <p:cTn id="8" fill="hold">
+                            <p:stCondLst>
+                              <p:cond delay="500"/>
+                            </p:stCondLst>
+                            <p:childTnLst>
+                              <p:par>
+                                <p:cTn id="9" presetID="10" presetClass="entr" presetSubtype="0" fill="hold" nodeType="afterEffect">
+                                  <p:stCondLst>
+                                    <p:cond delay="0"/>
+                                  </p:stCondLst>
+                                  <p:childTnLst>
+                                    <p:set>
+                                      <p:cBhvr>
+                                        <p:cTn id="10" dur="1" fill="hold">
+                                          <p:stCondLst>
+                                            <p:cond delay="0"/>
+                                          </p:stCondLst>
+                                        </p:cTn>
+                                        <p:tgtEl>
+                                          <p:spTgt spid="8">
+                                            <p:txEl>
+                                              <p:pRg st="2" end="2"/>
+                                            </p:txEl>
+                                          </p:spTgt>
+                                        </p:tgtEl>
+                                        <p:attrNameLst>
+                                          <p:attrName>style.visibility</p:attrName>
+                                        </p:attrNameLst>
+                                      </p:cBhvr>
+                                      <p:to>
+                                        <p:strVal val="visible"/>
+                                      </p:to>
+                                    </p:set>
+                                    <p:animEffect transition="in" filter="fade">
+                                      <p:cBhvr>
+                                        <p:cTn id="11" dur="500"/>
+                                        <p:tgtEl>
+                                          <p:spTgt spid="8">
+                                            <p:txEl>
+                                              <p:pRg st="2" end="2"/>
+                                            </p:txEl>
+                                          </p:spTgt>
+                                        </p:tgtEl>
+                                      </p:cBhvr>
+                                    </p:animEffect>
+                                  </p:childTnLst>
+                                </p:cTn>
+                              </p:par>
+                            </p:childTnLst>
+                          </p:cTn>
+                        </p:par>
+                        <p:par>
+                          <p:cTn id="12" fill="hold">
+                            <p:stCondLst>
+                              <p:cond delay="1000"/>
+                            </p:stCondLst>
+                            <p:childTnLst>
+                              <p:par>
+                                <p:cTn id="13" presetID="10" presetClass="entr" presetSubtype="0" fill="hold" nodeType="afterEffect">
+                                  <p:stCondLst>
+                                    <p:cond delay="0"/>
+                                  </p:stCondLst>
+                                  <p:childTnLst>
+                                    <p:set>
+                                      <p:cBhvr>
+                                        <p:cTn id="14" dur="1" fill="hold">
+                                          <p:stCondLst>
+                                            <p:cond delay="0"/>
+                                          </p:stCondLst>
+                                        </p:cTn>
+                                        <p:tgtEl>
+                                          <p:spTgt spid="8">
+                                            <p:txEl>
+                                              <p:pRg st="4" end="4"/>
+                                            </p:txEl>
+                                          </p:spTgt>
+                                        </p:tgtEl>
+                                        <p:attrNameLst>
+                                          <p:attrName>style.visibility</p:attrName>
+                                        </p:attrNameLst>
+                                      </p:cBhvr>
+                                      <p:to>
+                                        <p:strVal val="visible"/>
+                                      </p:to>
+                                    </p:set>
+                                    <p:animEffect transition="in" filter="fade">
+                                      <p:cBhvr>
+                                        <p:cTn id="15" dur="500"/>
+                                        <p:tgtEl>
+                                          <p:spTgt spid="8">
+                                            <p:txEl>
+                                              <p:pRg st="4" end="4"/>
+                                            </p:txEl>
+                                          </p:spTgt>
+                                        </p:tgtEl>
+                                      </p:cBhvr>
+                                    </p:animEffect>
+                                  </p:childTnLst>
+                                </p:cTn>
+                              </p:par>
+                            </p:childTnLst>
+                          </p:cTn>
+                        </p:par>
+                      </p:childTnLst>
+                    </p:cTn>
+                  </p:par>
+                </p:childTnLst>
+              </p:cTn>
+              <p:prevCondLst>
+                <p:cond evt="onPrev" delay="0">
+                  <p:tgtEl>
+                    <p:sldTgt/>
+                  </p:tgtEl>
+                </p:cond>
+              </p:prevCondLst>
+              <p:nextCondLst>
+                <p:cond evt="onNext" delay="0">
+                  <p:tgtEl>
+                    <p:sldTgt/>
+                  </p:tgtEl>
+                </p:cond>
+              </p:nextCondLst>
+            </p:seq>
+          </p:childTnLst>
+        </p:cTn>
+      </p:par>
+    </p:tnLst>
+  </p:timing>
+</p:sld>
+</file>
+
+<file path=ppt/slides/slide16.xml><?xml version="1.0" encoding="utf-8"?>
+<p:sld xmlns:a="http://schemas.openxmlformats.org/drawingml/2006/main" xmlns:r="http://schemas.openxmlformats.org/officeDocument/2006/relationships" xmlns:p="http://schemas.openxmlformats.org/presentationml/2006/main">
+  <p:cSld>
+    <p:bg>
+      <p:bgPr>
+        <a:blipFill rotWithShape="1">
+          <a:blip r:embed="rId2">
+            <a:duotone>
+              <a:schemeClr val="bg2">
+                <a:shade val="28000"/>
+                <a:satMod val="94000"/>
+                <a:lumMod val="20000"/>
+              </a:schemeClr>
+              <a:schemeClr val="bg2">
+                <a:tint val="94000"/>
+                <a:shade val="84000"/>
+                <a:satMod val="148000"/>
+                <a:lumMod val="114000"/>
+              </a:schemeClr>
+            </a:duotone>
+          </a:blip>
+          <a:stretch/>
+        </a:blipFill>
+        <a:effectLst/>
+      </p:bgPr>
+    </p:bg>
+    <p:spTree>
+      <p:nvGrpSpPr>
+        <p:cNvPr id="1" name=""/>
+        <p:cNvGrpSpPr/>
+        <p:nvPr/>
+      </p:nvGrpSpPr>
+      <p:grpSpPr>
+        <a:xfrm>
+          <a:off x="0" y="0"/>
+          <a:ext cx="0" cy="0"/>
+          <a:chOff x="0" y="0"/>
+          <a:chExt cx="0" cy="0"/>
+        </a:xfrm>
+      </p:grpSpPr>
+      <p:sp>
+        <p:nvSpPr>
+          <p:cNvPr id="59" name="Rectangle 51">
+            <a:extLst>
+              <a:ext uri="{FF2B5EF4-FFF2-40B4-BE49-F238E27FC236}">
+                <a16:creationId xmlns:a16="http://schemas.microsoft.com/office/drawing/2014/main" id="{FB3516BD-64C7-48EF-A342-9F00D167EE78}"/>
+              </a:ext>
+              <a:ext uri="{C183D7F6-B498-43B3-948B-1728B52AA6E4}">
+                <adec:decorative xmlns:adec="http://schemas.microsoft.com/office/drawing/2017/decorative" val="1"/>
+              </a:ext>
+            </a:extLst>
+          </p:cNvPr>
+          <p:cNvSpPr>
+            <a:spLocks noGrp="1" noRot="1" noChangeAspect="1" noMove="1" noResize="1" noEditPoints="1" noAdjustHandles="1" noChangeArrowheads="1" noChangeShapeType="1" noTextEdit="1"/>
+          </p:cNvSpPr>
+          <p:nvPr>
+            <p:extLst>
+              <p:ext uri="{386F3935-93C4-4BCD-93E2-E3B085C9AB24}">
+                <p16:designElem xmlns:p16="http://schemas.microsoft.com/office/powerpoint/2015/main" val="1"/>
+              </p:ext>
+            </p:extLst>
+          </p:nvPr>
+        </p:nvSpPr>
+        <p:spPr>
+          <a:xfrm>
+            <a:off x="643467" y="643467"/>
+            <a:ext cx="10905066" cy="5571066"/>
+          </a:xfrm>
+          <a:prstGeom prst="rect">
+            <a:avLst/>
+          </a:prstGeom>
+          <a:solidFill>
+            <a:srgbClr val="FFFFFF"/>
+          </a:solidFill>
+          <a:ln>
+            <a:noFill/>
+          </a:ln>
+          <a:effectLst>
+            <a:outerShdw blurRad="165100" dist="38100" dir="5400000" sx="102000" sy="102000" algn="t" rotWithShape="0">
+              <a:prstClr val="black">
+                <a:alpha val="40000"/>
+              </a:prstClr>
+            </a:outerShdw>
+          </a:effectLst>
+        </p:spPr>
+        <p:style>
+          <a:lnRef idx="2">
+            <a:schemeClr val="accent1">
+              <a:shade val="50000"/>
+            </a:schemeClr>
+          </a:lnRef>
+          <a:fillRef idx="1">
+            <a:schemeClr val="accent1"/>
+          </a:fillRef>
+          <a:effectRef idx="0">
+            <a:schemeClr val="accent1"/>
+          </a:effectRef>
+          <a:fontRef idx="minor">
+            <a:schemeClr val="lt1"/>
+          </a:fontRef>
+        </p:style>
+        <p:txBody>
+          <a:bodyPr rtlCol="0" anchor="ctr"/>
+          <a:lstStyle/>
+          <a:p>
+            <a:pPr algn="ctr"/>
+            <a:endParaRPr lang="en-US"/>
+          </a:p>
+        </p:txBody>
+      </p:sp>
+      <p:sp>
+        <p:nvSpPr>
+          <p:cNvPr id="4" name="TextBox 3">
+            <a:extLst>
+              <a:ext uri="{FF2B5EF4-FFF2-40B4-BE49-F238E27FC236}">
+                <a16:creationId xmlns:a16="http://schemas.microsoft.com/office/drawing/2014/main" id="{5E331C3F-D6B4-4A35-9538-1EAE4F316B32}"/>
+              </a:ext>
+            </a:extLst>
+          </p:cNvPr>
+          <p:cNvSpPr txBox="1"/>
+          <p:nvPr/>
+        </p:nvSpPr>
+        <p:spPr>
+          <a:xfrm>
+            <a:off x="3747709" y="1108610"/>
+            <a:ext cx="7264420" cy="923330"/>
+          </a:xfrm>
+          <a:prstGeom prst="rect">
+            <a:avLst/>
+          </a:prstGeom>
+          <a:noFill/>
+        </p:spPr>
+        <p:txBody>
+          <a:bodyPr wrap="square" rtlCol="0">
+            <a:spAutoFit/>
+          </a:bodyPr>
+          <a:lstStyle/>
+          <a:p>
+            <a:r>
+              <a:rPr lang="en-GB" sz="5400" dirty="0">
+                <a:solidFill>
+                  <a:schemeClr val="bg1"/>
+                </a:solidFill>
+              </a:rPr>
+              <a:t>Customer Support (2)</a:t>
+            </a:r>
+          </a:p>
+        </p:txBody>
+      </p:sp>
+      <p:pic>
+        <p:nvPicPr>
+          <p:cNvPr id="5" name="Picture 4" descr="Screen of a cell phone&#10;&#10;Description automatically generated">
+            <a:extLst>
+              <a:ext uri="{FF2B5EF4-FFF2-40B4-BE49-F238E27FC236}">
+                <a16:creationId xmlns:a16="http://schemas.microsoft.com/office/drawing/2014/main" id="{A5DF6DDE-0074-48A8-B420-634D3388D5B4}"/>
+              </a:ext>
+            </a:extLst>
+          </p:cNvPr>
+          <p:cNvPicPr>
+            <a:picLocks noChangeAspect="1"/>
+          </p:cNvPicPr>
+          <p:nvPr/>
+        </p:nvPicPr>
+        <p:blipFill>
+          <a:blip r:embed="rId3">
+            <a:extLst>
+              <a:ext uri="{28A0092B-C50C-407E-A947-70E740481C1C}">
+                <a14:useLocalDpi xmlns:a14="http://schemas.microsoft.com/office/drawing/2010/main" val="0"/>
+              </a:ext>
+            </a:extLst>
+          </a:blip>
+          <a:stretch>
+            <a:fillRect/>
+          </a:stretch>
+        </p:blipFill>
+        <p:spPr>
+          <a:xfrm>
+            <a:off x="822868" y="771376"/>
+            <a:ext cx="2756073" cy="5335833"/>
+          </a:xfrm>
+          <a:prstGeom prst="rect">
+            <a:avLst/>
+          </a:prstGeom>
+        </p:spPr>
+      </p:pic>
+      <p:sp>
+        <p:nvSpPr>
+          <p:cNvPr id="9" name="TextBox 8">
+            <a:extLst>
+              <a:ext uri="{FF2B5EF4-FFF2-40B4-BE49-F238E27FC236}">
+                <a16:creationId xmlns:a16="http://schemas.microsoft.com/office/drawing/2014/main" id="{1E8AB7CE-F95B-496C-92B3-DABD80477A5F}"/>
+              </a:ext>
+            </a:extLst>
+          </p:cNvPr>
+          <p:cNvSpPr txBox="1"/>
+          <p:nvPr/>
+        </p:nvSpPr>
+        <p:spPr>
+          <a:xfrm>
+            <a:off x="4689987" y="2459503"/>
+            <a:ext cx="6111460" cy="2554545"/>
+          </a:xfrm>
+          <a:prstGeom prst="rect">
+            <a:avLst/>
+          </a:prstGeom>
+          <a:ln w="38100"/>
+        </p:spPr>
+        <p:style>
+          <a:lnRef idx="2">
+            <a:schemeClr val="dk1"/>
+          </a:lnRef>
+          <a:fillRef idx="1">
+            <a:schemeClr val="lt1"/>
+          </a:fillRef>
+          <a:effectRef idx="0">
+            <a:schemeClr val="dk1"/>
+          </a:effectRef>
+          <a:fontRef idx="minor">
+            <a:schemeClr val="dk1"/>
+          </a:fontRef>
+        </p:style>
+        <p:txBody>
+          <a:bodyPr wrap="square" rtlCol="0">
+            <a:spAutoFit/>
+          </a:bodyPr>
+          <a:lstStyle/>
+          <a:p>
+            <a:r>
+              <a:rPr lang="en-GB" sz="2000" dirty="0"/>
+              <a:t>The application connects to the bank’s national helpline from where the user is redirected to the relevant area</a:t>
+            </a:r>
+          </a:p>
+          <a:p>
+            <a:endParaRPr lang="en-GB" sz="2000" dirty="0"/>
+          </a:p>
+          <a:p>
+            <a:r>
+              <a:rPr lang="en-GB" sz="2000" dirty="0"/>
+              <a:t>The idea is to bypass the hassle of finding the customer support contact details and carrying out the calling action to enable a direct one-tap connection to the customer support</a:t>
+            </a:r>
+          </a:p>
+        </p:txBody>
+      </p:sp>
+    </p:spTree>
+    <p:extLst>
+      <p:ext uri="{BB962C8B-B14F-4D97-AF65-F5344CB8AC3E}">
+        <p14:creationId xmlns:p14="http://schemas.microsoft.com/office/powerpoint/2010/main" val="612835755"/>
+      </p:ext>
+    </p:extLst>
+  </p:cSld>
+  <p:clrMapOvr>
+    <a:masterClrMapping/>
+  </p:clrMapOvr>
+  <mc:AlternateContent xmlns:mc="http://schemas.openxmlformats.org/markup-compatibility/2006">
+    <mc:Choice xmlns:p14="http://schemas.microsoft.com/office/powerpoint/2010/main" Requires="p14">
+      <p:transition spd="slow" p14:dur="1250">
+        <p14:doors dir="vert"/>
+      </p:transition>
+    </mc:Choice>
+    <mc:Fallback>
+      <p:transition spd="slow">
+        <p:fade/>
+      </p:transition>
+    </mc:Fallback>
+  </mc:AlternateContent>
+  <p:timing>
+    <p:tnLst>
+      <p:par>
+        <p:cTn id="1" dur="indefinite" restart="never" nodeType="tmRoot">
+          <p:childTnLst>
+            <p:seq concurrent="1" nextAc="seek">
+              <p:cTn id="2" dur="indefinite" nodeType="mainSeq">
+                <p:childTnLst>
+                  <p:par>
+                    <p:cTn id="3" fill="hold">
+                      <p:stCondLst>
+                        <p:cond delay="indefinite"/>
+                        <p:cond evt="onBegin" delay="0">
+                          <p:tn val="2"/>
+                        </p:cond>
+                      </p:stCondLst>
+                      <p:childTnLst>
+                        <p:par>
+                          <p:cTn id="4" fill="hold">
+                            <p:stCondLst>
+                              <p:cond delay="0"/>
+                            </p:stCondLst>
+                            <p:childTnLst>
+                              <p:par>
+                                <p:cTn id="5" presetID="10" presetClass="entr" presetSubtype="0" fill="hold" nodeType="afterEffect">
+                                  <p:stCondLst>
+                                    <p:cond delay="0"/>
+                                  </p:stCondLst>
+                                  <p:childTnLst>
+                                    <p:set>
+                                      <p:cBhvr>
+                                        <p:cTn id="6" dur="1" fill="hold">
+                                          <p:stCondLst>
+                                            <p:cond delay="0"/>
+                                          </p:stCondLst>
+                                        </p:cTn>
+                                        <p:tgtEl>
+                                          <p:spTgt spid="9">
+                                            <p:txEl>
+                                              <p:pRg st="0" end="0"/>
+                                            </p:txEl>
+                                          </p:spTgt>
+                                        </p:tgtEl>
+                                        <p:attrNameLst>
+                                          <p:attrName>style.visibility</p:attrName>
+                                        </p:attrNameLst>
+                                      </p:cBhvr>
+                                      <p:to>
+                                        <p:strVal val="visible"/>
+                                      </p:to>
+                                    </p:set>
+                                    <p:animEffect transition="in" filter="fade">
+                                      <p:cBhvr>
+                                        <p:cTn id="7" dur="500"/>
+                                        <p:tgtEl>
+                                          <p:spTgt spid="9">
+                                            <p:txEl>
+                                              <p:pRg st="0" end="0"/>
+                                            </p:txEl>
+                                          </p:spTgt>
+                                        </p:tgtEl>
+                                      </p:cBhvr>
+                                    </p:animEffect>
+                                  </p:childTnLst>
+                                </p:cTn>
+                              </p:par>
+                            </p:childTnLst>
+                          </p:cTn>
+                        </p:par>
+                        <p:par>
+                          <p:cTn id="8" fill="hold">
+                            <p:stCondLst>
+                              <p:cond delay="500"/>
+                            </p:stCondLst>
+                            <p:childTnLst>
+                              <p:par>
+                                <p:cTn id="9" presetID="10" presetClass="entr" presetSubtype="0" fill="hold" nodeType="afterEffect">
+                                  <p:stCondLst>
+                                    <p:cond delay="0"/>
+                                  </p:stCondLst>
+                                  <p:childTnLst>
+                                    <p:set>
+                                      <p:cBhvr>
+                                        <p:cTn id="10" dur="1" fill="hold">
+                                          <p:stCondLst>
+                                            <p:cond delay="0"/>
+                                          </p:stCondLst>
+                                        </p:cTn>
+                                        <p:tgtEl>
+                                          <p:spTgt spid="9">
+                                            <p:txEl>
+                                              <p:pRg st="2" end="2"/>
+                                            </p:txEl>
+                                          </p:spTgt>
+                                        </p:tgtEl>
+                                        <p:attrNameLst>
+                                          <p:attrName>style.visibility</p:attrName>
+                                        </p:attrNameLst>
+                                      </p:cBhvr>
+                                      <p:to>
+                                        <p:strVal val="visible"/>
+                                      </p:to>
+                                    </p:set>
+                                    <p:animEffect transition="in" filter="fade">
+                                      <p:cBhvr>
+                                        <p:cTn id="11" dur="500"/>
+                                        <p:tgtEl>
+                                          <p:spTgt spid="9">
+                                            <p:txEl>
+                                              <p:pRg st="2" end="2"/>
+                                            </p:txEl>
+                                          </p:spTgt>
+                                        </p:tgtEl>
+                                      </p:cBhvr>
+                                    </p:animEffect>
+                                  </p:childTnLst>
+                                </p:cTn>
+                              </p:par>
+                            </p:childTnLst>
+                          </p:cTn>
+                        </p:par>
+                      </p:childTnLst>
+                    </p:cTn>
+                  </p:par>
+                </p:childTnLst>
+              </p:cTn>
+              <p:prevCondLst>
+                <p:cond evt="onPrev" delay="0">
+                  <p:tgtEl>
+                    <p:sldTgt/>
+                  </p:tgtEl>
+                </p:cond>
+              </p:prevCondLst>
+              <p:nextCondLst>
+                <p:cond evt="onNext" delay="0">
+                  <p:tgtEl>
+                    <p:sldTgt/>
+                  </p:tgtEl>
+                </p:cond>
+              </p:nextCondLst>
+            </p:seq>
+          </p:childTnLst>
+        </p:cTn>
+      </p:par>
+    </p:tnLst>
+  </p:timing>
+</p:sld>
+</file>
+
+<file path=ppt/slides/slide17.xml><?xml version="1.0" encoding="utf-8"?>
+<p:sld xmlns:a="http://schemas.openxmlformats.org/drawingml/2006/main" xmlns:r="http://schemas.openxmlformats.org/officeDocument/2006/relationships" xmlns:p="http://schemas.openxmlformats.org/presentationml/2006/main">
+  <p:cSld>
+    <p:bg>
+      <p:bgPr>
+        <a:blipFill rotWithShape="1">
+          <a:blip r:embed="rId2">
+            <a:duotone>
+              <a:schemeClr val="bg2">
+                <a:shade val="28000"/>
+                <a:satMod val="94000"/>
+                <a:lumMod val="20000"/>
+              </a:schemeClr>
+              <a:schemeClr val="bg2">
+                <a:tint val="94000"/>
+                <a:shade val="84000"/>
+                <a:satMod val="148000"/>
+                <a:lumMod val="114000"/>
+              </a:schemeClr>
+            </a:duotone>
+          </a:blip>
+          <a:stretch/>
+        </a:blipFill>
+        <a:effectLst/>
+      </p:bgPr>
+    </p:bg>
+    <p:spTree>
+      <p:nvGrpSpPr>
+        <p:cNvPr id="1" name=""/>
+        <p:cNvGrpSpPr/>
+        <p:nvPr/>
+      </p:nvGrpSpPr>
+      <p:grpSpPr>
+        <a:xfrm>
+          <a:off x="0" y="0"/>
+          <a:ext cx="0" cy="0"/>
+          <a:chOff x="0" y="0"/>
+          <a:chExt cx="0" cy="0"/>
+        </a:xfrm>
+      </p:grpSpPr>
+      <p:sp>
+        <p:nvSpPr>
+          <p:cNvPr id="59" name="Rectangle 51">
+            <a:extLst>
+              <a:ext uri="{FF2B5EF4-FFF2-40B4-BE49-F238E27FC236}">
+                <a16:creationId xmlns:a16="http://schemas.microsoft.com/office/drawing/2014/main" id="{FB3516BD-64C7-48EF-A342-9F00D167EE78}"/>
+              </a:ext>
+              <a:ext uri="{C183D7F6-B498-43B3-948B-1728B52AA6E4}">
+                <adec:decorative xmlns:adec="http://schemas.microsoft.com/office/drawing/2017/decorative" val="1"/>
+              </a:ext>
+            </a:extLst>
+          </p:cNvPr>
+          <p:cNvSpPr>
+            <a:spLocks noGrp="1" noRot="1" noChangeAspect="1" noMove="1" noResize="1" noEditPoints="1" noAdjustHandles="1" noChangeArrowheads="1" noChangeShapeType="1" noTextEdit="1"/>
+          </p:cNvSpPr>
+          <p:nvPr>
+            <p:extLst>
+              <p:ext uri="{386F3935-93C4-4BCD-93E2-E3B085C9AB24}">
+                <p16:designElem xmlns:p16="http://schemas.microsoft.com/office/powerpoint/2015/main" val="1"/>
+              </p:ext>
+            </p:extLst>
+          </p:nvPr>
+        </p:nvSpPr>
+        <p:spPr>
+          <a:xfrm>
+            <a:off x="643467" y="643467"/>
+            <a:ext cx="10905066" cy="5571066"/>
+          </a:xfrm>
+          <a:prstGeom prst="rect">
+            <a:avLst/>
+          </a:prstGeom>
+          <a:solidFill>
+            <a:srgbClr val="FFFFFF"/>
+          </a:solidFill>
+          <a:ln>
+            <a:noFill/>
+          </a:ln>
+          <a:effectLst>
+            <a:outerShdw blurRad="165100" dist="38100" dir="5400000" sx="102000" sy="102000" algn="t" rotWithShape="0">
+              <a:prstClr val="black">
+                <a:alpha val="40000"/>
+              </a:prstClr>
+            </a:outerShdw>
+          </a:effectLst>
+        </p:spPr>
+        <p:style>
+          <a:lnRef idx="2">
+            <a:schemeClr val="accent1">
+              <a:shade val="50000"/>
+            </a:schemeClr>
+          </a:lnRef>
+          <a:fillRef idx="1">
+            <a:schemeClr val="accent1"/>
+          </a:fillRef>
+          <a:effectRef idx="0">
+            <a:schemeClr val="accent1"/>
+          </a:effectRef>
+          <a:fontRef idx="minor">
+            <a:schemeClr val="lt1"/>
+          </a:fontRef>
+        </p:style>
+        <p:txBody>
+          <a:bodyPr rtlCol="0" anchor="ctr"/>
+          <a:lstStyle/>
+          <a:p>
+            <a:pPr algn="ctr"/>
+            <a:endParaRPr lang="en-US"/>
+          </a:p>
+        </p:txBody>
+      </p:sp>
+      <p:sp>
+        <p:nvSpPr>
+          <p:cNvPr id="4" name="TextBox 3">
+            <a:extLst>
+              <a:ext uri="{FF2B5EF4-FFF2-40B4-BE49-F238E27FC236}">
+                <a16:creationId xmlns:a16="http://schemas.microsoft.com/office/drawing/2014/main" id="{5E331C3F-D6B4-4A35-9538-1EAE4F316B32}"/>
+              </a:ext>
+            </a:extLst>
+          </p:cNvPr>
+          <p:cNvSpPr txBox="1"/>
+          <p:nvPr/>
+        </p:nvSpPr>
+        <p:spPr>
+          <a:xfrm>
+            <a:off x="3747709" y="1108610"/>
+            <a:ext cx="7264420" cy="923330"/>
+          </a:xfrm>
+          <a:prstGeom prst="rect">
+            <a:avLst/>
+          </a:prstGeom>
+          <a:noFill/>
+        </p:spPr>
+        <p:txBody>
+          <a:bodyPr wrap="square" rtlCol="0">
+            <a:spAutoFit/>
+          </a:bodyPr>
+          <a:lstStyle/>
+          <a:p>
+            <a:r>
+              <a:rPr lang="en-GB" sz="5400" dirty="0">
+                <a:solidFill>
+                  <a:schemeClr val="bg1"/>
+                </a:solidFill>
+              </a:rPr>
+              <a:t>Customer Support (3)</a:t>
+            </a:r>
+          </a:p>
+        </p:txBody>
+      </p:sp>
+      <p:sp>
+        <p:nvSpPr>
+          <p:cNvPr id="7" name="TextBox 6">
+            <a:extLst>
+              <a:ext uri="{FF2B5EF4-FFF2-40B4-BE49-F238E27FC236}">
+                <a16:creationId xmlns:a16="http://schemas.microsoft.com/office/drawing/2014/main" id="{6FCF6712-AA4D-40A1-8787-5D0993D9AD13}"/>
+              </a:ext>
+            </a:extLst>
+          </p:cNvPr>
+          <p:cNvSpPr txBox="1"/>
+          <p:nvPr/>
+        </p:nvSpPr>
+        <p:spPr>
+          <a:xfrm>
+            <a:off x="4315393" y="2384299"/>
+            <a:ext cx="6486054" cy="3477875"/>
+          </a:xfrm>
+          <a:prstGeom prst="rect">
+            <a:avLst/>
+          </a:prstGeom>
+          <a:ln w="38100"/>
+        </p:spPr>
+        <p:style>
+          <a:lnRef idx="2">
+            <a:schemeClr val="dk1"/>
+          </a:lnRef>
+          <a:fillRef idx="1">
+            <a:schemeClr val="lt1"/>
+          </a:fillRef>
+          <a:effectRef idx="0">
+            <a:schemeClr val="dk1"/>
+          </a:effectRef>
+          <a:fontRef idx="minor">
+            <a:schemeClr val="dk1"/>
+          </a:fontRef>
+        </p:style>
+        <p:txBody>
+          <a:bodyPr wrap="square" rtlCol="0">
+            <a:spAutoFit/>
+          </a:bodyPr>
+          <a:lstStyle/>
+          <a:p>
+            <a:r>
+              <a:rPr lang="en-GB" sz="2000" dirty="0"/>
+              <a:t>If the customer support service is no longer required the user can simply return to the Home screen by double tapping the Customer Support screen</a:t>
+            </a:r>
+          </a:p>
+          <a:p>
+            <a:endParaRPr lang="en-GB" sz="2000" dirty="0"/>
+          </a:p>
+          <a:p>
+            <a:r>
+              <a:rPr lang="en-GB" sz="2000" dirty="0"/>
+              <a:t>This capability is implemented at every screen to allow easy reset</a:t>
+            </a:r>
+          </a:p>
+          <a:p>
+            <a:endParaRPr lang="en-GB" sz="2000" dirty="0"/>
+          </a:p>
+          <a:p>
+            <a:r>
+              <a:rPr lang="en-GB" sz="2000" dirty="0"/>
+              <a:t>Again confirmation will be required before completing this action and every text will be converted into speech </a:t>
+            </a:r>
+          </a:p>
+        </p:txBody>
+      </p:sp>
+      <p:pic>
+        <p:nvPicPr>
+          <p:cNvPr id="5" name="Picture 4" descr="A close up of electronics&#10;&#10;Description automatically generated">
+            <a:extLst>
+              <a:ext uri="{FF2B5EF4-FFF2-40B4-BE49-F238E27FC236}">
+                <a16:creationId xmlns:a16="http://schemas.microsoft.com/office/drawing/2014/main" id="{78FA4749-FB9F-4B3C-97DC-05E2F480FBF7}"/>
+              </a:ext>
+            </a:extLst>
+          </p:cNvPr>
+          <p:cNvPicPr>
+            <a:picLocks noChangeAspect="1"/>
+          </p:cNvPicPr>
+          <p:nvPr/>
+        </p:nvPicPr>
+        <p:blipFill>
+          <a:blip r:embed="rId3">
+            <a:extLst>
+              <a:ext uri="{28A0092B-C50C-407E-A947-70E740481C1C}">
+                <a14:useLocalDpi xmlns:a14="http://schemas.microsoft.com/office/drawing/2010/main" val="0"/>
+              </a:ext>
+            </a:extLst>
+          </a:blip>
+          <a:stretch>
+            <a:fillRect/>
+          </a:stretch>
+        </p:blipFill>
+        <p:spPr>
+          <a:xfrm>
+            <a:off x="822868" y="735661"/>
+            <a:ext cx="2745439" cy="5389836"/>
+          </a:xfrm>
+          <a:prstGeom prst="rect">
+            <a:avLst/>
+          </a:prstGeom>
+        </p:spPr>
+      </p:pic>
+    </p:spTree>
+    <p:extLst>
+      <p:ext uri="{BB962C8B-B14F-4D97-AF65-F5344CB8AC3E}">
+        <p14:creationId xmlns:p14="http://schemas.microsoft.com/office/powerpoint/2010/main" val="3461346679"/>
+      </p:ext>
+    </p:extLst>
+  </p:cSld>
+  <p:clrMapOvr>
+    <a:masterClrMapping/>
+  </p:clrMapOvr>
+  <mc:AlternateContent xmlns:mc="http://schemas.openxmlformats.org/markup-compatibility/2006">
+    <mc:Choice xmlns:p14="http://schemas.microsoft.com/office/powerpoint/2010/main" Requires="p14">
+      <p:transition spd="slow" p14:dur="1250">
+        <p14:doors dir="vert"/>
+      </p:transition>
+    </mc:Choice>
+    <mc:Fallback>
+      <p:transition spd="slow">
+        <p:fade/>
+      </p:transition>
+    </mc:Fallback>
+  </mc:AlternateContent>
+  <p:timing>
+    <p:tnLst>
+      <p:par>
+        <p:cTn id="1" dur="indefinite" restart="never" nodeType="tmRoot">
+          <p:childTnLst>
+            <p:seq concurrent="1" nextAc="seek">
+              <p:cTn id="2" dur="indefinite" nodeType="mainSeq">
+                <p:childTnLst>
+                  <p:par>
+                    <p:cTn id="3" fill="hold">
+                      <p:stCondLst>
+                        <p:cond delay="indefinite"/>
+                        <p:cond evt="onBegin" delay="0">
+                          <p:tn val="2"/>
+                        </p:cond>
+                      </p:stCondLst>
+                      <p:childTnLst>
+                        <p:par>
+                          <p:cTn id="4" fill="hold">
+                            <p:stCondLst>
+                              <p:cond delay="0"/>
+                            </p:stCondLst>
+                            <p:childTnLst>
+                              <p:par>
+                                <p:cTn id="5" presetID="10" presetClass="entr" presetSubtype="0" fill="hold" nodeType="afterEffect">
+                                  <p:stCondLst>
+                                    <p:cond delay="0"/>
+                                  </p:stCondLst>
+                                  <p:childTnLst>
+                                    <p:set>
+                                      <p:cBhvr>
+                                        <p:cTn id="6" dur="1" fill="hold">
+                                          <p:stCondLst>
+                                            <p:cond delay="0"/>
+                                          </p:stCondLst>
+                                        </p:cTn>
+                                        <p:tgtEl>
+                                          <p:spTgt spid="7">
+                                            <p:txEl>
+                                              <p:pRg st="0" end="0"/>
+                                            </p:txEl>
+                                          </p:spTgt>
+                                        </p:tgtEl>
+                                        <p:attrNameLst>
+                                          <p:attrName>style.visibility</p:attrName>
+                                        </p:attrNameLst>
+                                      </p:cBhvr>
+                                      <p:to>
+                                        <p:strVal val="visible"/>
+                                      </p:to>
+                                    </p:set>
+                                    <p:animEffect transition="in" filter="fade">
+                                      <p:cBhvr>
+                                        <p:cTn id="7" dur="500"/>
+                                        <p:tgtEl>
+                                          <p:spTgt spid="7">
+                                            <p:txEl>
+                                              <p:pRg st="0" end="0"/>
+                                            </p:txEl>
+                                          </p:spTgt>
+                                        </p:tgtEl>
+                                      </p:cBhvr>
+                                    </p:animEffect>
+                                  </p:childTnLst>
+                                </p:cTn>
+                              </p:par>
+                            </p:childTnLst>
+                          </p:cTn>
+                        </p:par>
+                        <p:par>
+                          <p:cTn id="8" fill="hold">
+                            <p:stCondLst>
+                              <p:cond delay="500"/>
+                            </p:stCondLst>
+                            <p:childTnLst>
+                              <p:par>
+                                <p:cTn id="9" presetID="10" presetClass="entr" presetSubtype="0" fill="hold" nodeType="afterEffect">
+                                  <p:stCondLst>
+                                    <p:cond delay="0"/>
+                                  </p:stCondLst>
+                                  <p:childTnLst>
+                                    <p:set>
+                                      <p:cBhvr>
+                                        <p:cTn id="10" dur="1" fill="hold">
+                                          <p:stCondLst>
+                                            <p:cond delay="0"/>
+                                          </p:stCondLst>
+                                        </p:cTn>
+                                        <p:tgtEl>
+                                          <p:spTgt spid="7">
+                                            <p:txEl>
+                                              <p:pRg st="2" end="2"/>
+                                            </p:txEl>
+                                          </p:spTgt>
+                                        </p:tgtEl>
+                                        <p:attrNameLst>
+                                          <p:attrName>style.visibility</p:attrName>
+                                        </p:attrNameLst>
+                                      </p:cBhvr>
+                                      <p:to>
+                                        <p:strVal val="visible"/>
+                                      </p:to>
+                                    </p:set>
+                                    <p:animEffect transition="in" filter="fade">
+                                      <p:cBhvr>
+                                        <p:cTn id="11" dur="500"/>
+                                        <p:tgtEl>
+                                          <p:spTgt spid="7">
+                                            <p:txEl>
+                                              <p:pRg st="2" end="2"/>
+                                            </p:txEl>
+                                          </p:spTgt>
+                                        </p:tgtEl>
+                                      </p:cBhvr>
+                                    </p:animEffect>
+                                  </p:childTnLst>
+                                </p:cTn>
+                              </p:par>
+                            </p:childTnLst>
+                          </p:cTn>
+                        </p:par>
+                        <p:par>
+                          <p:cTn id="12" fill="hold">
+                            <p:stCondLst>
+                              <p:cond delay="1000"/>
+                            </p:stCondLst>
+                            <p:childTnLst>
+                              <p:par>
+                                <p:cTn id="13" presetID="10" presetClass="entr" presetSubtype="0" fill="hold" nodeType="afterEffect">
+                                  <p:stCondLst>
+                                    <p:cond delay="0"/>
+                                  </p:stCondLst>
+                                  <p:childTnLst>
+                                    <p:set>
+                                      <p:cBhvr>
+                                        <p:cTn id="14" dur="1" fill="hold">
+                                          <p:stCondLst>
+                                            <p:cond delay="0"/>
+                                          </p:stCondLst>
+                                        </p:cTn>
+                                        <p:tgtEl>
+                                          <p:spTgt spid="7">
+                                            <p:txEl>
+                                              <p:pRg st="4" end="4"/>
+                                            </p:txEl>
+                                          </p:spTgt>
+                                        </p:tgtEl>
+                                        <p:attrNameLst>
+                                          <p:attrName>style.visibility</p:attrName>
+                                        </p:attrNameLst>
+                                      </p:cBhvr>
+                                      <p:to>
+                                        <p:strVal val="visible"/>
+                                      </p:to>
+                                    </p:set>
+                                    <p:animEffect transition="in" filter="fade">
+                                      <p:cBhvr>
+                                        <p:cTn id="15" dur="500"/>
+                                        <p:tgtEl>
+                                          <p:spTgt spid="7">
+                                            <p:txEl>
+                                              <p:pRg st="4" end="4"/>
+                                            </p:txEl>
+                                          </p:spTgt>
+                                        </p:tgtEl>
+                                      </p:cBhvr>
+                                    </p:animEffect>
+                                  </p:childTnLst>
+                                </p:cTn>
+                              </p:par>
+                            </p:childTnLst>
+                          </p:cTn>
+                        </p:par>
+                      </p:childTnLst>
+                    </p:cTn>
+                  </p:par>
+                </p:childTnLst>
+              </p:cTn>
+              <p:prevCondLst>
+                <p:cond evt="onPrev" delay="0">
+                  <p:tgtEl>
+                    <p:sldTgt/>
+                  </p:tgtEl>
+                </p:cond>
+              </p:prevCondLst>
+              <p:nextCondLst>
+                <p:cond evt="onNext" delay="0">
+                  <p:tgtEl>
+                    <p:sldTgt/>
+                  </p:tgtEl>
+                </p:cond>
+              </p:nextCondLst>
+            </p:seq>
+          </p:childTnLst>
+        </p:cTn>
+      </p:par>
+    </p:tnLst>
+  </p:timing>
+</p:sld>
+</file>
+
+<file path=ppt/slides/slide18.xml><?xml version="1.0" encoding="utf-8"?>
+<p:sld xmlns:a="http://schemas.openxmlformats.org/drawingml/2006/main" xmlns:r="http://schemas.openxmlformats.org/officeDocument/2006/relationships" xmlns:p="http://schemas.openxmlformats.org/presentationml/2006/main">
+  <p:cSld>
+    <p:spTree>
+      <p:nvGrpSpPr>
+        <p:cNvPr id="1" name=""/>
+        <p:cNvGrpSpPr/>
+        <p:nvPr/>
+      </p:nvGrpSpPr>
+      <p:grpSpPr>
+        <a:xfrm>
+          <a:off x="0" y="0"/>
+          <a:ext cx="0" cy="0"/>
+          <a:chOff x="0" y="0"/>
+          <a:chExt cx="0" cy="0"/>
+        </a:xfrm>
+      </p:grpSpPr>
+      <p:sp>
+        <p:nvSpPr>
+          <p:cNvPr id="2" name="Title 1">
+            <a:extLst>
+              <a:ext uri="{FF2B5EF4-FFF2-40B4-BE49-F238E27FC236}">
+                <a16:creationId xmlns:a16="http://schemas.microsoft.com/office/drawing/2014/main" id="{DAD0D54D-BAC2-4F40-8284-4BF34C489C90}"/>
+              </a:ext>
+            </a:extLst>
+          </p:cNvPr>
+          <p:cNvSpPr>
+            <a:spLocks noGrp="1"/>
+          </p:cNvSpPr>
+          <p:nvPr>
+            <p:ph type="title"/>
+          </p:nvPr>
+        </p:nvSpPr>
+        <p:spPr>
+          <a:xfrm>
+            <a:off x="1141413" y="609600"/>
+            <a:ext cx="9905998" cy="1200539"/>
+          </a:xfrm>
+        </p:spPr>
+        <p:txBody>
+          <a:bodyPr>
+            <a:normAutofit/>
+          </a:bodyPr>
+          <a:lstStyle/>
+          <a:p>
+            <a:r>
+              <a:rPr lang="en-GB" sz="5400" b="1" dirty="0"/>
+              <a:t>Future development</a:t>
+            </a:r>
+          </a:p>
+        </p:txBody>
+      </p:sp>
+      <p:sp>
+        <p:nvSpPr>
+          <p:cNvPr id="3" name="Content Placeholder 2">
+            <a:extLst>
+              <a:ext uri="{FF2B5EF4-FFF2-40B4-BE49-F238E27FC236}">
+                <a16:creationId xmlns:a16="http://schemas.microsoft.com/office/drawing/2014/main" id="{454B2202-2F04-4478-98F3-9116C8B7300B}"/>
+              </a:ext>
+            </a:extLst>
+          </p:cNvPr>
+          <p:cNvSpPr>
+            <a:spLocks noGrp="1"/>
+          </p:cNvSpPr>
+          <p:nvPr>
+            <p:ph idx="1"/>
+          </p:nvPr>
+        </p:nvSpPr>
+        <p:spPr>
+          <a:xfrm>
+            <a:off x="1141413" y="1899532"/>
+            <a:ext cx="9905998" cy="4348868"/>
+          </a:xfrm>
+        </p:spPr>
+        <p:txBody>
+          <a:bodyPr>
+            <a:normAutofit fontScale="92500"/>
+          </a:bodyPr>
+          <a:lstStyle/>
+          <a:p>
+            <a:pPr marL="0" indent="0">
+              <a:buNone/>
+            </a:pPr>
+            <a:r>
+              <a:rPr lang="en-GB" sz="3200" dirty="0"/>
+              <a:t>Our application is a demonstration of how mobile banking operations can become simpler and easier, and there is so much more that can be done…this includes: </a:t>
+            </a:r>
+          </a:p>
+          <a:p>
+            <a:pPr marL="982663" lvl="1" indent="-525463">
+              <a:buFont typeface="Wingdings" panose="05000000000000000000" pitchFamily="2" charset="2"/>
+              <a:buChar char="q"/>
+            </a:pPr>
+            <a:r>
+              <a:rPr lang="en-GB" sz="3000" dirty="0"/>
+              <a:t>Developing a complete Audio-based navigation system</a:t>
+            </a:r>
+          </a:p>
+          <a:p>
+            <a:pPr marL="982663" lvl="1" indent="-525463">
+              <a:buFont typeface="Wingdings" panose="05000000000000000000" pitchFamily="2" charset="2"/>
+              <a:buChar char="q"/>
+            </a:pPr>
+            <a:r>
+              <a:rPr lang="en-GB" sz="3000" dirty="0"/>
+              <a:t>Simplifying the login process, e.g. using biometrics</a:t>
+            </a:r>
+          </a:p>
+          <a:p>
+            <a:pPr marL="982663" lvl="1" indent="-525463">
+              <a:buFont typeface="Wingdings" panose="05000000000000000000" pitchFamily="2" charset="2"/>
+              <a:buChar char="q"/>
+            </a:pPr>
+            <a:r>
+              <a:rPr lang="en-GB" sz="3000" dirty="0"/>
+              <a:t>Implementing additional gestures for greater flexibility</a:t>
+            </a:r>
+          </a:p>
+          <a:p>
+            <a:pPr marL="982663" lvl="1" indent="-525463">
+              <a:buFont typeface="Wingdings" panose="05000000000000000000" pitchFamily="2" charset="2"/>
+              <a:buChar char="q"/>
+            </a:pPr>
+            <a:r>
+              <a:rPr lang="en-GB" sz="3000" dirty="0"/>
+              <a:t>An AI Chatbot to assist any queries automatically</a:t>
+            </a:r>
+          </a:p>
+        </p:txBody>
+      </p:sp>
+    </p:spTree>
+    <p:extLst>
+      <p:ext uri="{BB962C8B-B14F-4D97-AF65-F5344CB8AC3E}">
+        <p14:creationId xmlns:p14="http://schemas.microsoft.com/office/powerpoint/2010/main" val="3693847464"/>
+      </p:ext>
+    </p:extLst>
+  </p:cSld>
+  <p:clrMapOvr>
+    <a:masterClrMapping/>
+  </p:clrMapOvr>
+  <mc:AlternateContent xmlns:mc="http://schemas.openxmlformats.org/markup-compatibility/2006">
+    <mc:Choice xmlns:p14="http://schemas.microsoft.com/office/powerpoint/2010/main" Requires="p14">
+      <p:transition spd="slow" p14:dur="1250">
+        <p14:doors dir="vert"/>
+      </p:transition>
+    </mc:Choice>
+    <mc:Fallback>
+      <p:transition spd="slow">
+        <p:fade/>
+      </p:transition>
+    </mc:Fallback>
+  </mc:AlternateContent>
+  <p:timing>
+    <p:tnLst>
+      <p:par>
+        <p:cTn id="1" dur="indefinite" restart="never" nodeType="tmRoot">
+          <p:childTnLst>
+            <p:seq concurrent="1" nextAc="seek">
+              <p:cTn id="2" dur="indefinite" nodeType="mainSeq">
+                <p:childTnLst>
+                  <p:par>
+                    <p:cTn id="3" fill="hold">
+                      <p:stCondLst>
+                        <p:cond delay="indefinite"/>
+                        <p:cond evt="onBegin" delay="0">
+                          <p:tn val="2"/>
+                        </p:cond>
+                      </p:stCondLst>
+                      <p:childTnLst>
+                        <p:par>
+                          <p:cTn id="4" fill="hold">
+                            <p:stCondLst>
+                              <p:cond delay="0"/>
+                            </p:stCondLst>
+                            <p:childTnLst>
+                              <p:par>
+                                <p:cTn id="5" presetID="10" presetClass="entr" presetSubtype="0" fill="hold" nodeType="afterEffect">
+                                  <p:stCondLst>
+                                    <p:cond delay="0"/>
+                                  </p:stCondLst>
+                                  <p:childTnLst>
+                                    <p:set>
+                                      <p:cBhvr>
+                                        <p:cTn id="6" dur="1" fill="hold">
+                                          <p:stCondLst>
+                                            <p:cond delay="0"/>
+                                          </p:stCondLst>
+                                        </p:cTn>
+                                        <p:tgtEl>
+                                          <p:spTgt spid="3">
+                                            <p:txEl>
+                                              <p:pRg st="0" end="0"/>
+                                            </p:txEl>
+                                          </p:spTgt>
+                                        </p:tgtEl>
+                                        <p:attrNameLst>
+                                          <p:attrName>style.visibility</p:attrName>
+                                        </p:attrNameLst>
+                                      </p:cBhvr>
+                                      <p:to>
+                                        <p:strVal val="visible"/>
+                                      </p:to>
+                                    </p:set>
+                                    <p:animEffect transition="in" filter="fade">
+                                      <p:cBhvr>
+                                        <p:cTn id="7" dur="500"/>
+                                        <p:tgtEl>
+                                          <p:spTgt spid="3">
+                                            <p:txEl>
+                                              <p:pRg st="0" end="0"/>
+                                            </p:txEl>
+                                          </p:spTgt>
+                                        </p:tgtEl>
+                                      </p:cBhvr>
+                                    </p:animEffect>
+                                  </p:childTnLst>
+                                </p:cTn>
+                              </p:par>
+                            </p:childTnLst>
+                          </p:cTn>
+                        </p:par>
+                        <p:par>
+                          <p:cTn id="8" fill="hold">
+                            <p:stCondLst>
+                              <p:cond delay="500"/>
+                            </p:stCondLst>
+                            <p:childTnLst>
+                              <p:par>
+                                <p:cTn id="9" presetID="10" presetClass="entr" presetSubtype="0" fill="hold" nodeType="afterEffect">
+                                  <p:stCondLst>
+                                    <p:cond delay="0"/>
+                                  </p:stCondLst>
+                                  <p:childTnLst>
+                                    <p:set>
+                                      <p:cBhvr>
+                                        <p:cTn id="10" dur="1" fill="hold">
+                                          <p:stCondLst>
+                                            <p:cond delay="0"/>
+                                          </p:stCondLst>
+                                        </p:cTn>
+                                        <p:tgtEl>
+                                          <p:spTgt spid="3">
+                                            <p:txEl>
+                                              <p:pRg st="1" end="1"/>
+                                            </p:txEl>
+                                          </p:spTgt>
+                                        </p:tgtEl>
+                                        <p:attrNameLst>
+                                          <p:attrName>style.visibility</p:attrName>
+                                        </p:attrNameLst>
+                                      </p:cBhvr>
+                                      <p:to>
+                                        <p:strVal val="visible"/>
+                                      </p:to>
+                                    </p:set>
+                                    <p:animEffect transition="in" filter="fade">
+                                      <p:cBhvr>
+                                        <p:cTn id="11" dur="500"/>
+                                        <p:tgtEl>
+                                          <p:spTgt spid="3">
+                                            <p:txEl>
+                                              <p:pRg st="1" end="1"/>
+                                            </p:txEl>
+                                          </p:spTgt>
+                                        </p:tgtEl>
+                                      </p:cBhvr>
+                                    </p:animEffect>
+                                  </p:childTnLst>
+                                </p:cTn>
+                              </p:par>
+                            </p:childTnLst>
+                          </p:cTn>
+                        </p:par>
+                        <p:par>
+                          <p:cTn id="12" fill="hold">
+                            <p:stCondLst>
+                              <p:cond delay="1000"/>
+                            </p:stCondLst>
+                            <p:childTnLst>
+                              <p:par>
+                                <p:cTn id="13" presetID="10" presetClass="entr" presetSubtype="0" fill="hold" nodeType="afterEffect">
+                                  <p:stCondLst>
+                                    <p:cond delay="0"/>
+                                  </p:stCondLst>
+                                  <p:childTnLst>
+                                    <p:set>
+                                      <p:cBhvr>
+                                        <p:cTn id="14" dur="1" fill="hold">
+                                          <p:stCondLst>
+                                            <p:cond delay="0"/>
+                                          </p:stCondLst>
+                                        </p:cTn>
+                                        <p:tgtEl>
+                                          <p:spTgt spid="3">
+                                            <p:txEl>
+                                              <p:pRg st="2" end="2"/>
+                                            </p:txEl>
+                                          </p:spTgt>
+                                        </p:tgtEl>
+                                        <p:attrNameLst>
+                                          <p:attrName>style.visibility</p:attrName>
+                                        </p:attrNameLst>
+                                      </p:cBhvr>
+                                      <p:to>
+                                        <p:strVal val="visible"/>
+                                      </p:to>
+                                    </p:set>
+                                    <p:animEffect transition="in" filter="fade">
+                                      <p:cBhvr>
+                                        <p:cTn id="15" dur="500"/>
+                                        <p:tgtEl>
+                                          <p:spTgt spid="3">
+                                            <p:txEl>
+                                              <p:pRg st="2" end="2"/>
+                                            </p:txEl>
+                                          </p:spTgt>
+                                        </p:tgtEl>
+                                      </p:cBhvr>
+                                    </p:animEffect>
+                                  </p:childTnLst>
+                                </p:cTn>
+                              </p:par>
+                            </p:childTnLst>
+                          </p:cTn>
+                        </p:par>
+                        <p:par>
+                          <p:cTn id="16" fill="hold">
+                            <p:stCondLst>
+                              <p:cond delay="1500"/>
+                            </p:stCondLst>
+                            <p:childTnLst>
+                              <p:par>
+                                <p:cTn id="17" presetID="10" presetClass="entr" presetSubtype="0" fill="hold" nodeType="afterEffect">
+                                  <p:stCondLst>
+                                    <p:cond delay="0"/>
+                                  </p:stCondLst>
+                                  <p:childTnLst>
+                                    <p:set>
+                                      <p:cBhvr>
+                                        <p:cTn id="18" dur="1" fill="hold">
+                                          <p:stCondLst>
+                                            <p:cond delay="0"/>
+                                          </p:stCondLst>
+                                        </p:cTn>
+                                        <p:tgtEl>
+                                          <p:spTgt spid="3">
+                                            <p:txEl>
+                                              <p:pRg st="3" end="3"/>
+                                            </p:txEl>
+                                          </p:spTgt>
+                                        </p:tgtEl>
+                                        <p:attrNameLst>
+                                          <p:attrName>style.visibility</p:attrName>
+                                        </p:attrNameLst>
+                                      </p:cBhvr>
+                                      <p:to>
+                                        <p:strVal val="visible"/>
+                                      </p:to>
+                                    </p:set>
+                                    <p:animEffect transition="in" filter="fade">
+                                      <p:cBhvr>
+                                        <p:cTn id="19" dur="500"/>
+                                        <p:tgtEl>
+                                          <p:spTgt spid="3">
+                                            <p:txEl>
+                                              <p:pRg st="3" end="3"/>
+                                            </p:txEl>
+                                          </p:spTgt>
+                                        </p:tgtEl>
+                                      </p:cBhvr>
+                                    </p:animEffect>
+                                  </p:childTnLst>
+                                </p:cTn>
+                              </p:par>
+                            </p:childTnLst>
+                          </p:cTn>
+                        </p:par>
+                        <p:par>
+                          <p:cTn id="20" fill="hold">
+                            <p:stCondLst>
+                              <p:cond delay="2000"/>
+                            </p:stCondLst>
+                            <p:childTnLst>
+                              <p:par>
+                                <p:cTn id="21" presetID="10" presetClass="entr" presetSubtype="0" fill="hold" nodeType="afterEffect">
+                                  <p:stCondLst>
+                                    <p:cond delay="0"/>
+                                  </p:stCondLst>
+                                  <p:childTnLst>
+                                    <p:set>
+                                      <p:cBhvr>
+                                        <p:cTn id="22" dur="1" fill="hold">
+                                          <p:stCondLst>
+                                            <p:cond delay="0"/>
+                                          </p:stCondLst>
+                                        </p:cTn>
+                                        <p:tgtEl>
+                                          <p:spTgt spid="3">
+                                            <p:txEl>
+                                              <p:pRg st="4" end="4"/>
+                                            </p:txEl>
+                                          </p:spTgt>
+                                        </p:tgtEl>
+                                        <p:attrNameLst>
+                                          <p:attrName>style.visibility</p:attrName>
+                                        </p:attrNameLst>
+                                      </p:cBhvr>
+                                      <p:to>
+                                        <p:strVal val="visible"/>
+                                      </p:to>
+                                    </p:set>
+                                    <p:animEffect transition="in" filter="fade">
+                                      <p:cBhvr>
+                                        <p:cTn id="23" dur="500"/>
+                                        <p:tgtEl>
+                                          <p:spTgt spid="3">
+                                            <p:txEl>
+                                              <p:pRg st="4" end="4"/>
+                                            </p:txEl>
+                                          </p:spTgt>
+                                        </p:tgtEl>
+                                      </p:cBhvr>
+                                    </p:animEffect>
+                                  </p:childTnLst>
+                                </p:cTn>
+                              </p:par>
+                            </p:childTnLst>
+                          </p:cTn>
+                        </p:par>
+                      </p:childTnLst>
+                    </p:cTn>
+                  </p:par>
+                </p:childTnLst>
+              </p:cTn>
+              <p:prevCondLst>
+                <p:cond evt="onPrev" delay="0">
+                  <p:tgtEl>
+                    <p:sldTgt/>
+                  </p:tgtEl>
+                </p:cond>
+              </p:prevCondLst>
+              <p:nextCondLst>
+                <p:cond evt="onNext" delay="0">
+                  <p:tgtEl>
+                    <p:sldTgt/>
+                  </p:tgtEl>
+                </p:cond>
+              </p:nextCondLst>
+            </p:seq>
+          </p:childTnLst>
+        </p:cTn>
+      </p:par>
+    </p:tnLst>
+  </p:timing>
+</p:sld>
+</file>
+
+<file path=ppt/slides/slide19.xml><?xml version="1.0" encoding="utf-8"?>
+<p:sld xmlns:a="http://schemas.openxmlformats.org/drawingml/2006/main" xmlns:r="http://schemas.openxmlformats.org/officeDocument/2006/relationships" xmlns:p="http://schemas.openxmlformats.org/presentationml/2006/main">
+  <p:cSld>
+    <p:spTree>
+      <p:nvGrpSpPr>
+        <p:cNvPr id="1" name=""/>
+        <p:cNvGrpSpPr/>
+        <p:nvPr/>
+      </p:nvGrpSpPr>
+      <p:grpSpPr>
+        <a:xfrm>
+          <a:off x="0" y="0"/>
+          <a:ext cx="0" cy="0"/>
+          <a:chOff x="0" y="0"/>
+          <a:chExt cx="0" cy="0"/>
+        </a:xfrm>
+      </p:grpSpPr>
+      <p:pic>
+        <p:nvPicPr>
+          <p:cNvPr id="4" name="Picture 3">
+            <a:extLst>
+              <a:ext uri="{FF2B5EF4-FFF2-40B4-BE49-F238E27FC236}">
+                <a16:creationId xmlns:a16="http://schemas.microsoft.com/office/drawing/2014/main" id="{3840AD01-7B83-4320-B9E0-EDEDB1A39771}"/>
+              </a:ext>
+            </a:extLst>
+          </p:cNvPr>
+          <p:cNvPicPr>
+            <a:picLocks noChangeAspect="1"/>
+          </p:cNvPicPr>
+          <p:nvPr/>
+        </p:nvPicPr>
+        <p:blipFill>
+          <a:blip r:embed="rId2">
+            <a:extLst>
+              <a:ext uri="{28A0092B-C50C-407E-A947-70E740481C1C}">
+                <a14:useLocalDpi xmlns:a14="http://schemas.microsoft.com/office/drawing/2010/main" val="0"/>
+              </a:ext>
+            </a:extLst>
+          </a:blip>
+          <a:stretch>
+            <a:fillRect/>
+          </a:stretch>
+        </p:blipFill>
+        <p:spPr>
+          <a:xfrm>
+            <a:off x="3189514" y="620485"/>
+            <a:ext cx="5812972" cy="5617029"/>
+          </a:xfrm>
+          <a:prstGeom prst="ellipse">
+            <a:avLst/>
+          </a:prstGeom>
+          <a:ln w="63500" cap="rnd">
+            <a:solidFill>
+              <a:srgbClr val="333333"/>
+            </a:solidFill>
+          </a:ln>
+          <a:effectLst>
+            <a:outerShdw blurRad="381000" dist="292100" dir="5400000" sx="-80000" sy="-18000" rotWithShape="0">
+              <a:srgbClr val="000000">
+                <a:alpha val="22000"/>
+              </a:srgbClr>
+            </a:outerShdw>
+          </a:effectLst>
+          <a:scene3d>
+            <a:camera prst="orthographicFront"/>
+            <a:lightRig rig="contrasting" dir="t">
+              <a:rot lat="0" lon="0" rev="3000000"/>
+            </a:lightRig>
+          </a:scene3d>
+          <a:sp3d contourW="7620">
+            <a:bevelT w="95250" h="31750"/>
+            <a:contourClr>
+              <a:srgbClr val="333333"/>
+            </a:contourClr>
+          </a:sp3d>
+        </p:spPr>
+      </p:pic>
+    </p:spTree>
+    <p:extLst>
+      <p:ext uri="{BB962C8B-B14F-4D97-AF65-F5344CB8AC3E}">
+        <p14:creationId xmlns:p14="http://schemas.microsoft.com/office/powerpoint/2010/main" val="3125501723"/>
+      </p:ext>
+    </p:extLst>
+  </p:cSld>
+  <p:clrMapOvr>
+    <a:masterClrMapping/>
+  </p:clrMapOvr>
+  <mc:AlternateContent xmlns:mc="http://schemas.openxmlformats.org/markup-compatibility/2006">
+    <mc:Choice xmlns:p14="http://schemas.microsoft.com/office/powerpoint/2010/main" Requires="p14">
+      <p:transition spd="slow" p14:dur="1250">
+        <p14:doors dir="vert"/>
+      </p:transition>
+    </mc:Choice>
+    <mc:Fallback>
+      <p:transition spd="slow">
+        <p:fade/>
+      </p:transition>
+    </mc:Fallback>
+  </mc:AlternateContent>
 </p:sld>
 </file>
 
@@ -9638,7 +14608,7 @@
             </a:pPr>
             <a:r>
               <a:rPr lang="en-GB" sz="3200" i="1" dirty="0"/>
-              <a:t>Making Banking Seamless For All</a:t>
+              <a:t>Making Banking Simple For All</a:t>
             </a:r>
           </a:p>
           <a:p>
@@ -9665,6 +14635,9 @@
         </p:txBody>
       </p:sp>
     </p:spTree>
+    <p:custDataLst>
+      <p:tags r:id="rId1"/>
+    </p:custDataLst>
     <p:extLst>
       <p:ext uri="{BB962C8B-B14F-4D97-AF65-F5344CB8AC3E}">
         <p14:creationId xmlns:p14="http://schemas.microsoft.com/office/powerpoint/2010/main" val="1740512309"/>
@@ -9674,6 +14647,155 @@
   <p:clrMapOvr>
     <a:masterClrMapping/>
   </p:clrMapOvr>
+  <mc:AlternateContent xmlns:mc="http://schemas.openxmlformats.org/markup-compatibility/2006">
+    <mc:Choice xmlns:p14="http://schemas.microsoft.com/office/powerpoint/2010/main" Requires="p14">
+      <p:transition spd="slow" p14:dur="1250">
+        <p14:doors dir="vert"/>
+      </p:transition>
+    </mc:Choice>
+    <mc:Fallback>
+      <p:transition spd="slow">
+        <p:fade/>
+      </p:transition>
+    </mc:Fallback>
+  </mc:AlternateContent>
+  <p:timing>
+    <p:tnLst>
+      <p:par>
+        <p:cTn id="1" dur="indefinite" restart="never" nodeType="tmRoot">
+          <p:childTnLst>
+            <p:seq concurrent="1" nextAc="seek">
+              <p:cTn id="2" dur="indefinite" nodeType="mainSeq">
+                <p:childTnLst>
+                  <p:par>
+                    <p:cTn id="3" fill="hold">
+                      <p:stCondLst>
+                        <p:cond delay="indefinite"/>
+                        <p:cond evt="onBegin" delay="0">
+                          <p:tn val="2"/>
+                        </p:cond>
+                      </p:stCondLst>
+                      <p:childTnLst>
+                        <p:par>
+                          <p:cTn id="4" fill="hold">
+                            <p:stCondLst>
+                              <p:cond delay="0"/>
+                            </p:stCondLst>
+                            <p:childTnLst>
+                              <p:par>
+                                <p:cTn id="5" presetID="10" presetClass="entr" presetSubtype="0" fill="hold" nodeType="withEffect">
+                                  <p:stCondLst>
+                                    <p:cond delay="0"/>
+                                  </p:stCondLst>
+                                  <p:childTnLst>
+                                    <p:set>
+                                      <p:cBhvr>
+                                        <p:cTn id="6" dur="1" fill="hold">
+                                          <p:stCondLst>
+                                            <p:cond delay="0"/>
+                                          </p:stCondLst>
+                                        </p:cTn>
+                                        <p:tgtEl>
+                                          <p:spTgt spid="3">
+                                            <p:txEl>
+                                              <p:pRg st="0" end="0"/>
+                                            </p:txEl>
+                                          </p:spTgt>
+                                        </p:tgtEl>
+                                        <p:attrNameLst>
+                                          <p:attrName>style.visibility</p:attrName>
+                                        </p:attrNameLst>
+                                      </p:cBhvr>
+                                      <p:to>
+                                        <p:strVal val="visible"/>
+                                      </p:to>
+                                    </p:set>
+                                    <p:animEffect transition="in" filter="fade">
+                                      <p:cBhvr>
+                                        <p:cTn id="7" dur="500"/>
+                                        <p:tgtEl>
+                                          <p:spTgt spid="3">
+                                            <p:txEl>
+                                              <p:pRg st="0" end="0"/>
+                                            </p:txEl>
+                                          </p:spTgt>
+                                        </p:tgtEl>
+                                      </p:cBhvr>
+                                    </p:animEffect>
+                                  </p:childTnLst>
+                                </p:cTn>
+                              </p:par>
+                              <p:par>
+                                <p:cTn id="8" presetID="10" presetClass="entr" presetSubtype="0" fill="hold" nodeType="withEffect">
+                                  <p:stCondLst>
+                                    <p:cond delay="0"/>
+                                  </p:stCondLst>
+                                  <p:childTnLst>
+                                    <p:set>
+                                      <p:cBhvr>
+                                        <p:cTn id="9" dur="1" fill="hold">
+                                          <p:stCondLst>
+                                            <p:cond delay="0"/>
+                                          </p:stCondLst>
+                                        </p:cTn>
+                                        <p:tgtEl>
+                                          <p:spTgt spid="3">
+                                            <p:txEl>
+                                              <p:pRg st="2" end="2"/>
+                                            </p:txEl>
+                                          </p:spTgt>
+                                        </p:tgtEl>
+                                        <p:attrNameLst>
+                                          <p:attrName>style.visibility</p:attrName>
+                                        </p:attrNameLst>
+                                      </p:cBhvr>
+                                      <p:to>
+                                        <p:strVal val="visible"/>
+                                      </p:to>
+                                    </p:set>
+                                    <p:animEffect transition="in" filter="fade">
+                                      <p:cBhvr>
+                                        <p:cTn id="10" dur="500"/>
+                                        <p:tgtEl>
+                                          <p:spTgt spid="3">
+                                            <p:txEl>
+                                              <p:pRg st="2" end="2"/>
+                                            </p:txEl>
+                                          </p:spTgt>
+                                        </p:tgtEl>
+                                      </p:cBhvr>
+                                    </p:animEffect>
+                                  </p:childTnLst>
+                                </p:cTn>
+                              </p:par>
+                            </p:childTnLst>
+                          </p:cTn>
+                        </p:par>
+                      </p:childTnLst>
+                    </p:cTn>
+                  </p:par>
+                </p:childTnLst>
+              </p:cTn>
+              <p:prevCondLst>
+                <p:cond evt="onPrev" delay="0">
+                  <p:tgtEl>
+                    <p:sldTgt/>
+                  </p:tgtEl>
+                </p:cond>
+              </p:prevCondLst>
+              <p:nextCondLst>
+                <p:cond evt="onNext" delay="0">
+                  <p:tgtEl>
+                    <p:sldTgt/>
+                  </p:tgtEl>
+                </p:cond>
+              </p:nextCondLst>
+            </p:seq>
+          </p:childTnLst>
+        </p:cTn>
+      </p:par>
+    </p:tnLst>
+  </p:timing>
 </p:sld>
 </file>
 
@@ -9925,6 +15047,18 @@
   <p:clrMapOvr>
     <a:masterClrMapping/>
   </p:clrMapOvr>
+  <mc:AlternateContent xmlns:mc="http://schemas.openxmlformats.org/markup-compatibility/2006">
+    <mc:Choice xmlns:p14="http://schemas.microsoft.com/office/powerpoint/2010/main" Requires="p14">
+      <p:transition spd="slow" p14:dur="1250">
+        <p14:doors dir="vert"/>
+      </p:transition>
+    </mc:Choice>
+    <mc:Fallback>
+      <p:transition spd="slow">
+        <p:fade/>
+      </p:transition>
+    </mc:Fallback>
+  </mc:AlternateContent>
 </p:sld>
 </file>
 
@@ -10075,8 +15209,8 @@
         </p:nvSpPr>
         <p:spPr>
           <a:xfrm>
-            <a:off x="1141413" y="965199"/>
-            <a:ext cx="6075552" cy="5099699"/>
+            <a:off x="1021448" y="4523186"/>
+            <a:ext cx="6075552" cy="970384"/>
           </a:xfrm>
         </p:spPr>
         <p:txBody>
@@ -10085,44 +15219,6 @@
           </a:bodyPr>
           <a:lstStyle/>
           <a:p>
-            <a:r>
-              <a:rPr lang="en-GB" sz="2400" b="1" dirty="0"/>
-              <a:t>LACK OF CONSIDERATION </a:t>
-            </a:r>
-            <a:r>
-              <a:rPr lang="en-GB" sz="2400" dirty="0"/>
-              <a:t>for Mobile Banking users with disabilities</a:t>
-            </a:r>
-            <a:br>
-              <a:rPr lang="en-GB" sz="2400" dirty="0"/>
-            </a:br>
-            <a:br>
-              <a:rPr lang="en-GB" sz="2400" dirty="0"/>
-            </a:br>
-            <a:br>
-              <a:rPr lang="en-GB" sz="2400" dirty="0"/>
-            </a:br>
-            <a:r>
-              <a:rPr lang="en-GB" sz="2400" dirty="0"/>
-              <a:t>Significant </a:t>
-            </a:r>
-            <a:r>
-              <a:rPr lang="en-GB" sz="2400" b="1" dirty="0"/>
-              <a:t>BUSINESS PROFITS,</a:t>
-            </a:r>
-            <a:r>
-              <a:rPr lang="en-GB" sz="2400" dirty="0"/>
-              <a:t> with a major potential user base</a:t>
-            </a:r>
-            <a:br>
-              <a:rPr lang="en-GB" sz="2400" dirty="0"/>
-            </a:br>
-            <a:br>
-              <a:rPr lang="en-GB" sz="2400" b="1" dirty="0"/>
-            </a:br>
-            <a:br>
-              <a:rPr lang="en-GB" sz="2400" b="1" dirty="0"/>
-            </a:br>
             <a:r>
               <a:rPr lang="en-GB" sz="2400" dirty="0"/>
               <a:t>Improving </a:t>
@@ -10198,8 +15294,8 @@
         </p:nvSpPr>
         <p:spPr>
           <a:xfrm>
-            <a:off x="7791064" y="1040016"/>
-            <a:ext cx="3433659" cy="5099699"/>
+            <a:off x="7826787" y="1663440"/>
+            <a:ext cx="3433659" cy="2155373"/>
           </a:xfrm>
           <a:prstGeom prst="rect">
             <a:avLst/>
@@ -10316,478 +15412,14 @@
               <a:t>20% of the UK population is classed as Disabled, with more than 3.7 million in work</a:t>
             </a:r>
           </a:p>
-          <a:p>
-            <a:pPr algn="ctr"/>
-            <a:endParaRPr lang="en-GB" sz="2000" b="1" dirty="0"/>
-          </a:p>
-          <a:p>
-            <a:pPr algn="ctr"/>
-            <a:endParaRPr lang="en-GB" sz="2000" b="1" dirty="0"/>
-          </a:p>
-          <a:p>
-            <a:pPr algn="ctr"/>
-            <a:r>
-              <a:rPr lang="en-GB" sz="2000" b="1" dirty="0"/>
-              <a:t>350,000</a:t>
-            </a:r>
-            <a:r>
-              <a:rPr lang="en-GB" sz="2000" dirty="0"/>
-              <a:t> people in the UK registered with</a:t>
-            </a:r>
-            <a:r>
-              <a:rPr lang="en-GB" sz="2000" b="1" dirty="0"/>
-              <a:t> visual impairment</a:t>
-            </a:r>
-          </a:p>
-        </p:txBody>
-      </p:sp>
-    </p:spTree>
-    <p:extLst>
-      <p:ext uri="{BB962C8B-B14F-4D97-AF65-F5344CB8AC3E}">
-        <p14:creationId xmlns:p14="http://schemas.microsoft.com/office/powerpoint/2010/main" val="3520606766"/>
-      </p:ext>
-    </p:extLst>
-  </p:cSld>
-  <p:clrMapOvr>
-    <a:masterClrMapping/>
-  </p:clrMapOvr>
-</p:sld>
-</file>
-
-<file path=ppt/slides/slide5.xml><?xml version="1.0" encoding="utf-8"?>
-<p:sld xmlns:a="http://schemas.openxmlformats.org/drawingml/2006/main" xmlns:r="http://schemas.openxmlformats.org/officeDocument/2006/relationships" xmlns:p="http://schemas.openxmlformats.org/presentationml/2006/main">
-  <p:cSld>
-    <p:bg>
-      <p:bgPr>
-        <a:blipFill rotWithShape="1">
-          <a:blip r:embed="rId2">
-            <a:duotone>
-              <a:schemeClr val="bg2">
-                <a:shade val="28000"/>
-                <a:satMod val="94000"/>
-                <a:lumMod val="20000"/>
-              </a:schemeClr>
-              <a:schemeClr val="bg2">
-                <a:tint val="94000"/>
-                <a:shade val="84000"/>
-                <a:satMod val="148000"/>
-                <a:lumMod val="114000"/>
-              </a:schemeClr>
-            </a:duotone>
-          </a:blip>
-          <a:stretch/>
-        </a:blipFill>
-        <a:effectLst/>
-      </p:bgPr>
-    </p:bg>
-    <p:spTree>
-      <p:nvGrpSpPr>
-        <p:cNvPr id="1" name=""/>
-        <p:cNvGrpSpPr/>
-        <p:nvPr/>
-      </p:nvGrpSpPr>
-      <p:grpSpPr>
-        <a:xfrm>
-          <a:off x="0" y="0"/>
-          <a:ext cx="0" cy="0"/>
-          <a:chOff x="0" y="0"/>
-          <a:chExt cx="0" cy="0"/>
-        </a:xfrm>
-      </p:grpSpPr>
-      <p:sp useBgFill="1">
-        <p:nvSpPr>
-          <p:cNvPr id="19" name="Rectangle 14">
+        </p:txBody>
+      </p:sp>
+      <p:sp>
+        <p:nvSpPr>
+          <p:cNvPr id="7" name="Title 1">
             <a:extLst>
               <a:ext uri="{FF2B5EF4-FFF2-40B4-BE49-F238E27FC236}">
-                <a16:creationId xmlns:a16="http://schemas.microsoft.com/office/drawing/2014/main" id="{69BA26BC-113C-4698-8859-A985C8324074}"/>
-              </a:ext>
-              <a:ext uri="{C183D7F6-B498-43B3-948B-1728B52AA6E4}">
-                <adec:decorative xmlns:adec="http://schemas.microsoft.com/office/drawing/2017/decorative" val="1"/>
-              </a:ext>
-            </a:extLst>
-          </p:cNvPr>
-          <p:cNvSpPr>
-            <a:spLocks noGrp="1" noRot="1" noChangeAspect="1" noMove="1" noResize="1" noEditPoints="1" noAdjustHandles="1" noChangeArrowheads="1" noChangeShapeType="1" noTextEdit="1"/>
-          </p:cNvSpPr>
-          <p:nvPr>
-            <p:extLst>
-              <p:ext uri="{386F3935-93C4-4BCD-93E2-E3B085C9AB24}">
-                <p16:designElem xmlns:p16="http://schemas.microsoft.com/office/powerpoint/2015/main" val="1"/>
-              </p:ext>
-            </p:extLst>
-          </p:nvPr>
-        </p:nvSpPr>
-        <p:spPr>
-          <a:xfrm>
-            <a:off x="0" y="0"/>
-            <a:ext cx="12192000" cy="6858000"/>
-          </a:xfrm>
-          <a:prstGeom prst="rect">
-            <a:avLst/>
-          </a:prstGeom>
-          <a:ln>
-            <a:noFill/>
-          </a:ln>
-        </p:spPr>
-        <p:style>
-          <a:lnRef idx="2">
-            <a:schemeClr val="accent1">
-              <a:shade val="50000"/>
-            </a:schemeClr>
-          </a:lnRef>
-          <a:fillRef idx="1">
-            <a:schemeClr val="accent1"/>
-          </a:fillRef>
-          <a:effectRef idx="0">
-            <a:schemeClr val="accent1"/>
-          </a:effectRef>
-          <a:fontRef idx="minor">
-            <a:schemeClr val="lt1"/>
-          </a:fontRef>
-        </p:style>
-        <p:txBody>
-          <a:bodyPr rtlCol="0" anchor="ctr"/>
-          <a:lstStyle/>
-          <a:p>
-            <a:pPr algn="ctr"/>
-            <a:endParaRPr lang="en-US"/>
-          </a:p>
-        </p:txBody>
-      </p:sp>
-      <p:sp>
-        <p:nvSpPr>
-          <p:cNvPr id="20" name="Rounded Rectangle 9">
-            <a:extLst>
-              <a:ext uri="{FF2B5EF4-FFF2-40B4-BE49-F238E27FC236}">
-                <a16:creationId xmlns:a16="http://schemas.microsoft.com/office/drawing/2014/main" id="{A68B73B6-D77B-4B55-8538-206CEFD2AF91}"/>
-              </a:ext>
-              <a:ext uri="{C183D7F6-B498-43B3-948B-1728B52AA6E4}">
-                <adec:decorative xmlns:adec="http://schemas.microsoft.com/office/drawing/2017/decorative" val="1"/>
-              </a:ext>
-            </a:extLst>
-          </p:cNvPr>
-          <p:cNvSpPr>
-            <a:spLocks noGrp="1" noRot="1" noChangeAspect="1" noMove="1" noResize="1" noEditPoints="1" noAdjustHandles="1" noChangeArrowheads="1" noChangeShapeType="1" noTextEdit="1"/>
-          </p:cNvSpPr>
-          <p:nvPr>
-            <p:extLst>
-              <p:ext uri="{386F3935-93C4-4BCD-93E2-E3B085C9AB24}">
-                <p16:designElem xmlns:p16="http://schemas.microsoft.com/office/powerpoint/2015/main" val="1"/>
-              </p:ext>
-            </p:extLst>
-          </p:nvPr>
-        </p:nvSpPr>
-        <p:spPr>
-          <a:xfrm>
-            <a:off x="1596889" y="1846512"/>
-            <a:ext cx="8998224" cy="3164976"/>
-          </a:xfrm>
-          <a:prstGeom prst="roundRect">
-            <a:avLst>
-              <a:gd name="adj" fmla="val 4629"/>
-            </a:avLst>
-          </a:prstGeom>
-          <a:solidFill>
-            <a:schemeClr val="bg2"/>
-          </a:solidFill>
-          <a:ln w="44450">
-            <a:gradFill>
-              <a:gsLst>
-                <a:gs pos="0">
-                  <a:schemeClr val="bg2">
-                    <a:alpha val="65000"/>
-                  </a:schemeClr>
-                </a:gs>
-                <a:gs pos="98000">
-                  <a:schemeClr val="bg2">
-                    <a:lumMod val="75000"/>
-                    <a:alpha val="55000"/>
-                  </a:schemeClr>
-                </a:gs>
-              </a:gsLst>
-              <a:lin ang="5400000" scaled="1"/>
-            </a:gradFill>
-          </a:ln>
-          <a:effectLst>
-            <a:innerShdw blurRad="63500" dist="50800" dir="14460000">
-              <a:prstClr val="black">
-                <a:alpha val="70000"/>
-              </a:prstClr>
-            </a:innerShdw>
-          </a:effectLst>
-        </p:spPr>
-        <p:style>
-          <a:lnRef idx="2">
-            <a:schemeClr val="accent1">
-              <a:shade val="50000"/>
-            </a:schemeClr>
-          </a:lnRef>
-          <a:fillRef idx="1003">
-            <a:schemeClr val="dk2"/>
-          </a:fillRef>
-          <a:effectRef idx="0">
-            <a:schemeClr val="accent1"/>
-          </a:effectRef>
-          <a:fontRef idx="minor">
-            <a:schemeClr val="lt1"/>
-          </a:fontRef>
-        </p:style>
-        <p:txBody>
-          <a:bodyPr rtlCol="0" anchor="ctr"/>
-          <a:lstStyle/>
-          <a:p>
-            <a:pPr algn="ctr"/>
-            <a:endParaRPr lang="en-US"/>
-          </a:p>
-        </p:txBody>
-      </p:sp>
-      <p:sp>
-        <p:nvSpPr>
-          <p:cNvPr id="2" name="Title 1">
-            <a:extLst>
-              <a:ext uri="{FF2B5EF4-FFF2-40B4-BE49-F238E27FC236}">
-                <a16:creationId xmlns:a16="http://schemas.microsoft.com/office/drawing/2014/main" id="{2AD97B58-902E-44BF-827F-7E3E786F7B96}"/>
-              </a:ext>
-            </a:extLst>
-          </p:cNvPr>
-          <p:cNvSpPr>
-            <a:spLocks noGrp="1"/>
-          </p:cNvSpPr>
-          <p:nvPr>
-            <p:ph type="title"/>
-          </p:nvPr>
-        </p:nvSpPr>
-        <p:spPr>
-          <a:xfrm>
-            <a:off x="1757889" y="2651503"/>
-            <a:ext cx="8676222" cy="1554994"/>
-          </a:xfrm>
-        </p:spPr>
-        <p:txBody>
-          <a:bodyPr vert="horz" lIns="91440" tIns="45720" rIns="91440" bIns="45720" rtlCol="0" anchor="b">
-            <a:normAutofit/>
-          </a:bodyPr>
-          <a:lstStyle/>
-          <a:p>
-            <a:pPr algn="ctr"/>
-            <a:r>
-              <a:rPr lang="en-US" sz="8800" dirty="0">
-                <a:effectLst>
-                  <a:glow rad="38100">
-                    <a:schemeClr val="bg1">
-                      <a:lumMod val="65000"/>
-                      <a:lumOff val="35000"/>
-                      <a:alpha val="50000"/>
-                    </a:schemeClr>
-                  </a:glow>
-                  <a:outerShdw blurRad="28575" dist="31750" dir="13200000" algn="tl" rotWithShape="0">
-                    <a:srgbClr val="000000">
-                      <a:alpha val="25000"/>
-                    </a:srgbClr>
-                  </a:outerShdw>
-                </a:effectLst>
-              </a:rPr>
-              <a:t>Solution</a:t>
-            </a:r>
-          </a:p>
-        </p:txBody>
-      </p:sp>
-    </p:spTree>
-    <p:extLst>
-      <p:ext uri="{BB962C8B-B14F-4D97-AF65-F5344CB8AC3E}">
-        <p14:creationId xmlns:p14="http://schemas.microsoft.com/office/powerpoint/2010/main" val="3154241337"/>
-      </p:ext>
-    </p:extLst>
-  </p:cSld>
-  <p:clrMapOvr>
-    <a:masterClrMapping/>
-  </p:clrMapOvr>
-</p:sld>
-</file>
-
-<file path=ppt/slides/slide6.xml><?xml version="1.0" encoding="utf-8"?>
-<p:sld xmlns:a="http://schemas.openxmlformats.org/drawingml/2006/main" xmlns:r="http://schemas.openxmlformats.org/officeDocument/2006/relationships" xmlns:p="http://schemas.openxmlformats.org/presentationml/2006/main">
-  <p:cSld>
-    <p:bg>
-      <p:bgPr>
-        <a:blipFill rotWithShape="1">
-          <a:blip r:embed="rId2">
-            <a:duotone>
-              <a:schemeClr val="bg2">
-                <a:shade val="28000"/>
-                <a:satMod val="94000"/>
-                <a:lumMod val="20000"/>
-              </a:schemeClr>
-              <a:schemeClr val="bg2">
-                <a:tint val="94000"/>
-                <a:shade val="84000"/>
-                <a:satMod val="148000"/>
-                <a:lumMod val="114000"/>
-              </a:schemeClr>
-            </a:duotone>
-          </a:blip>
-          <a:stretch/>
-        </a:blipFill>
-        <a:effectLst/>
-      </p:bgPr>
-    </p:bg>
-    <p:spTree>
-      <p:nvGrpSpPr>
-        <p:cNvPr id="1" name=""/>
-        <p:cNvGrpSpPr/>
-        <p:nvPr/>
-      </p:nvGrpSpPr>
-      <p:grpSpPr>
-        <a:xfrm>
-          <a:off x="0" y="0"/>
-          <a:ext cx="0" cy="0"/>
-          <a:chOff x="0" y="0"/>
-          <a:chExt cx="0" cy="0"/>
-        </a:xfrm>
-      </p:grpSpPr>
-      <p:sp>
-        <p:nvSpPr>
-          <p:cNvPr id="8" name="Rounded Rectangle 9">
-            <a:extLst>
-              <a:ext uri="{FF2B5EF4-FFF2-40B4-BE49-F238E27FC236}">
-                <a16:creationId xmlns:a16="http://schemas.microsoft.com/office/drawing/2014/main" id="{BCA2EB72-13DC-4DC6-B461-3B036C55B925}"/>
-              </a:ext>
-              <a:ext uri="{C183D7F6-B498-43B3-948B-1728B52AA6E4}">
-                <adec:decorative xmlns:adec="http://schemas.microsoft.com/office/drawing/2017/decorative" val="1"/>
-              </a:ext>
-            </a:extLst>
-          </p:cNvPr>
-          <p:cNvSpPr>
-            <a:spLocks noGrp="1" noRot="1" noChangeAspect="1" noMove="1" noResize="1" noEditPoints="1" noAdjustHandles="1" noChangeArrowheads="1" noChangeShapeType="1" noTextEdit="1"/>
-          </p:cNvSpPr>
-          <p:nvPr>
-            <p:extLst>
-              <p:ext uri="{386F3935-93C4-4BCD-93E2-E3B085C9AB24}">
-                <p16:designElem xmlns:p16="http://schemas.microsoft.com/office/powerpoint/2015/main" val="1"/>
-              </p:ext>
-            </p:extLst>
-          </p:nvPr>
-        </p:nvSpPr>
-        <p:spPr>
-          <a:xfrm>
-            <a:off x="643467" y="643467"/>
-            <a:ext cx="10905066" cy="5571066"/>
-          </a:xfrm>
-          <a:prstGeom prst="roundRect">
-            <a:avLst>
-              <a:gd name="adj" fmla="val 2627"/>
-            </a:avLst>
-          </a:prstGeom>
-          <a:solidFill>
-            <a:schemeClr val="bg2">
-              <a:lumMod val="75000"/>
-            </a:schemeClr>
-          </a:solidFill>
-          <a:ln w="44450">
-            <a:gradFill>
-              <a:gsLst>
-                <a:gs pos="0">
-                  <a:schemeClr val="bg2">
-                    <a:alpha val="65000"/>
-                  </a:schemeClr>
-                </a:gs>
-                <a:gs pos="98000">
-                  <a:schemeClr val="bg2">
-                    <a:lumMod val="75000"/>
-                    <a:alpha val="55000"/>
-                  </a:schemeClr>
-                </a:gs>
-              </a:gsLst>
-              <a:lin ang="5400000" scaled="1"/>
-            </a:gradFill>
-          </a:ln>
-          <a:effectLst>
-            <a:innerShdw blurRad="63500" dist="50800" dir="14460000">
-              <a:prstClr val="black">
-                <a:alpha val="70000"/>
-              </a:prstClr>
-            </a:innerShdw>
-          </a:effectLst>
-        </p:spPr>
-        <p:style>
-          <a:lnRef idx="2">
-            <a:schemeClr val="accent1">
-              <a:shade val="50000"/>
-            </a:schemeClr>
-          </a:lnRef>
-          <a:fillRef idx="1003">
-            <a:schemeClr val="dk2"/>
-          </a:fillRef>
-          <a:effectRef idx="0">
-            <a:schemeClr val="accent1"/>
-          </a:effectRef>
-          <a:fontRef idx="minor">
-            <a:schemeClr val="lt1"/>
-          </a:fontRef>
-        </p:style>
-        <p:txBody>
-          <a:bodyPr rtlCol="0" anchor="ctr"/>
-          <a:lstStyle/>
-          <a:p>
-            <a:pPr algn="ctr"/>
-            <a:endParaRPr lang="en-US"/>
-          </a:p>
-        </p:txBody>
-      </p:sp>
-      <p:cxnSp>
-        <p:nvCxnSpPr>
-          <p:cNvPr id="10" name="Straight Connector 9">
-            <a:extLst>
-              <a:ext uri="{FF2B5EF4-FFF2-40B4-BE49-F238E27FC236}">
-                <a16:creationId xmlns:a16="http://schemas.microsoft.com/office/drawing/2014/main" id="{C8F75BF3-096E-451E-A222-96A7F0946814}"/>
-              </a:ext>
-              <a:ext uri="{C183D7F6-B498-43B3-948B-1728B52AA6E4}">
-                <adec:decorative xmlns:adec="http://schemas.microsoft.com/office/drawing/2017/decorative" val="1"/>
-              </a:ext>
-            </a:extLst>
-          </p:cNvPr>
-          <p:cNvCxnSpPr>
-            <a:cxnSpLocks noGrp="1" noRot="1" noChangeAspect="1" noMove="1" noResize="1" noEditPoints="1" noAdjustHandles="1" noChangeArrowheads="1" noChangeShapeType="1"/>
-          </p:cNvCxnSpPr>
-          <p:nvPr>
-            <p:extLst>
-              <p:ext uri="{386F3935-93C4-4BCD-93E2-E3B085C9AB24}">
-                <p16:designElem xmlns:p16="http://schemas.microsoft.com/office/powerpoint/2015/main" val="1"/>
-              </p:ext>
-            </p:extLst>
-          </p:nvPr>
-        </p:nvCxnSpPr>
-        <p:spPr>
-          <a:xfrm>
-            <a:off x="7538699" y="2011680"/>
-            <a:ext cx="0" cy="2834640"/>
-          </a:xfrm>
-          <a:prstGeom prst="line">
-            <a:avLst/>
-          </a:prstGeom>
-          <a:ln w="19050"/>
-        </p:spPr>
-        <p:style>
-          <a:lnRef idx="1">
-            <a:schemeClr val="accent1"/>
-          </a:lnRef>
-          <a:fillRef idx="0">
-            <a:schemeClr val="accent1"/>
-          </a:fillRef>
-          <a:effectRef idx="0">
-            <a:schemeClr val="accent1"/>
-          </a:effectRef>
-          <a:fontRef idx="minor">
-            <a:schemeClr val="tx1"/>
-          </a:fontRef>
-        </p:style>
-      </p:cxnSp>
-      <p:sp>
-        <p:nvSpPr>
-          <p:cNvPr id="5" name="Title 1">
-            <a:extLst>
-              <a:ext uri="{FF2B5EF4-FFF2-40B4-BE49-F238E27FC236}">
-                <a16:creationId xmlns:a16="http://schemas.microsoft.com/office/drawing/2014/main" id="{15DEA85F-E76A-4936-8593-29933A8D0F4F}"/>
+                <a16:creationId xmlns:a16="http://schemas.microsoft.com/office/drawing/2014/main" id="{610AF6A2-FF03-45E5-8453-FBFAB099D805}"/>
               </a:ext>
             </a:extLst>
           </p:cNvPr>
@@ -10798,8 +15430,8 @@
         </p:nvSpPr>
         <p:spPr>
           <a:xfrm>
-            <a:off x="7791064" y="1040016"/>
-            <a:ext cx="3433659" cy="5099699"/>
+            <a:off x="1021448" y="1663440"/>
+            <a:ext cx="6075552" cy="1205723"/>
           </a:xfrm>
           <a:prstGeom prst="rect">
             <a:avLst/>
@@ -10910,98 +15542,24 @@
             </a:lvl9pPr>
           </a:lstStyle>
           <a:p>
-            <a:pPr algn="ctr"/>
-            <a:endParaRPr lang="en-GB" sz="2000" b="1" dirty="0"/>
-          </a:p>
-        </p:txBody>
-      </p:sp>
-      <p:sp>
-        <p:nvSpPr>
-          <p:cNvPr id="6" name="Title 1">
+            <a:r>
+              <a:rPr lang="en-GB" sz="2400" b="1" dirty="0"/>
+              <a:t>LACK OF CONSIDERATION </a:t>
+            </a:r>
+            <a:r>
+              <a:rPr lang="en-GB" sz="2400" dirty="0"/>
+              <a:t>for Mobile Banking users with disabilities</a:t>
+            </a:r>
+            <a:endParaRPr lang="en-GB" sz="2400" b="1" dirty="0"/>
+          </a:p>
+        </p:txBody>
+      </p:sp>
+      <p:sp>
+        <p:nvSpPr>
+          <p:cNvPr id="9" name="Title 1">
             <a:extLst>
               <a:ext uri="{FF2B5EF4-FFF2-40B4-BE49-F238E27FC236}">
-                <a16:creationId xmlns:a16="http://schemas.microsoft.com/office/drawing/2014/main" id="{B4F3A807-F868-44A6-A65B-49504CAEB653}"/>
-              </a:ext>
-            </a:extLst>
-          </p:cNvPr>
-          <p:cNvSpPr>
-            <a:spLocks noGrp="1"/>
-          </p:cNvSpPr>
-          <p:nvPr>
-            <p:ph type="title"/>
-          </p:nvPr>
-        </p:nvSpPr>
-        <p:spPr>
-          <a:xfrm>
-            <a:off x="1141413" y="965199"/>
-            <a:ext cx="6075552" cy="5099699"/>
-          </a:xfrm>
-        </p:spPr>
-        <p:txBody>
-          <a:bodyPr vert="horz" lIns="91440" tIns="45720" rIns="91440" bIns="45720" rtlCol="0" anchor="ctr">
-            <a:noAutofit/>
-          </a:bodyPr>
-          <a:lstStyle/>
-          <a:p>
-            <a:r>
-              <a:rPr lang="en-GB" sz="2400" dirty="0"/>
-              <a:t>Mobile Application with </a:t>
-            </a:r>
-            <a:r>
-              <a:rPr lang="en-GB" sz="2400" b="1" dirty="0"/>
-              <a:t>Gestures </a:t>
-            </a:r>
-            <a:r>
-              <a:rPr lang="en-GB" sz="2400" dirty="0"/>
-              <a:t>for Easy navigation across the app</a:t>
-            </a:r>
-            <a:br>
-              <a:rPr lang="en-GB" sz="2400" dirty="0"/>
-            </a:br>
-            <a:br>
-              <a:rPr lang="en-GB" sz="2400" dirty="0"/>
-            </a:br>
-            <a:br>
-              <a:rPr lang="en-GB" sz="2400" dirty="0"/>
-            </a:br>
-            <a:r>
-              <a:rPr lang="en-GB" sz="2400" dirty="0"/>
-              <a:t>Providing </a:t>
-            </a:r>
-            <a:r>
-              <a:rPr lang="en-GB" sz="2400" b="1" dirty="0"/>
-              <a:t>core banking </a:t>
-            </a:r>
-            <a:r>
-              <a:rPr lang="en-GB" sz="2400" dirty="0"/>
-              <a:t>functionalities via a quick and easy structure</a:t>
-            </a:r>
-            <a:br>
-              <a:rPr lang="en-GB" sz="2400" dirty="0"/>
-            </a:br>
-            <a:br>
-              <a:rPr lang="en-GB" sz="2400" dirty="0"/>
-            </a:br>
-            <a:br>
-              <a:rPr lang="en-GB" sz="2400" dirty="0"/>
-            </a:br>
-            <a:r>
-              <a:rPr lang="en-GB" sz="2400" b="1" dirty="0"/>
-              <a:t>Voice based </a:t>
-            </a:r>
-            <a:r>
-              <a:rPr lang="en-GB" sz="2400" dirty="0"/>
-              <a:t>login system with User-defined security questions and speaker recognition</a:t>
-            </a:r>
-          </a:p>
-        </p:txBody>
-      </p:sp>
-      <p:sp>
-        <p:nvSpPr>
-          <p:cNvPr id="7" name="Title 1">
-            <a:extLst>
-              <a:ext uri="{FF2B5EF4-FFF2-40B4-BE49-F238E27FC236}">
-                <a16:creationId xmlns:a16="http://schemas.microsoft.com/office/drawing/2014/main" id="{2A9AD436-3B7D-4285-AF09-5F24D24DA867}"/>
+                <a16:creationId xmlns:a16="http://schemas.microsoft.com/office/drawing/2014/main" id="{2FB02755-61DA-4642-B4B8-C7FE4087DA36}"/>
               </a:ext>
             </a:extLst>
           </p:cNvPr>
@@ -11012,8 +15570,8 @@
         </p:nvSpPr>
         <p:spPr>
           <a:xfrm>
-            <a:off x="7714911" y="1192416"/>
-            <a:ext cx="3833615" cy="5099699"/>
+            <a:off x="1021448" y="2869163"/>
+            <a:ext cx="6075552" cy="1119674"/>
           </a:xfrm>
           <a:prstGeom prst="rect">
             <a:avLst/>
@@ -11124,142 +15682,528 @@
             </a:lvl9pPr>
           </a:lstStyle>
           <a:p>
+            <a:br>
+              <a:rPr lang="en-GB" sz="2400" dirty="0"/>
+            </a:br>
+            <a:r>
+              <a:rPr lang="en-GB" sz="2400" dirty="0"/>
+              <a:t>Significant </a:t>
+            </a:r>
+            <a:r>
+              <a:rPr lang="en-GB" sz="2400" b="1" dirty="0"/>
+              <a:t>BUSINESS PROFITS,</a:t>
+            </a:r>
+            <a:r>
+              <a:rPr lang="en-GB" sz="2400" dirty="0"/>
+              <a:t> with a major potential user base</a:t>
+            </a:r>
+            <a:endParaRPr lang="en-GB" sz="2400" b="1" dirty="0"/>
+          </a:p>
+        </p:txBody>
+      </p:sp>
+      <p:sp>
+        <p:nvSpPr>
+          <p:cNvPr id="3" name="Rectangle 2">
+            <a:extLst>
+              <a:ext uri="{FF2B5EF4-FFF2-40B4-BE49-F238E27FC236}">
+                <a16:creationId xmlns:a16="http://schemas.microsoft.com/office/drawing/2014/main" id="{47B3FF9D-F0EA-4FC7-ADF2-D36F019B8F0E}"/>
+              </a:ext>
+            </a:extLst>
+          </p:cNvPr>
+          <p:cNvSpPr/>
+          <p:nvPr/>
+        </p:nvSpPr>
+        <p:spPr>
+          <a:xfrm>
+            <a:off x="3048000" y="2828836"/>
+            <a:ext cx="6096000" cy="646331"/>
+          </a:xfrm>
+          <a:prstGeom prst="rect">
+            <a:avLst/>
+          </a:prstGeom>
+        </p:spPr>
+        <p:txBody>
+          <a:bodyPr>
+            <a:spAutoFit/>
+          </a:bodyPr>
+          <a:lstStyle/>
+          <a:p>
             <a:pPr algn="ctr"/>
-            <a:r>
-              <a:rPr lang="en-GB" sz="2000" b="1" u="sng" dirty="0"/>
-              <a:t>Core technologies</a:t>
-            </a:r>
+            <a:endParaRPr lang="en-GB" b="1" dirty="0"/>
           </a:p>
           <a:p>
             <a:pPr algn="ctr"/>
-            <a:endParaRPr lang="en-GB" sz="2000" b="1" dirty="0"/>
-          </a:p>
-          <a:p>
-            <a:pPr marL="342900" indent="-342900">
-              <a:buFont typeface="Arial" panose="020B0604020202020204" pitchFamily="34" charset="0"/>
-              <a:buChar char="•"/>
-            </a:pPr>
+            <a:endParaRPr lang="en-GB" b="1" dirty="0"/>
+          </a:p>
+        </p:txBody>
+      </p:sp>
+      <p:sp>
+        <p:nvSpPr>
+          <p:cNvPr id="11" name="Title 1">
+            <a:extLst>
+              <a:ext uri="{FF2B5EF4-FFF2-40B4-BE49-F238E27FC236}">
+                <a16:creationId xmlns:a16="http://schemas.microsoft.com/office/drawing/2014/main" id="{0731F851-2E67-4263-905A-A5111D575E46}"/>
+              </a:ext>
+            </a:extLst>
+          </p:cNvPr>
+          <p:cNvSpPr txBox="1">
+            <a:spLocks/>
+          </p:cNvSpPr>
+          <p:nvPr/>
+        </p:nvSpPr>
+        <p:spPr>
+          <a:xfrm>
+            <a:off x="7826786" y="3704251"/>
+            <a:ext cx="3433659" cy="1637869"/>
+          </a:xfrm>
+          <a:prstGeom prst="rect">
+            <a:avLst/>
+          </a:prstGeom>
+        </p:spPr>
+        <p:txBody>
+          <a:bodyPr vert="horz" lIns="91440" tIns="45720" rIns="91440" bIns="45720" rtlCol="0" anchor="ctr">
+            <a:noAutofit/>
+          </a:bodyPr>
+          <a:lstStyle>
+            <a:lvl1pPr algn="l" defTabSz="457200" rtl="0" eaLnBrk="1" latinLnBrk="0" hangingPunct="1">
+              <a:spcBef>
+                <a:spcPct val="0"/>
+              </a:spcBef>
+              <a:buNone/>
+              <a:defRPr sz="3200" kern="1200" cap="all">
+                <a:ln w="3175" cmpd="sng">
+                  <a:noFill/>
+                </a:ln>
+                <a:gradFill flip="none" rotWithShape="1">
+                  <a:gsLst>
+                    <a:gs pos="0">
+                      <a:schemeClr val="tx1"/>
+                    </a:gs>
+                    <a:gs pos="100000">
+                      <a:schemeClr val="tx1">
+                        <a:lumMod val="65000"/>
+                      </a:schemeClr>
+                    </a:gs>
+                  </a:gsLst>
+                  <a:lin ang="5580000" scaled="0"/>
+                  <a:tileRect/>
+                </a:gradFill>
+                <a:effectLst>
+                  <a:glow rad="38100">
+                    <a:schemeClr val="bg1">
+                      <a:lumMod val="65000"/>
+                      <a:lumOff val="35000"/>
+                      <a:alpha val="40000"/>
+                    </a:schemeClr>
+                  </a:glow>
+                  <a:outerShdw blurRad="28575" dist="38100" dir="14040000" algn="tl" rotWithShape="0">
+                    <a:srgbClr val="000000">
+                      <a:alpha val="25000"/>
+                    </a:srgbClr>
+                  </a:outerShdw>
+                </a:effectLst>
+                <a:latin typeface="+mj-lt"/>
+                <a:ea typeface="+mj-ea"/>
+                <a:cs typeface="+mj-cs"/>
+              </a:defRPr>
+            </a:lvl1pPr>
+            <a:lvl2pPr eaLnBrk="1" hangingPunct="1">
+              <a:defRPr>
+                <a:solidFill>
+                  <a:schemeClr val="tx2"/>
+                </a:solidFill>
+              </a:defRPr>
+            </a:lvl2pPr>
+            <a:lvl3pPr eaLnBrk="1" hangingPunct="1">
+              <a:defRPr>
+                <a:solidFill>
+                  <a:schemeClr val="tx2"/>
+                </a:solidFill>
+              </a:defRPr>
+            </a:lvl3pPr>
+            <a:lvl4pPr eaLnBrk="1" hangingPunct="1">
+              <a:defRPr>
+                <a:solidFill>
+                  <a:schemeClr val="tx2"/>
+                </a:solidFill>
+              </a:defRPr>
+            </a:lvl4pPr>
+            <a:lvl5pPr eaLnBrk="1" hangingPunct="1">
+              <a:defRPr>
+                <a:solidFill>
+                  <a:schemeClr val="tx2"/>
+                </a:solidFill>
+              </a:defRPr>
+            </a:lvl5pPr>
+            <a:lvl6pPr eaLnBrk="1" hangingPunct="1">
+              <a:defRPr>
+                <a:solidFill>
+                  <a:schemeClr val="tx2"/>
+                </a:solidFill>
+              </a:defRPr>
+            </a:lvl6pPr>
+            <a:lvl7pPr eaLnBrk="1" hangingPunct="1">
+              <a:defRPr>
+                <a:solidFill>
+                  <a:schemeClr val="tx2"/>
+                </a:solidFill>
+              </a:defRPr>
+            </a:lvl7pPr>
+            <a:lvl8pPr eaLnBrk="1" hangingPunct="1">
+              <a:defRPr>
+                <a:solidFill>
+                  <a:schemeClr val="tx2"/>
+                </a:solidFill>
+              </a:defRPr>
+            </a:lvl8pPr>
+            <a:lvl9pPr eaLnBrk="1" hangingPunct="1">
+              <a:defRPr>
+                <a:solidFill>
+                  <a:schemeClr val="tx2"/>
+                </a:solidFill>
+              </a:defRPr>
+            </a:lvl9pPr>
+          </a:lstStyle>
+          <a:p>
+            <a:pPr algn="ctr"/>
+            <a:r>
+              <a:rPr lang="en-GB" sz="2000" b="1" dirty="0"/>
+              <a:t>350,000</a:t>
+            </a:r>
             <a:r>
               <a:rPr lang="en-GB" sz="2000" dirty="0"/>
-              <a:t>Android studio</a:t>
-            </a:r>
-          </a:p>
-          <a:p>
-            <a:pPr marL="342900" indent="-342900">
-              <a:buFont typeface="Arial" panose="020B0604020202020204" pitchFamily="34" charset="0"/>
-              <a:buChar char="•"/>
-            </a:pPr>
-            <a:r>
-              <a:rPr lang="en-GB" sz="2000" dirty="0"/>
-              <a:t>Google maps api</a:t>
-            </a:r>
-          </a:p>
-          <a:p>
-            <a:pPr marL="342900" indent="-342900">
-              <a:buFont typeface="Arial" panose="020B0604020202020204" pitchFamily="34" charset="0"/>
-              <a:buChar char="•"/>
-            </a:pPr>
-            <a:r>
-              <a:rPr lang="en-GB" sz="2000" dirty="0"/>
-              <a:t>Microsoft Azure</a:t>
-            </a:r>
-          </a:p>
-          <a:p>
-            <a:pPr algn="ctr"/>
-            <a:endParaRPr lang="en-GB" sz="2000" b="1" dirty="0"/>
-          </a:p>
-          <a:p>
-            <a:pPr algn="ctr"/>
-            <a:r>
-              <a:rPr lang="en-GB" sz="2000" b="1" u="sng" dirty="0"/>
-              <a:t>Core Features</a:t>
-            </a:r>
-          </a:p>
-          <a:p>
-            <a:pPr algn="ctr"/>
-            <a:endParaRPr lang="en-GB" sz="2000" dirty="0"/>
-          </a:p>
-          <a:p>
-            <a:pPr marL="342900" indent="-342900">
-              <a:buFont typeface="Wingdings" panose="05000000000000000000" pitchFamily="2" charset="2"/>
-              <a:buChar char="§"/>
-            </a:pPr>
-            <a:r>
-              <a:rPr lang="en-GB" sz="2000" dirty="0"/>
-              <a:t>Speaker recognition</a:t>
-            </a:r>
-          </a:p>
-          <a:p>
-            <a:pPr marL="342900" indent="-342900">
-              <a:buFont typeface="Wingdings" panose="05000000000000000000" pitchFamily="2" charset="2"/>
-              <a:buChar char="§"/>
-            </a:pPr>
-            <a:r>
-              <a:rPr lang="en-GB" sz="2000" dirty="0"/>
-              <a:t>Speech-Text Conversion </a:t>
-            </a:r>
-          </a:p>
-          <a:p>
-            <a:pPr marL="342900" indent="-342900">
-              <a:buFont typeface="Wingdings" panose="05000000000000000000" pitchFamily="2" charset="2"/>
-              <a:buChar char="§"/>
-            </a:pPr>
-            <a:r>
-              <a:rPr lang="en-GB" sz="2000" dirty="0"/>
-              <a:t>Navigation to nearest branch</a:t>
-            </a:r>
-            <a:endParaRPr lang="en-GB" sz="600" dirty="0"/>
-          </a:p>
-          <a:p>
-            <a:pPr marL="342900" indent="-342900">
-              <a:buFont typeface="Wingdings" panose="05000000000000000000" pitchFamily="2" charset="2"/>
-              <a:buChar char="§"/>
-            </a:pPr>
-            <a:r>
-              <a:rPr lang="en-GB" sz="2000" dirty="0"/>
-              <a:t>Account summary</a:t>
-            </a:r>
-          </a:p>
-          <a:p>
-            <a:pPr marL="342900" indent="-342900">
-              <a:buFont typeface="Wingdings" panose="05000000000000000000" pitchFamily="2" charset="2"/>
-              <a:buChar char="§"/>
-            </a:pPr>
-            <a:r>
-              <a:rPr lang="en-GB" sz="2000" dirty="0"/>
-              <a:t>Transactions</a:t>
-            </a:r>
-          </a:p>
-          <a:p>
-            <a:pPr marL="342900" indent="-342900">
-              <a:buFont typeface="Wingdings" panose="05000000000000000000" pitchFamily="2" charset="2"/>
-              <a:buChar char="§"/>
-            </a:pPr>
-            <a:r>
-              <a:rPr lang="en-GB" sz="2000" dirty="0"/>
-              <a:t>Direct Customer support Connection</a:t>
-            </a:r>
-          </a:p>
-          <a:p>
-            <a:pPr algn="ctr"/>
-            <a:endParaRPr lang="en-GB" sz="2000" dirty="0"/>
+              <a:t> people in the UK registered with</a:t>
+            </a:r>
+            <a:r>
+              <a:rPr lang="en-GB" sz="2000" b="1" dirty="0"/>
+              <a:t> visual impairment</a:t>
+            </a:r>
           </a:p>
         </p:txBody>
       </p:sp>
     </p:spTree>
     <p:extLst>
       <p:ext uri="{BB962C8B-B14F-4D97-AF65-F5344CB8AC3E}">
-        <p14:creationId xmlns:p14="http://schemas.microsoft.com/office/powerpoint/2010/main" val="890342535"/>
+        <p14:creationId xmlns:p14="http://schemas.microsoft.com/office/powerpoint/2010/main" val="3520606766"/>
       </p:ext>
     </p:extLst>
   </p:cSld>
   <p:clrMapOvr>
     <a:masterClrMapping/>
   </p:clrMapOvr>
+  <mc:AlternateContent xmlns:mc="http://schemas.openxmlformats.org/markup-compatibility/2006">
+    <mc:Choice xmlns:p14="http://schemas.microsoft.com/office/powerpoint/2010/main" Requires="p14">
+      <p:transition spd="slow" p14:dur="1250">
+        <p14:doors dir="vert"/>
+      </p:transition>
+    </mc:Choice>
+    <mc:Fallback>
+      <p:transition spd="slow">
+        <p:fade/>
+      </p:transition>
+    </mc:Fallback>
+  </mc:AlternateContent>
+  <p:timing>
+    <p:tnLst>
+      <p:par>
+        <p:cTn id="1" dur="indefinite" restart="never" nodeType="tmRoot">
+          <p:childTnLst>
+            <p:seq concurrent="1" nextAc="seek">
+              <p:cTn id="2" dur="indefinite" nodeType="mainSeq">
+                <p:childTnLst>
+                  <p:par>
+                    <p:cTn id="3" fill="hold">
+                      <p:stCondLst>
+                        <p:cond delay="indefinite"/>
+                        <p:cond evt="onBegin" delay="0">
+                          <p:tn val="2"/>
+                        </p:cond>
+                      </p:stCondLst>
+                      <p:childTnLst>
+                        <p:par>
+                          <p:cTn id="4" fill="hold">
+                            <p:stCondLst>
+                              <p:cond delay="0"/>
+                            </p:stCondLst>
+                            <p:childTnLst>
+                              <p:par>
+                                <p:cTn id="5" presetID="10" presetClass="entr" presetSubtype="0" fill="hold" nodeType="afterEffect">
+                                  <p:stCondLst>
+                                    <p:cond delay="0"/>
+                                  </p:stCondLst>
+                                  <p:childTnLst>
+                                    <p:set>
+                                      <p:cBhvr>
+                                        <p:cTn id="6" dur="1" fill="hold">
+                                          <p:stCondLst>
+                                            <p:cond delay="0"/>
+                                          </p:stCondLst>
+                                        </p:cTn>
+                                        <p:tgtEl>
+                                          <p:spTgt spid="7">
+                                            <p:txEl>
+                                              <p:pRg st="0" end="0"/>
+                                            </p:txEl>
+                                          </p:spTgt>
+                                        </p:tgtEl>
+                                        <p:attrNameLst>
+                                          <p:attrName>style.visibility</p:attrName>
+                                        </p:attrNameLst>
+                                      </p:cBhvr>
+                                      <p:to>
+                                        <p:strVal val="visible"/>
+                                      </p:to>
+                                    </p:set>
+                                    <p:animEffect transition="in" filter="fade">
+                                      <p:cBhvr>
+                                        <p:cTn id="7" dur="500"/>
+                                        <p:tgtEl>
+                                          <p:spTgt spid="7">
+                                            <p:txEl>
+                                              <p:pRg st="0" end="0"/>
+                                            </p:txEl>
+                                          </p:spTgt>
+                                        </p:tgtEl>
+                                      </p:cBhvr>
+                                    </p:animEffect>
+                                  </p:childTnLst>
+                                </p:cTn>
+                              </p:par>
+                            </p:childTnLst>
+                          </p:cTn>
+                        </p:par>
+                        <p:par>
+                          <p:cTn id="8" fill="hold">
+                            <p:stCondLst>
+                              <p:cond delay="500"/>
+                            </p:stCondLst>
+                            <p:childTnLst>
+                              <p:par>
+                                <p:cTn id="9" presetID="10" presetClass="entr" presetSubtype="0" fill="hold" nodeType="afterEffect">
+                                  <p:stCondLst>
+                                    <p:cond delay="0"/>
+                                  </p:stCondLst>
+                                  <p:childTnLst>
+                                    <p:set>
+                                      <p:cBhvr>
+                                        <p:cTn id="10" dur="1" fill="hold">
+                                          <p:stCondLst>
+                                            <p:cond delay="0"/>
+                                          </p:stCondLst>
+                                        </p:cTn>
+                                        <p:tgtEl>
+                                          <p:spTgt spid="9">
+                                            <p:txEl>
+                                              <p:pRg st="0" end="0"/>
+                                            </p:txEl>
+                                          </p:spTgt>
+                                        </p:tgtEl>
+                                        <p:attrNameLst>
+                                          <p:attrName>style.visibility</p:attrName>
+                                        </p:attrNameLst>
+                                      </p:cBhvr>
+                                      <p:to>
+                                        <p:strVal val="visible"/>
+                                      </p:to>
+                                    </p:set>
+                                    <p:animEffect transition="in" filter="fade">
+                                      <p:cBhvr>
+                                        <p:cTn id="11" dur="500"/>
+                                        <p:tgtEl>
+                                          <p:spTgt spid="9">
+                                            <p:txEl>
+                                              <p:pRg st="0" end="0"/>
+                                            </p:txEl>
+                                          </p:spTgt>
+                                        </p:tgtEl>
+                                      </p:cBhvr>
+                                    </p:animEffect>
+                                  </p:childTnLst>
+                                </p:cTn>
+                              </p:par>
+                            </p:childTnLst>
+                          </p:cTn>
+                        </p:par>
+                        <p:par>
+                          <p:cTn id="12" fill="hold">
+                            <p:stCondLst>
+                              <p:cond delay="1000"/>
+                            </p:stCondLst>
+                            <p:childTnLst>
+                              <p:par>
+                                <p:cTn id="13" presetID="10" presetClass="entr" presetSubtype="0" fill="hold" grpId="0" nodeType="afterEffect">
+                                  <p:stCondLst>
+                                    <p:cond delay="0"/>
+                                  </p:stCondLst>
+                                  <p:childTnLst>
+                                    <p:set>
+                                      <p:cBhvr>
+                                        <p:cTn id="14" dur="1" fill="hold">
+                                          <p:stCondLst>
+                                            <p:cond delay="0"/>
+                                          </p:stCondLst>
+                                        </p:cTn>
+                                        <p:tgtEl>
+                                          <p:spTgt spid="2"/>
+                                        </p:tgtEl>
+                                        <p:attrNameLst>
+                                          <p:attrName>style.visibility</p:attrName>
+                                        </p:attrNameLst>
+                                      </p:cBhvr>
+                                      <p:to>
+                                        <p:strVal val="visible"/>
+                                      </p:to>
+                                    </p:set>
+                                    <p:animEffect transition="in" filter="fade">
+                                      <p:cBhvr>
+                                        <p:cTn id="15" dur="500"/>
+                                        <p:tgtEl>
+                                          <p:spTgt spid="2"/>
+                                        </p:tgtEl>
+                                      </p:cBhvr>
+                                    </p:animEffect>
+                                  </p:childTnLst>
+                                </p:cTn>
+                              </p:par>
+                            </p:childTnLst>
+                          </p:cTn>
+                        </p:par>
+                        <p:par>
+                          <p:cTn id="16" fill="hold">
+                            <p:stCondLst>
+                              <p:cond delay="1500"/>
+                            </p:stCondLst>
+                            <p:childTnLst>
+                              <p:par>
+                                <p:cTn id="17" presetID="10" presetClass="entr" presetSubtype="0" fill="hold" nodeType="afterEffect">
+                                  <p:stCondLst>
+                                    <p:cond delay="0"/>
+                                  </p:stCondLst>
+                                  <p:childTnLst>
+                                    <p:set>
+                                      <p:cBhvr>
+                                        <p:cTn id="18" dur="1" fill="hold">
+                                          <p:stCondLst>
+                                            <p:cond delay="0"/>
+                                          </p:stCondLst>
+                                        </p:cTn>
+                                        <p:tgtEl>
+                                          <p:spTgt spid="5">
+                                            <p:txEl>
+                                              <p:pRg st="0" end="0"/>
+                                            </p:txEl>
+                                          </p:spTgt>
+                                        </p:tgtEl>
+                                        <p:attrNameLst>
+                                          <p:attrName>style.visibility</p:attrName>
+                                        </p:attrNameLst>
+                                      </p:cBhvr>
+                                      <p:to>
+                                        <p:strVal val="visible"/>
+                                      </p:to>
+                                    </p:set>
+                                    <p:animEffect transition="in" filter="fade">
+                                      <p:cBhvr>
+                                        <p:cTn id="19" dur="500"/>
+                                        <p:tgtEl>
+                                          <p:spTgt spid="5">
+                                            <p:txEl>
+                                              <p:pRg st="0" end="0"/>
+                                            </p:txEl>
+                                          </p:spTgt>
+                                        </p:tgtEl>
+                                      </p:cBhvr>
+                                    </p:animEffect>
+                                  </p:childTnLst>
+                                </p:cTn>
+                              </p:par>
+                            </p:childTnLst>
+                          </p:cTn>
+                        </p:par>
+                        <p:par>
+                          <p:cTn id="20" fill="hold">
+                            <p:stCondLst>
+                              <p:cond delay="2000"/>
+                            </p:stCondLst>
+                            <p:childTnLst>
+                              <p:par>
+                                <p:cTn id="21" presetID="10" presetClass="entr" presetSubtype="0" fill="hold" nodeType="afterEffect">
+                                  <p:stCondLst>
+                                    <p:cond delay="0"/>
+                                  </p:stCondLst>
+                                  <p:childTnLst>
+                                    <p:set>
+                                      <p:cBhvr>
+                                        <p:cTn id="22" dur="1" fill="hold">
+                                          <p:stCondLst>
+                                            <p:cond delay="0"/>
+                                          </p:stCondLst>
+                                        </p:cTn>
+                                        <p:tgtEl>
+                                          <p:spTgt spid="11">
+                                            <p:txEl>
+                                              <p:pRg st="0" end="0"/>
+                                            </p:txEl>
+                                          </p:spTgt>
+                                        </p:tgtEl>
+                                        <p:attrNameLst>
+                                          <p:attrName>style.visibility</p:attrName>
+                                        </p:attrNameLst>
+                                      </p:cBhvr>
+                                      <p:to>
+                                        <p:strVal val="visible"/>
+                                      </p:to>
+                                    </p:set>
+                                    <p:animEffect transition="in" filter="fade">
+                                      <p:cBhvr>
+                                        <p:cTn id="23" dur="500"/>
+                                        <p:tgtEl>
+                                          <p:spTgt spid="11">
+                                            <p:txEl>
+                                              <p:pRg st="0" end="0"/>
+                                            </p:txEl>
+                                          </p:spTgt>
+                                        </p:tgtEl>
+                                      </p:cBhvr>
+                                    </p:animEffect>
+                                  </p:childTnLst>
+                                </p:cTn>
+                              </p:par>
+                            </p:childTnLst>
+                          </p:cTn>
+                        </p:par>
+                      </p:childTnLst>
+                    </p:cTn>
+                  </p:par>
+                </p:childTnLst>
+              </p:cTn>
+              <p:prevCondLst>
+                <p:cond evt="onPrev" delay="0">
+                  <p:tgtEl>
+                    <p:sldTgt/>
+                  </p:tgtEl>
+                </p:cond>
+              </p:prevCondLst>
+              <p:nextCondLst>
+                <p:cond evt="onNext" delay="0">
+                  <p:tgtEl>
+                    <p:sldTgt/>
+                  </p:tgtEl>
+                </p:cond>
+              </p:nextCondLst>
+            </p:seq>
+          </p:childTnLst>
+        </p:cTn>
+      </p:par>
+    </p:tnLst>
+    <p:bldLst>
+      <p:bldP spid="2" grpId="0"/>
+    </p:bldLst>
+  </p:timing>
 </p:sld>
 </file>
 
-<file path=ppt/slides/slide7.xml><?xml version="1.0" encoding="utf-8"?>
+<file path=ppt/slides/slide5.xml><?xml version="1.0" encoding="utf-8"?>
 <p:sld xmlns:a="http://schemas.openxmlformats.org/drawingml/2006/main" xmlns:r="http://schemas.openxmlformats.org/officeDocument/2006/relationships" xmlns:p="http://schemas.openxmlformats.org/presentationml/2006/main">
   <p:cSld>
     <p:bg>
@@ -11299,9 +16243,272 @@
           <a:chExt cx="0" cy="0"/>
         </a:xfrm>
       </p:grpSpPr>
-      <p:sp>
-        <p:nvSpPr>
-          <p:cNvPr id="34" name="Rounded Rectangle 9">
+      <p:sp useBgFill="1">
+        <p:nvSpPr>
+          <p:cNvPr id="19" name="Rectangle 14">
+            <a:extLst>
+              <a:ext uri="{FF2B5EF4-FFF2-40B4-BE49-F238E27FC236}">
+                <a16:creationId xmlns:a16="http://schemas.microsoft.com/office/drawing/2014/main" id="{69BA26BC-113C-4698-8859-A985C8324074}"/>
+              </a:ext>
+              <a:ext uri="{C183D7F6-B498-43B3-948B-1728B52AA6E4}">
+                <adec:decorative xmlns:adec="http://schemas.microsoft.com/office/drawing/2017/decorative" val="1"/>
+              </a:ext>
+            </a:extLst>
+          </p:cNvPr>
+          <p:cNvSpPr>
+            <a:spLocks noGrp="1" noRot="1" noChangeAspect="1" noMove="1" noResize="1" noEditPoints="1" noAdjustHandles="1" noChangeArrowheads="1" noChangeShapeType="1" noTextEdit="1"/>
+          </p:cNvSpPr>
+          <p:nvPr>
+            <p:extLst>
+              <p:ext uri="{386F3935-93C4-4BCD-93E2-E3B085C9AB24}">
+                <p16:designElem xmlns:p16="http://schemas.microsoft.com/office/powerpoint/2015/main" val="1"/>
+              </p:ext>
+            </p:extLst>
+          </p:nvPr>
+        </p:nvSpPr>
+        <p:spPr>
+          <a:xfrm>
+            <a:off x="0" y="0"/>
+            <a:ext cx="12192000" cy="6858000"/>
+          </a:xfrm>
+          <a:prstGeom prst="rect">
+            <a:avLst/>
+          </a:prstGeom>
+          <a:ln>
+            <a:noFill/>
+          </a:ln>
+        </p:spPr>
+        <p:style>
+          <a:lnRef idx="2">
+            <a:schemeClr val="accent1">
+              <a:shade val="50000"/>
+            </a:schemeClr>
+          </a:lnRef>
+          <a:fillRef idx="1">
+            <a:schemeClr val="accent1"/>
+          </a:fillRef>
+          <a:effectRef idx="0">
+            <a:schemeClr val="accent1"/>
+          </a:effectRef>
+          <a:fontRef idx="minor">
+            <a:schemeClr val="lt1"/>
+          </a:fontRef>
+        </p:style>
+        <p:txBody>
+          <a:bodyPr rtlCol="0" anchor="ctr"/>
+          <a:lstStyle/>
+          <a:p>
+            <a:pPr algn="ctr"/>
+            <a:endParaRPr lang="en-US"/>
+          </a:p>
+        </p:txBody>
+      </p:sp>
+      <p:sp>
+        <p:nvSpPr>
+          <p:cNvPr id="20" name="Rounded Rectangle 9">
+            <a:extLst>
+              <a:ext uri="{FF2B5EF4-FFF2-40B4-BE49-F238E27FC236}">
+                <a16:creationId xmlns:a16="http://schemas.microsoft.com/office/drawing/2014/main" id="{A68B73B6-D77B-4B55-8538-206CEFD2AF91}"/>
+              </a:ext>
+              <a:ext uri="{C183D7F6-B498-43B3-948B-1728B52AA6E4}">
+                <adec:decorative xmlns:adec="http://schemas.microsoft.com/office/drawing/2017/decorative" val="1"/>
+              </a:ext>
+            </a:extLst>
+          </p:cNvPr>
+          <p:cNvSpPr>
+            <a:spLocks noGrp="1" noRot="1" noChangeAspect="1" noMove="1" noResize="1" noEditPoints="1" noAdjustHandles="1" noChangeArrowheads="1" noChangeShapeType="1" noTextEdit="1"/>
+          </p:cNvSpPr>
+          <p:nvPr>
+            <p:extLst>
+              <p:ext uri="{386F3935-93C4-4BCD-93E2-E3B085C9AB24}">
+                <p16:designElem xmlns:p16="http://schemas.microsoft.com/office/powerpoint/2015/main" val="1"/>
+              </p:ext>
+            </p:extLst>
+          </p:nvPr>
+        </p:nvSpPr>
+        <p:spPr>
+          <a:xfrm>
+            <a:off x="1596889" y="1846512"/>
+            <a:ext cx="8998224" cy="3164976"/>
+          </a:xfrm>
+          <a:prstGeom prst="roundRect">
+            <a:avLst>
+              <a:gd name="adj" fmla="val 4629"/>
+            </a:avLst>
+          </a:prstGeom>
+          <a:solidFill>
+            <a:schemeClr val="bg2"/>
+          </a:solidFill>
+          <a:ln w="44450">
+            <a:gradFill>
+              <a:gsLst>
+                <a:gs pos="0">
+                  <a:schemeClr val="bg2">
+                    <a:alpha val="65000"/>
+                  </a:schemeClr>
+                </a:gs>
+                <a:gs pos="98000">
+                  <a:schemeClr val="bg2">
+                    <a:lumMod val="75000"/>
+                    <a:alpha val="55000"/>
+                  </a:schemeClr>
+                </a:gs>
+              </a:gsLst>
+              <a:lin ang="5400000" scaled="1"/>
+            </a:gradFill>
+          </a:ln>
+          <a:effectLst>
+            <a:innerShdw blurRad="63500" dist="50800" dir="14460000">
+              <a:prstClr val="black">
+                <a:alpha val="70000"/>
+              </a:prstClr>
+            </a:innerShdw>
+          </a:effectLst>
+        </p:spPr>
+        <p:style>
+          <a:lnRef idx="2">
+            <a:schemeClr val="accent1">
+              <a:shade val="50000"/>
+            </a:schemeClr>
+          </a:lnRef>
+          <a:fillRef idx="1003">
+            <a:schemeClr val="dk2"/>
+          </a:fillRef>
+          <a:effectRef idx="0">
+            <a:schemeClr val="accent1"/>
+          </a:effectRef>
+          <a:fontRef idx="minor">
+            <a:schemeClr val="lt1"/>
+          </a:fontRef>
+        </p:style>
+        <p:txBody>
+          <a:bodyPr rtlCol="0" anchor="ctr"/>
+          <a:lstStyle/>
+          <a:p>
+            <a:pPr algn="ctr"/>
+            <a:endParaRPr lang="en-US"/>
+          </a:p>
+        </p:txBody>
+      </p:sp>
+      <p:sp>
+        <p:nvSpPr>
+          <p:cNvPr id="2" name="Title 1">
+            <a:extLst>
+              <a:ext uri="{FF2B5EF4-FFF2-40B4-BE49-F238E27FC236}">
+                <a16:creationId xmlns:a16="http://schemas.microsoft.com/office/drawing/2014/main" id="{2AD97B58-902E-44BF-827F-7E3E786F7B96}"/>
+              </a:ext>
+            </a:extLst>
+          </p:cNvPr>
+          <p:cNvSpPr>
+            <a:spLocks noGrp="1"/>
+          </p:cNvSpPr>
+          <p:nvPr>
+            <p:ph type="title"/>
+          </p:nvPr>
+        </p:nvSpPr>
+        <p:spPr>
+          <a:xfrm>
+            <a:off x="1757889" y="2651503"/>
+            <a:ext cx="8676222" cy="1554994"/>
+          </a:xfrm>
+        </p:spPr>
+        <p:txBody>
+          <a:bodyPr vert="horz" lIns="91440" tIns="45720" rIns="91440" bIns="45720" rtlCol="0" anchor="b">
+            <a:normAutofit/>
+          </a:bodyPr>
+          <a:lstStyle/>
+          <a:p>
+            <a:pPr algn="ctr"/>
+            <a:r>
+              <a:rPr lang="en-US" sz="8800" dirty="0">
+                <a:effectLst>
+                  <a:glow rad="38100">
+                    <a:schemeClr val="bg1">
+                      <a:lumMod val="65000"/>
+                      <a:lumOff val="35000"/>
+                      <a:alpha val="50000"/>
+                    </a:schemeClr>
+                  </a:glow>
+                  <a:outerShdw blurRad="28575" dist="31750" dir="13200000" algn="tl" rotWithShape="0">
+                    <a:srgbClr val="000000">
+                      <a:alpha val="25000"/>
+                    </a:srgbClr>
+                  </a:outerShdw>
+                </a:effectLst>
+              </a:rPr>
+              <a:t>Solution</a:t>
+            </a:r>
+          </a:p>
+        </p:txBody>
+      </p:sp>
+    </p:spTree>
+    <p:extLst>
+      <p:ext uri="{BB962C8B-B14F-4D97-AF65-F5344CB8AC3E}">
+        <p14:creationId xmlns:p14="http://schemas.microsoft.com/office/powerpoint/2010/main" val="3154241337"/>
+      </p:ext>
+    </p:extLst>
+  </p:cSld>
+  <p:clrMapOvr>
+    <a:masterClrMapping/>
+  </p:clrMapOvr>
+  <mc:AlternateContent xmlns:mc="http://schemas.openxmlformats.org/markup-compatibility/2006">
+    <mc:Choice xmlns:p14="http://schemas.microsoft.com/office/powerpoint/2010/main" Requires="p14">
+      <p:transition spd="slow" p14:dur="1250">
+        <p14:doors dir="vert"/>
+      </p:transition>
+    </mc:Choice>
+    <mc:Fallback>
+      <p:transition spd="slow">
+        <p:fade/>
+      </p:transition>
+    </mc:Fallback>
+  </mc:AlternateContent>
+</p:sld>
+</file>
+
+<file path=ppt/slides/slide6.xml><?xml version="1.0" encoding="utf-8"?>
+<p:sld xmlns:a="http://schemas.openxmlformats.org/drawingml/2006/main" xmlns:r="http://schemas.openxmlformats.org/officeDocument/2006/relationships" xmlns:p="http://schemas.openxmlformats.org/presentationml/2006/main">
+  <p:cSld>
+    <p:bg>
+      <p:bgPr>
+        <a:blipFill rotWithShape="1">
+          <a:blip r:embed="rId2">
+            <a:duotone>
+              <a:schemeClr val="bg2">
+                <a:shade val="28000"/>
+                <a:satMod val="94000"/>
+                <a:lumMod val="20000"/>
+              </a:schemeClr>
+              <a:schemeClr val="bg2">
+                <a:tint val="94000"/>
+                <a:shade val="84000"/>
+                <a:satMod val="148000"/>
+                <a:lumMod val="114000"/>
+              </a:schemeClr>
+            </a:duotone>
+          </a:blip>
+          <a:stretch/>
+        </a:blipFill>
+        <a:effectLst/>
+      </p:bgPr>
+    </p:bg>
+    <p:spTree>
+      <p:nvGrpSpPr>
+        <p:cNvPr id="1" name=""/>
+        <p:cNvGrpSpPr/>
+        <p:nvPr/>
+      </p:nvGrpSpPr>
+      <p:grpSpPr>
+        <a:xfrm>
+          <a:off x="0" y="0"/>
+          <a:ext cx="0" cy="0"/>
+          <a:chOff x="0" y="0"/>
+          <a:chExt cx="0" cy="0"/>
+        </a:xfrm>
+      </p:grpSpPr>
+      <p:sp>
+        <p:nvSpPr>
+          <p:cNvPr id="8" name="Rounded Rectangle 9">
             <a:extLst>
               <a:ext uri="{FF2B5EF4-FFF2-40B4-BE49-F238E27FC236}">
                 <a16:creationId xmlns:a16="http://schemas.microsoft.com/office/drawing/2014/main" id="{BCA2EB72-13DC-4DC6-B461-3B036C55B925}"/>
@@ -11390,7 +16597,7 @@
       </p:sp>
       <p:cxnSp>
         <p:nvCxnSpPr>
-          <p:cNvPr id="35" name="Straight Connector 9">
+          <p:cNvPr id="10" name="Straight Connector 9">
             <a:extLst>
               <a:ext uri="{FF2B5EF4-FFF2-40B4-BE49-F238E27FC236}">
                 <a16:creationId xmlns:a16="http://schemas.microsoft.com/office/drawing/2014/main" id="{C8F75BF3-096E-451E-A222-96A7F0946814}"/>
@@ -11438,10 +16645,1181 @@
       </p:cxnSp>
       <p:sp>
         <p:nvSpPr>
-          <p:cNvPr id="8" name="Rectangle 7">
+          <p:cNvPr id="5" name="Title 1">
             <a:extLst>
               <a:ext uri="{FF2B5EF4-FFF2-40B4-BE49-F238E27FC236}">
-                <a16:creationId xmlns:a16="http://schemas.microsoft.com/office/drawing/2014/main" id="{E88A2CF0-EEEA-4EBA-876E-6521DF75DA62}"/>
+                <a16:creationId xmlns:a16="http://schemas.microsoft.com/office/drawing/2014/main" id="{15DEA85F-E76A-4936-8593-29933A8D0F4F}"/>
+              </a:ext>
+            </a:extLst>
+          </p:cNvPr>
+          <p:cNvSpPr txBox="1">
+            <a:spLocks/>
+          </p:cNvSpPr>
+          <p:nvPr/>
+        </p:nvSpPr>
+        <p:spPr>
+          <a:xfrm>
+            <a:off x="7791064" y="1040016"/>
+            <a:ext cx="3433659" cy="5099699"/>
+          </a:xfrm>
+          <a:prstGeom prst="rect">
+            <a:avLst/>
+          </a:prstGeom>
+        </p:spPr>
+        <p:txBody>
+          <a:bodyPr vert="horz" lIns="91440" tIns="45720" rIns="91440" bIns="45720" rtlCol="0" anchor="ctr">
+            <a:noAutofit/>
+          </a:bodyPr>
+          <a:lstStyle>
+            <a:lvl1pPr algn="l" defTabSz="457200" rtl="0" eaLnBrk="1" latinLnBrk="0" hangingPunct="1">
+              <a:spcBef>
+                <a:spcPct val="0"/>
+              </a:spcBef>
+              <a:buNone/>
+              <a:defRPr sz="3200" kern="1200" cap="all">
+                <a:ln w="3175" cmpd="sng">
+                  <a:noFill/>
+                </a:ln>
+                <a:gradFill flip="none" rotWithShape="1">
+                  <a:gsLst>
+                    <a:gs pos="0">
+                      <a:schemeClr val="tx1"/>
+                    </a:gs>
+                    <a:gs pos="100000">
+                      <a:schemeClr val="tx1">
+                        <a:lumMod val="65000"/>
+                      </a:schemeClr>
+                    </a:gs>
+                  </a:gsLst>
+                  <a:lin ang="5580000" scaled="0"/>
+                  <a:tileRect/>
+                </a:gradFill>
+                <a:effectLst>
+                  <a:glow rad="38100">
+                    <a:schemeClr val="bg1">
+                      <a:lumMod val="65000"/>
+                      <a:lumOff val="35000"/>
+                      <a:alpha val="40000"/>
+                    </a:schemeClr>
+                  </a:glow>
+                  <a:outerShdw blurRad="28575" dist="38100" dir="14040000" algn="tl" rotWithShape="0">
+                    <a:srgbClr val="000000">
+                      <a:alpha val="25000"/>
+                    </a:srgbClr>
+                  </a:outerShdw>
+                </a:effectLst>
+                <a:latin typeface="+mj-lt"/>
+                <a:ea typeface="+mj-ea"/>
+                <a:cs typeface="+mj-cs"/>
+              </a:defRPr>
+            </a:lvl1pPr>
+            <a:lvl2pPr eaLnBrk="1" hangingPunct="1">
+              <a:defRPr>
+                <a:solidFill>
+                  <a:schemeClr val="tx2"/>
+                </a:solidFill>
+              </a:defRPr>
+            </a:lvl2pPr>
+            <a:lvl3pPr eaLnBrk="1" hangingPunct="1">
+              <a:defRPr>
+                <a:solidFill>
+                  <a:schemeClr val="tx2"/>
+                </a:solidFill>
+              </a:defRPr>
+            </a:lvl3pPr>
+            <a:lvl4pPr eaLnBrk="1" hangingPunct="1">
+              <a:defRPr>
+                <a:solidFill>
+                  <a:schemeClr val="tx2"/>
+                </a:solidFill>
+              </a:defRPr>
+            </a:lvl4pPr>
+            <a:lvl5pPr eaLnBrk="1" hangingPunct="1">
+              <a:defRPr>
+                <a:solidFill>
+                  <a:schemeClr val="tx2"/>
+                </a:solidFill>
+              </a:defRPr>
+            </a:lvl5pPr>
+            <a:lvl6pPr eaLnBrk="1" hangingPunct="1">
+              <a:defRPr>
+                <a:solidFill>
+                  <a:schemeClr val="tx2"/>
+                </a:solidFill>
+              </a:defRPr>
+            </a:lvl6pPr>
+            <a:lvl7pPr eaLnBrk="1" hangingPunct="1">
+              <a:defRPr>
+                <a:solidFill>
+                  <a:schemeClr val="tx2"/>
+                </a:solidFill>
+              </a:defRPr>
+            </a:lvl7pPr>
+            <a:lvl8pPr eaLnBrk="1" hangingPunct="1">
+              <a:defRPr>
+                <a:solidFill>
+                  <a:schemeClr val="tx2"/>
+                </a:solidFill>
+              </a:defRPr>
+            </a:lvl8pPr>
+            <a:lvl9pPr eaLnBrk="1" hangingPunct="1">
+              <a:defRPr>
+                <a:solidFill>
+                  <a:schemeClr val="tx2"/>
+                </a:solidFill>
+              </a:defRPr>
+            </a:lvl9pPr>
+          </a:lstStyle>
+          <a:p>
+            <a:pPr algn="ctr"/>
+            <a:endParaRPr lang="en-GB" sz="2000" b="1" dirty="0"/>
+          </a:p>
+        </p:txBody>
+      </p:sp>
+      <p:sp>
+        <p:nvSpPr>
+          <p:cNvPr id="6" name="Title 1">
+            <a:extLst>
+              <a:ext uri="{FF2B5EF4-FFF2-40B4-BE49-F238E27FC236}">
+                <a16:creationId xmlns:a16="http://schemas.microsoft.com/office/drawing/2014/main" id="{B4F3A807-F868-44A6-A65B-49504CAEB653}"/>
+              </a:ext>
+            </a:extLst>
+          </p:cNvPr>
+          <p:cNvSpPr>
+            <a:spLocks noGrp="1"/>
+          </p:cNvSpPr>
+          <p:nvPr>
+            <p:ph type="title"/>
+          </p:nvPr>
+        </p:nvSpPr>
+        <p:spPr>
+          <a:xfrm>
+            <a:off x="1141413" y="1040016"/>
+            <a:ext cx="6075552" cy="1619381"/>
+          </a:xfrm>
+        </p:spPr>
+        <p:txBody>
+          <a:bodyPr vert="horz" lIns="91440" tIns="45720" rIns="91440" bIns="45720" rtlCol="0" anchor="ctr">
+            <a:noAutofit/>
+          </a:bodyPr>
+          <a:lstStyle/>
+          <a:p>
+            <a:r>
+              <a:rPr lang="en-GB" sz="2400" dirty="0"/>
+              <a:t>Mobile Application with </a:t>
+            </a:r>
+            <a:r>
+              <a:rPr lang="en-GB" sz="2400" b="1" dirty="0"/>
+              <a:t>Gestures </a:t>
+            </a:r>
+            <a:r>
+              <a:rPr lang="en-GB" sz="2400" dirty="0"/>
+              <a:t>for Easy navigation across the app</a:t>
+            </a:r>
+            <a:br>
+              <a:rPr lang="en-GB" sz="2400" dirty="0"/>
+            </a:br>
+            <a:endParaRPr lang="en-GB" sz="2400" dirty="0"/>
+          </a:p>
+        </p:txBody>
+      </p:sp>
+      <p:sp>
+        <p:nvSpPr>
+          <p:cNvPr id="7" name="Title 1">
+            <a:extLst>
+              <a:ext uri="{FF2B5EF4-FFF2-40B4-BE49-F238E27FC236}">
+                <a16:creationId xmlns:a16="http://schemas.microsoft.com/office/drawing/2014/main" id="{2A9AD436-3B7D-4285-AF09-5F24D24DA867}"/>
+              </a:ext>
+            </a:extLst>
+          </p:cNvPr>
+          <p:cNvSpPr txBox="1">
+            <a:spLocks/>
+          </p:cNvSpPr>
+          <p:nvPr/>
+        </p:nvSpPr>
+        <p:spPr>
+          <a:xfrm>
+            <a:off x="7710759" y="1007012"/>
+            <a:ext cx="3833615" cy="1868025"/>
+          </a:xfrm>
+          <a:prstGeom prst="rect">
+            <a:avLst/>
+          </a:prstGeom>
+        </p:spPr>
+        <p:txBody>
+          <a:bodyPr vert="horz" lIns="91440" tIns="45720" rIns="91440" bIns="45720" rtlCol="0" anchor="ctr">
+            <a:noAutofit/>
+          </a:bodyPr>
+          <a:lstStyle>
+            <a:lvl1pPr algn="l" defTabSz="457200" rtl="0" eaLnBrk="1" latinLnBrk="0" hangingPunct="1">
+              <a:spcBef>
+                <a:spcPct val="0"/>
+              </a:spcBef>
+              <a:buNone/>
+              <a:defRPr sz="3200" kern="1200" cap="all">
+                <a:ln w="3175" cmpd="sng">
+                  <a:noFill/>
+                </a:ln>
+                <a:gradFill flip="none" rotWithShape="1">
+                  <a:gsLst>
+                    <a:gs pos="0">
+                      <a:schemeClr val="tx1"/>
+                    </a:gs>
+                    <a:gs pos="100000">
+                      <a:schemeClr val="tx1">
+                        <a:lumMod val="65000"/>
+                      </a:schemeClr>
+                    </a:gs>
+                  </a:gsLst>
+                  <a:lin ang="5580000" scaled="0"/>
+                  <a:tileRect/>
+                </a:gradFill>
+                <a:effectLst>
+                  <a:glow rad="38100">
+                    <a:schemeClr val="bg1">
+                      <a:lumMod val="65000"/>
+                      <a:lumOff val="35000"/>
+                      <a:alpha val="40000"/>
+                    </a:schemeClr>
+                  </a:glow>
+                  <a:outerShdw blurRad="28575" dist="38100" dir="14040000" algn="tl" rotWithShape="0">
+                    <a:srgbClr val="000000">
+                      <a:alpha val="25000"/>
+                    </a:srgbClr>
+                  </a:outerShdw>
+                </a:effectLst>
+                <a:latin typeface="+mj-lt"/>
+                <a:ea typeface="+mj-ea"/>
+                <a:cs typeface="+mj-cs"/>
+              </a:defRPr>
+            </a:lvl1pPr>
+            <a:lvl2pPr eaLnBrk="1" hangingPunct="1">
+              <a:defRPr>
+                <a:solidFill>
+                  <a:schemeClr val="tx2"/>
+                </a:solidFill>
+              </a:defRPr>
+            </a:lvl2pPr>
+            <a:lvl3pPr eaLnBrk="1" hangingPunct="1">
+              <a:defRPr>
+                <a:solidFill>
+                  <a:schemeClr val="tx2"/>
+                </a:solidFill>
+              </a:defRPr>
+            </a:lvl3pPr>
+            <a:lvl4pPr eaLnBrk="1" hangingPunct="1">
+              <a:defRPr>
+                <a:solidFill>
+                  <a:schemeClr val="tx2"/>
+                </a:solidFill>
+              </a:defRPr>
+            </a:lvl4pPr>
+            <a:lvl5pPr eaLnBrk="1" hangingPunct="1">
+              <a:defRPr>
+                <a:solidFill>
+                  <a:schemeClr val="tx2"/>
+                </a:solidFill>
+              </a:defRPr>
+            </a:lvl5pPr>
+            <a:lvl6pPr eaLnBrk="1" hangingPunct="1">
+              <a:defRPr>
+                <a:solidFill>
+                  <a:schemeClr val="tx2"/>
+                </a:solidFill>
+              </a:defRPr>
+            </a:lvl6pPr>
+            <a:lvl7pPr eaLnBrk="1" hangingPunct="1">
+              <a:defRPr>
+                <a:solidFill>
+                  <a:schemeClr val="tx2"/>
+                </a:solidFill>
+              </a:defRPr>
+            </a:lvl7pPr>
+            <a:lvl8pPr eaLnBrk="1" hangingPunct="1">
+              <a:defRPr>
+                <a:solidFill>
+                  <a:schemeClr val="tx2"/>
+                </a:solidFill>
+              </a:defRPr>
+            </a:lvl8pPr>
+            <a:lvl9pPr eaLnBrk="1" hangingPunct="1">
+              <a:defRPr>
+                <a:solidFill>
+                  <a:schemeClr val="tx2"/>
+                </a:solidFill>
+              </a:defRPr>
+            </a:lvl9pPr>
+          </a:lstStyle>
+          <a:p>
+            <a:pPr algn="ctr"/>
+            <a:r>
+              <a:rPr lang="en-GB" sz="2000" b="1" u="sng" dirty="0"/>
+              <a:t>Core technologies</a:t>
+            </a:r>
+          </a:p>
+          <a:p>
+            <a:pPr algn="ctr"/>
+            <a:endParaRPr lang="en-GB" sz="2000" b="1" dirty="0"/>
+          </a:p>
+          <a:p>
+            <a:pPr marL="342900" indent="-342900">
+              <a:buFont typeface="Wingdings" panose="05000000000000000000" pitchFamily="2" charset="2"/>
+              <a:buChar char="§"/>
+            </a:pPr>
+            <a:r>
+              <a:rPr lang="en-GB" sz="2000" dirty="0"/>
+              <a:t>Android studio</a:t>
+            </a:r>
+          </a:p>
+          <a:p>
+            <a:pPr marL="342900" indent="-342900">
+              <a:buFont typeface="Wingdings" panose="05000000000000000000" pitchFamily="2" charset="2"/>
+              <a:buChar char="§"/>
+            </a:pPr>
+            <a:r>
+              <a:rPr lang="en-GB" sz="2000" dirty="0"/>
+              <a:t>Google maps api</a:t>
+            </a:r>
+          </a:p>
+          <a:p>
+            <a:pPr marL="342900" indent="-342900">
+              <a:buFont typeface="Wingdings" panose="05000000000000000000" pitchFamily="2" charset="2"/>
+              <a:buChar char="§"/>
+            </a:pPr>
+            <a:r>
+              <a:rPr lang="en-GB" sz="2000" dirty="0"/>
+              <a:t>Microsoft Azure</a:t>
+            </a:r>
+          </a:p>
+        </p:txBody>
+      </p:sp>
+      <p:sp>
+        <p:nvSpPr>
+          <p:cNvPr id="9" name="Title 1">
+            <a:extLst>
+              <a:ext uri="{FF2B5EF4-FFF2-40B4-BE49-F238E27FC236}">
+                <a16:creationId xmlns:a16="http://schemas.microsoft.com/office/drawing/2014/main" id="{DD1A3E5D-9D80-4FBF-9353-2DCC33E3E85A}"/>
+              </a:ext>
+            </a:extLst>
+          </p:cNvPr>
+          <p:cNvSpPr txBox="1">
+            <a:spLocks/>
+          </p:cNvSpPr>
+          <p:nvPr/>
+        </p:nvSpPr>
+        <p:spPr>
+          <a:xfrm>
+            <a:off x="1139337" y="2747865"/>
+            <a:ext cx="6075552" cy="1362269"/>
+          </a:xfrm>
+          <a:prstGeom prst="rect">
+            <a:avLst/>
+          </a:prstGeom>
+        </p:spPr>
+        <p:txBody>
+          <a:bodyPr vert="horz" lIns="91440" tIns="45720" rIns="91440" bIns="45720" rtlCol="0" anchor="ctr">
+            <a:noAutofit/>
+          </a:bodyPr>
+          <a:lstStyle>
+            <a:lvl1pPr algn="l" defTabSz="457200" rtl="0" eaLnBrk="1" latinLnBrk="0" hangingPunct="1">
+              <a:spcBef>
+                <a:spcPct val="0"/>
+              </a:spcBef>
+              <a:buNone/>
+              <a:defRPr sz="3200" kern="1200" cap="all">
+                <a:ln w="3175" cmpd="sng">
+                  <a:noFill/>
+                </a:ln>
+                <a:gradFill flip="none" rotWithShape="1">
+                  <a:gsLst>
+                    <a:gs pos="0">
+                      <a:schemeClr val="tx1"/>
+                    </a:gs>
+                    <a:gs pos="100000">
+                      <a:schemeClr val="tx1">
+                        <a:lumMod val="65000"/>
+                      </a:schemeClr>
+                    </a:gs>
+                  </a:gsLst>
+                  <a:lin ang="5580000" scaled="0"/>
+                  <a:tileRect/>
+                </a:gradFill>
+                <a:effectLst>
+                  <a:glow rad="38100">
+                    <a:schemeClr val="bg1">
+                      <a:lumMod val="65000"/>
+                      <a:lumOff val="35000"/>
+                      <a:alpha val="40000"/>
+                    </a:schemeClr>
+                  </a:glow>
+                  <a:outerShdw blurRad="28575" dist="38100" dir="14040000" algn="tl" rotWithShape="0">
+                    <a:srgbClr val="000000">
+                      <a:alpha val="25000"/>
+                    </a:srgbClr>
+                  </a:outerShdw>
+                </a:effectLst>
+                <a:latin typeface="+mj-lt"/>
+                <a:ea typeface="+mj-ea"/>
+                <a:cs typeface="+mj-cs"/>
+              </a:defRPr>
+            </a:lvl1pPr>
+            <a:lvl2pPr eaLnBrk="1" hangingPunct="1">
+              <a:defRPr>
+                <a:solidFill>
+                  <a:schemeClr val="tx2"/>
+                </a:solidFill>
+              </a:defRPr>
+            </a:lvl2pPr>
+            <a:lvl3pPr eaLnBrk="1" hangingPunct="1">
+              <a:defRPr>
+                <a:solidFill>
+                  <a:schemeClr val="tx2"/>
+                </a:solidFill>
+              </a:defRPr>
+            </a:lvl3pPr>
+            <a:lvl4pPr eaLnBrk="1" hangingPunct="1">
+              <a:defRPr>
+                <a:solidFill>
+                  <a:schemeClr val="tx2"/>
+                </a:solidFill>
+              </a:defRPr>
+            </a:lvl4pPr>
+            <a:lvl5pPr eaLnBrk="1" hangingPunct="1">
+              <a:defRPr>
+                <a:solidFill>
+                  <a:schemeClr val="tx2"/>
+                </a:solidFill>
+              </a:defRPr>
+            </a:lvl5pPr>
+            <a:lvl6pPr eaLnBrk="1" hangingPunct="1">
+              <a:defRPr>
+                <a:solidFill>
+                  <a:schemeClr val="tx2"/>
+                </a:solidFill>
+              </a:defRPr>
+            </a:lvl6pPr>
+            <a:lvl7pPr eaLnBrk="1" hangingPunct="1">
+              <a:defRPr>
+                <a:solidFill>
+                  <a:schemeClr val="tx2"/>
+                </a:solidFill>
+              </a:defRPr>
+            </a:lvl7pPr>
+            <a:lvl8pPr eaLnBrk="1" hangingPunct="1">
+              <a:defRPr>
+                <a:solidFill>
+                  <a:schemeClr val="tx2"/>
+                </a:solidFill>
+              </a:defRPr>
+            </a:lvl8pPr>
+            <a:lvl9pPr eaLnBrk="1" hangingPunct="1">
+              <a:defRPr>
+                <a:solidFill>
+                  <a:schemeClr val="tx2"/>
+                </a:solidFill>
+              </a:defRPr>
+            </a:lvl9pPr>
+          </a:lstStyle>
+          <a:p>
+            <a:r>
+              <a:rPr lang="en-GB" sz="2400" dirty="0"/>
+              <a:t>Providing </a:t>
+            </a:r>
+            <a:r>
+              <a:rPr lang="en-GB" sz="2400" b="1" dirty="0"/>
+              <a:t>core banking </a:t>
+            </a:r>
+            <a:r>
+              <a:rPr lang="en-GB" sz="2400" dirty="0"/>
+              <a:t>functionalities via a quick and easy structure</a:t>
+            </a:r>
+          </a:p>
+        </p:txBody>
+      </p:sp>
+      <p:sp>
+        <p:nvSpPr>
+          <p:cNvPr id="11" name="Title 1">
+            <a:extLst>
+              <a:ext uri="{FF2B5EF4-FFF2-40B4-BE49-F238E27FC236}">
+                <a16:creationId xmlns:a16="http://schemas.microsoft.com/office/drawing/2014/main" id="{D21D06A8-ECC3-459B-85A3-91856F09B9DF}"/>
+              </a:ext>
+            </a:extLst>
+          </p:cNvPr>
+          <p:cNvSpPr txBox="1">
+            <a:spLocks/>
+          </p:cNvSpPr>
+          <p:nvPr/>
+        </p:nvSpPr>
+        <p:spPr>
+          <a:xfrm>
+            <a:off x="1053307" y="4560508"/>
+            <a:ext cx="6075552" cy="1362269"/>
+          </a:xfrm>
+          <a:prstGeom prst="rect">
+            <a:avLst/>
+          </a:prstGeom>
+        </p:spPr>
+        <p:txBody>
+          <a:bodyPr vert="horz" lIns="91440" tIns="45720" rIns="91440" bIns="45720" rtlCol="0" anchor="ctr">
+            <a:noAutofit/>
+          </a:bodyPr>
+          <a:lstStyle>
+            <a:lvl1pPr algn="l" defTabSz="457200" rtl="0" eaLnBrk="1" latinLnBrk="0" hangingPunct="1">
+              <a:spcBef>
+                <a:spcPct val="0"/>
+              </a:spcBef>
+              <a:buNone/>
+              <a:defRPr sz="3200" kern="1200" cap="all">
+                <a:ln w="3175" cmpd="sng">
+                  <a:noFill/>
+                </a:ln>
+                <a:gradFill flip="none" rotWithShape="1">
+                  <a:gsLst>
+                    <a:gs pos="0">
+                      <a:schemeClr val="tx1"/>
+                    </a:gs>
+                    <a:gs pos="100000">
+                      <a:schemeClr val="tx1">
+                        <a:lumMod val="65000"/>
+                      </a:schemeClr>
+                    </a:gs>
+                  </a:gsLst>
+                  <a:lin ang="5580000" scaled="0"/>
+                  <a:tileRect/>
+                </a:gradFill>
+                <a:effectLst>
+                  <a:glow rad="38100">
+                    <a:schemeClr val="bg1">
+                      <a:lumMod val="65000"/>
+                      <a:lumOff val="35000"/>
+                      <a:alpha val="40000"/>
+                    </a:schemeClr>
+                  </a:glow>
+                  <a:outerShdw blurRad="28575" dist="38100" dir="14040000" algn="tl" rotWithShape="0">
+                    <a:srgbClr val="000000">
+                      <a:alpha val="25000"/>
+                    </a:srgbClr>
+                  </a:outerShdw>
+                </a:effectLst>
+                <a:latin typeface="+mj-lt"/>
+                <a:ea typeface="+mj-ea"/>
+                <a:cs typeface="+mj-cs"/>
+              </a:defRPr>
+            </a:lvl1pPr>
+            <a:lvl2pPr eaLnBrk="1" hangingPunct="1">
+              <a:defRPr>
+                <a:solidFill>
+                  <a:schemeClr val="tx2"/>
+                </a:solidFill>
+              </a:defRPr>
+            </a:lvl2pPr>
+            <a:lvl3pPr eaLnBrk="1" hangingPunct="1">
+              <a:defRPr>
+                <a:solidFill>
+                  <a:schemeClr val="tx2"/>
+                </a:solidFill>
+              </a:defRPr>
+            </a:lvl3pPr>
+            <a:lvl4pPr eaLnBrk="1" hangingPunct="1">
+              <a:defRPr>
+                <a:solidFill>
+                  <a:schemeClr val="tx2"/>
+                </a:solidFill>
+              </a:defRPr>
+            </a:lvl4pPr>
+            <a:lvl5pPr eaLnBrk="1" hangingPunct="1">
+              <a:defRPr>
+                <a:solidFill>
+                  <a:schemeClr val="tx2"/>
+                </a:solidFill>
+              </a:defRPr>
+            </a:lvl5pPr>
+            <a:lvl6pPr eaLnBrk="1" hangingPunct="1">
+              <a:defRPr>
+                <a:solidFill>
+                  <a:schemeClr val="tx2"/>
+                </a:solidFill>
+              </a:defRPr>
+            </a:lvl6pPr>
+            <a:lvl7pPr eaLnBrk="1" hangingPunct="1">
+              <a:defRPr>
+                <a:solidFill>
+                  <a:schemeClr val="tx2"/>
+                </a:solidFill>
+              </a:defRPr>
+            </a:lvl7pPr>
+            <a:lvl8pPr eaLnBrk="1" hangingPunct="1">
+              <a:defRPr>
+                <a:solidFill>
+                  <a:schemeClr val="tx2"/>
+                </a:solidFill>
+              </a:defRPr>
+            </a:lvl8pPr>
+            <a:lvl9pPr eaLnBrk="1" hangingPunct="1">
+              <a:defRPr>
+                <a:solidFill>
+                  <a:schemeClr val="tx2"/>
+                </a:solidFill>
+              </a:defRPr>
+            </a:lvl9pPr>
+          </a:lstStyle>
+          <a:p>
+            <a:r>
+              <a:rPr lang="en-GB" sz="2400" b="1" dirty="0"/>
+              <a:t>Voice based </a:t>
+            </a:r>
+            <a:r>
+              <a:rPr lang="en-GB" sz="2400" dirty="0"/>
+              <a:t>login system with User-defined security questions and speaker recognition</a:t>
+            </a:r>
+          </a:p>
+        </p:txBody>
+      </p:sp>
+      <p:sp>
+        <p:nvSpPr>
+          <p:cNvPr id="12" name="Title 1">
+            <a:extLst>
+              <a:ext uri="{FF2B5EF4-FFF2-40B4-BE49-F238E27FC236}">
+                <a16:creationId xmlns:a16="http://schemas.microsoft.com/office/drawing/2014/main" id="{2E163917-43A4-4582-BDBF-538F7D293E6F}"/>
+              </a:ext>
+            </a:extLst>
+          </p:cNvPr>
+          <p:cNvSpPr txBox="1">
+            <a:spLocks/>
+          </p:cNvSpPr>
+          <p:nvPr/>
+        </p:nvSpPr>
+        <p:spPr>
+          <a:xfrm>
+            <a:off x="7710759" y="3067163"/>
+            <a:ext cx="3833615" cy="3185021"/>
+          </a:xfrm>
+          <a:prstGeom prst="rect">
+            <a:avLst/>
+          </a:prstGeom>
+        </p:spPr>
+        <p:txBody>
+          <a:bodyPr vert="horz" lIns="91440" tIns="45720" rIns="91440" bIns="45720" rtlCol="0" anchor="ctr">
+            <a:noAutofit/>
+          </a:bodyPr>
+          <a:lstStyle>
+            <a:lvl1pPr algn="l" defTabSz="457200" rtl="0" eaLnBrk="1" latinLnBrk="0" hangingPunct="1">
+              <a:spcBef>
+                <a:spcPct val="0"/>
+              </a:spcBef>
+              <a:buNone/>
+              <a:defRPr sz="3200" kern="1200" cap="all">
+                <a:ln w="3175" cmpd="sng">
+                  <a:noFill/>
+                </a:ln>
+                <a:gradFill flip="none" rotWithShape="1">
+                  <a:gsLst>
+                    <a:gs pos="0">
+                      <a:schemeClr val="tx1"/>
+                    </a:gs>
+                    <a:gs pos="100000">
+                      <a:schemeClr val="tx1">
+                        <a:lumMod val="65000"/>
+                      </a:schemeClr>
+                    </a:gs>
+                  </a:gsLst>
+                  <a:lin ang="5580000" scaled="0"/>
+                  <a:tileRect/>
+                </a:gradFill>
+                <a:effectLst>
+                  <a:glow rad="38100">
+                    <a:schemeClr val="bg1">
+                      <a:lumMod val="65000"/>
+                      <a:lumOff val="35000"/>
+                      <a:alpha val="40000"/>
+                    </a:schemeClr>
+                  </a:glow>
+                  <a:outerShdw blurRad="28575" dist="38100" dir="14040000" algn="tl" rotWithShape="0">
+                    <a:srgbClr val="000000">
+                      <a:alpha val="25000"/>
+                    </a:srgbClr>
+                  </a:outerShdw>
+                </a:effectLst>
+                <a:latin typeface="+mj-lt"/>
+                <a:ea typeface="+mj-ea"/>
+                <a:cs typeface="+mj-cs"/>
+              </a:defRPr>
+            </a:lvl1pPr>
+            <a:lvl2pPr eaLnBrk="1" hangingPunct="1">
+              <a:defRPr>
+                <a:solidFill>
+                  <a:schemeClr val="tx2"/>
+                </a:solidFill>
+              </a:defRPr>
+            </a:lvl2pPr>
+            <a:lvl3pPr eaLnBrk="1" hangingPunct="1">
+              <a:defRPr>
+                <a:solidFill>
+                  <a:schemeClr val="tx2"/>
+                </a:solidFill>
+              </a:defRPr>
+            </a:lvl3pPr>
+            <a:lvl4pPr eaLnBrk="1" hangingPunct="1">
+              <a:defRPr>
+                <a:solidFill>
+                  <a:schemeClr val="tx2"/>
+                </a:solidFill>
+              </a:defRPr>
+            </a:lvl4pPr>
+            <a:lvl5pPr eaLnBrk="1" hangingPunct="1">
+              <a:defRPr>
+                <a:solidFill>
+                  <a:schemeClr val="tx2"/>
+                </a:solidFill>
+              </a:defRPr>
+            </a:lvl5pPr>
+            <a:lvl6pPr eaLnBrk="1" hangingPunct="1">
+              <a:defRPr>
+                <a:solidFill>
+                  <a:schemeClr val="tx2"/>
+                </a:solidFill>
+              </a:defRPr>
+            </a:lvl6pPr>
+            <a:lvl7pPr eaLnBrk="1" hangingPunct="1">
+              <a:defRPr>
+                <a:solidFill>
+                  <a:schemeClr val="tx2"/>
+                </a:solidFill>
+              </a:defRPr>
+            </a:lvl7pPr>
+            <a:lvl8pPr eaLnBrk="1" hangingPunct="1">
+              <a:defRPr>
+                <a:solidFill>
+                  <a:schemeClr val="tx2"/>
+                </a:solidFill>
+              </a:defRPr>
+            </a:lvl8pPr>
+            <a:lvl9pPr eaLnBrk="1" hangingPunct="1">
+              <a:defRPr>
+                <a:solidFill>
+                  <a:schemeClr val="tx2"/>
+                </a:solidFill>
+              </a:defRPr>
+            </a:lvl9pPr>
+          </a:lstStyle>
+          <a:p>
+            <a:pPr algn="ctr"/>
+            <a:r>
+              <a:rPr lang="en-GB" sz="2000" b="1" u="sng" dirty="0"/>
+              <a:t>Core Features</a:t>
+            </a:r>
+          </a:p>
+          <a:p>
+            <a:pPr algn="ctr"/>
+            <a:endParaRPr lang="en-GB" sz="2000" dirty="0"/>
+          </a:p>
+          <a:p>
+            <a:pPr marL="342900" indent="-342900">
+              <a:buFont typeface="Wingdings" panose="05000000000000000000" pitchFamily="2" charset="2"/>
+              <a:buChar char="§"/>
+            </a:pPr>
+            <a:r>
+              <a:rPr lang="en-GB" sz="2000" dirty="0"/>
+              <a:t>Speaker recognition</a:t>
+            </a:r>
+          </a:p>
+          <a:p>
+            <a:pPr marL="342900" indent="-342900">
+              <a:buFont typeface="Wingdings" panose="05000000000000000000" pitchFamily="2" charset="2"/>
+              <a:buChar char="§"/>
+            </a:pPr>
+            <a:r>
+              <a:rPr lang="en-GB" sz="2000" dirty="0"/>
+              <a:t>Speech-Text Conversion </a:t>
+            </a:r>
+          </a:p>
+          <a:p>
+            <a:pPr marL="342900" indent="-342900">
+              <a:buFont typeface="Wingdings" panose="05000000000000000000" pitchFamily="2" charset="2"/>
+              <a:buChar char="§"/>
+            </a:pPr>
+            <a:r>
+              <a:rPr lang="en-GB" sz="2000" dirty="0"/>
+              <a:t>Navigation to nearest branch</a:t>
+            </a:r>
+            <a:endParaRPr lang="en-GB" sz="600" dirty="0"/>
+          </a:p>
+          <a:p>
+            <a:pPr marL="342900" indent="-342900">
+              <a:buFont typeface="Wingdings" panose="05000000000000000000" pitchFamily="2" charset="2"/>
+              <a:buChar char="§"/>
+            </a:pPr>
+            <a:r>
+              <a:rPr lang="en-GB" sz="2000" dirty="0"/>
+              <a:t>Account summary</a:t>
+            </a:r>
+          </a:p>
+          <a:p>
+            <a:pPr marL="342900" indent="-342900">
+              <a:buFont typeface="Wingdings" panose="05000000000000000000" pitchFamily="2" charset="2"/>
+              <a:buChar char="§"/>
+            </a:pPr>
+            <a:r>
+              <a:rPr lang="en-GB" sz="2000" dirty="0"/>
+              <a:t>Transactions</a:t>
+            </a:r>
+          </a:p>
+          <a:p>
+            <a:pPr marL="342900" indent="-342900">
+              <a:buFont typeface="Wingdings" panose="05000000000000000000" pitchFamily="2" charset="2"/>
+              <a:buChar char="§"/>
+            </a:pPr>
+            <a:r>
+              <a:rPr lang="en-GB" sz="2000" dirty="0"/>
+              <a:t>Direct Customer support Connection</a:t>
+            </a:r>
+          </a:p>
+          <a:p>
+            <a:pPr algn="ctr"/>
+            <a:endParaRPr lang="en-GB" sz="2000" dirty="0"/>
+          </a:p>
+        </p:txBody>
+      </p:sp>
+    </p:spTree>
+    <p:extLst>
+      <p:ext uri="{BB962C8B-B14F-4D97-AF65-F5344CB8AC3E}">
+        <p14:creationId xmlns:p14="http://schemas.microsoft.com/office/powerpoint/2010/main" val="890342535"/>
+      </p:ext>
+    </p:extLst>
+  </p:cSld>
+  <p:clrMapOvr>
+    <a:masterClrMapping/>
+  </p:clrMapOvr>
+  <mc:AlternateContent xmlns:mc="http://schemas.openxmlformats.org/markup-compatibility/2006">
+    <mc:Choice xmlns:p14="http://schemas.microsoft.com/office/powerpoint/2010/main" Requires="p14">
+      <p:transition spd="slow" p14:dur="1250">
+        <p14:doors dir="vert"/>
+      </p:transition>
+    </mc:Choice>
+    <mc:Fallback>
+      <p:transition spd="slow">
+        <p:fade/>
+      </p:transition>
+    </mc:Fallback>
+  </mc:AlternateContent>
+  <p:timing>
+    <p:tnLst>
+      <p:par>
+        <p:cTn id="1" dur="indefinite" restart="never" nodeType="tmRoot">
+          <p:childTnLst>
+            <p:seq concurrent="1" nextAc="seek">
+              <p:cTn id="2" dur="indefinite" nodeType="mainSeq">
+                <p:childTnLst>
+                  <p:par>
+                    <p:cTn id="3" fill="hold">
+                      <p:stCondLst>
+                        <p:cond delay="indefinite"/>
+                        <p:cond evt="onBegin" delay="0">
+                          <p:tn val="2"/>
+                        </p:cond>
+                      </p:stCondLst>
+                      <p:childTnLst>
+                        <p:par>
+                          <p:cTn id="4" fill="hold">
+                            <p:stCondLst>
+                              <p:cond delay="0"/>
+                            </p:stCondLst>
+                            <p:childTnLst>
+                              <p:par>
+                                <p:cTn id="5" presetID="10" presetClass="entr" presetSubtype="0" fill="hold" grpId="0" nodeType="afterEffect">
+                                  <p:stCondLst>
+                                    <p:cond delay="0"/>
+                                  </p:stCondLst>
+                                  <p:childTnLst>
+                                    <p:set>
+                                      <p:cBhvr>
+                                        <p:cTn id="6" dur="1" fill="hold">
+                                          <p:stCondLst>
+                                            <p:cond delay="0"/>
+                                          </p:stCondLst>
+                                        </p:cTn>
+                                        <p:tgtEl>
+                                          <p:spTgt spid="6"/>
+                                        </p:tgtEl>
+                                        <p:attrNameLst>
+                                          <p:attrName>style.visibility</p:attrName>
+                                        </p:attrNameLst>
+                                      </p:cBhvr>
+                                      <p:to>
+                                        <p:strVal val="visible"/>
+                                      </p:to>
+                                    </p:set>
+                                    <p:animEffect transition="in" filter="fade">
+                                      <p:cBhvr>
+                                        <p:cTn id="7" dur="500"/>
+                                        <p:tgtEl>
+                                          <p:spTgt spid="6"/>
+                                        </p:tgtEl>
+                                      </p:cBhvr>
+                                    </p:animEffect>
+                                  </p:childTnLst>
+                                </p:cTn>
+                              </p:par>
+                            </p:childTnLst>
+                          </p:cTn>
+                        </p:par>
+                        <p:par>
+                          <p:cTn id="8" fill="hold">
+                            <p:stCondLst>
+                              <p:cond delay="500"/>
+                            </p:stCondLst>
+                            <p:childTnLst>
+                              <p:par>
+                                <p:cTn id="9" presetID="10" presetClass="entr" presetSubtype="0" fill="hold" grpId="0" nodeType="afterEffect">
+                                  <p:stCondLst>
+                                    <p:cond delay="0"/>
+                                  </p:stCondLst>
+                                  <p:childTnLst>
+                                    <p:set>
+                                      <p:cBhvr>
+                                        <p:cTn id="10" dur="1" fill="hold">
+                                          <p:stCondLst>
+                                            <p:cond delay="0"/>
+                                          </p:stCondLst>
+                                        </p:cTn>
+                                        <p:tgtEl>
+                                          <p:spTgt spid="9"/>
+                                        </p:tgtEl>
+                                        <p:attrNameLst>
+                                          <p:attrName>style.visibility</p:attrName>
+                                        </p:attrNameLst>
+                                      </p:cBhvr>
+                                      <p:to>
+                                        <p:strVal val="visible"/>
+                                      </p:to>
+                                    </p:set>
+                                    <p:animEffect transition="in" filter="fade">
+                                      <p:cBhvr>
+                                        <p:cTn id="11" dur="500"/>
+                                        <p:tgtEl>
+                                          <p:spTgt spid="9"/>
+                                        </p:tgtEl>
+                                      </p:cBhvr>
+                                    </p:animEffect>
+                                  </p:childTnLst>
+                                </p:cTn>
+                              </p:par>
+                            </p:childTnLst>
+                          </p:cTn>
+                        </p:par>
+                        <p:par>
+                          <p:cTn id="12" fill="hold">
+                            <p:stCondLst>
+                              <p:cond delay="1000"/>
+                            </p:stCondLst>
+                            <p:childTnLst>
+                              <p:par>
+                                <p:cTn id="13" presetID="10" presetClass="entr" presetSubtype="0" fill="hold" grpId="0" nodeType="afterEffect">
+                                  <p:stCondLst>
+                                    <p:cond delay="0"/>
+                                  </p:stCondLst>
+                                  <p:childTnLst>
+                                    <p:set>
+                                      <p:cBhvr>
+                                        <p:cTn id="14" dur="1" fill="hold">
+                                          <p:stCondLst>
+                                            <p:cond delay="0"/>
+                                          </p:stCondLst>
+                                        </p:cTn>
+                                        <p:tgtEl>
+                                          <p:spTgt spid="11"/>
+                                        </p:tgtEl>
+                                        <p:attrNameLst>
+                                          <p:attrName>style.visibility</p:attrName>
+                                        </p:attrNameLst>
+                                      </p:cBhvr>
+                                      <p:to>
+                                        <p:strVal val="visible"/>
+                                      </p:to>
+                                    </p:set>
+                                    <p:animEffect transition="in" filter="fade">
+                                      <p:cBhvr>
+                                        <p:cTn id="15" dur="500"/>
+                                        <p:tgtEl>
+                                          <p:spTgt spid="11"/>
+                                        </p:tgtEl>
+                                      </p:cBhvr>
+                                    </p:animEffect>
+                                  </p:childTnLst>
+                                </p:cTn>
+                              </p:par>
+                            </p:childTnLst>
+                          </p:cTn>
+                        </p:par>
+                        <p:par>
+                          <p:cTn id="16" fill="hold">
+                            <p:stCondLst>
+                              <p:cond delay="1500"/>
+                            </p:stCondLst>
+                            <p:childTnLst>
+                              <p:par>
+                                <p:cTn id="17" presetID="10" presetClass="entr" presetSubtype="0" fill="hold" grpId="0" nodeType="afterEffect">
+                                  <p:stCondLst>
+                                    <p:cond delay="0"/>
+                                  </p:stCondLst>
+                                  <p:childTnLst>
+                                    <p:set>
+                                      <p:cBhvr>
+                                        <p:cTn id="18" dur="1" fill="hold">
+                                          <p:stCondLst>
+                                            <p:cond delay="0"/>
+                                          </p:stCondLst>
+                                        </p:cTn>
+                                        <p:tgtEl>
+                                          <p:spTgt spid="7"/>
+                                        </p:tgtEl>
+                                        <p:attrNameLst>
+                                          <p:attrName>style.visibility</p:attrName>
+                                        </p:attrNameLst>
+                                      </p:cBhvr>
+                                      <p:to>
+                                        <p:strVal val="visible"/>
+                                      </p:to>
+                                    </p:set>
+                                    <p:animEffect transition="in" filter="fade">
+                                      <p:cBhvr>
+                                        <p:cTn id="19" dur="500"/>
+                                        <p:tgtEl>
+                                          <p:spTgt spid="7"/>
+                                        </p:tgtEl>
+                                      </p:cBhvr>
+                                    </p:animEffect>
+                                  </p:childTnLst>
+                                </p:cTn>
+                              </p:par>
+                            </p:childTnLst>
+                          </p:cTn>
+                        </p:par>
+                        <p:par>
+                          <p:cTn id="20" fill="hold">
+                            <p:stCondLst>
+                              <p:cond delay="2000"/>
+                            </p:stCondLst>
+                            <p:childTnLst>
+                              <p:par>
+                                <p:cTn id="21" presetID="10" presetClass="entr" presetSubtype="0" fill="hold" grpId="0" nodeType="afterEffect">
+                                  <p:stCondLst>
+                                    <p:cond delay="0"/>
+                                  </p:stCondLst>
+                                  <p:childTnLst>
+                                    <p:set>
+                                      <p:cBhvr>
+                                        <p:cTn id="22" dur="1" fill="hold">
+                                          <p:stCondLst>
+                                            <p:cond delay="0"/>
+                                          </p:stCondLst>
+                                        </p:cTn>
+                                        <p:tgtEl>
+                                          <p:spTgt spid="12"/>
+                                        </p:tgtEl>
+                                        <p:attrNameLst>
+                                          <p:attrName>style.visibility</p:attrName>
+                                        </p:attrNameLst>
+                                      </p:cBhvr>
+                                      <p:to>
+                                        <p:strVal val="visible"/>
+                                      </p:to>
+                                    </p:set>
+                                    <p:animEffect transition="in" filter="fade">
+                                      <p:cBhvr>
+                                        <p:cTn id="23" dur="500"/>
+                                        <p:tgtEl>
+                                          <p:spTgt spid="12"/>
+                                        </p:tgtEl>
+                                      </p:cBhvr>
+                                    </p:animEffect>
+                                  </p:childTnLst>
+                                </p:cTn>
+                              </p:par>
+                            </p:childTnLst>
+                          </p:cTn>
+                        </p:par>
+                      </p:childTnLst>
+                    </p:cTn>
+                  </p:par>
+                </p:childTnLst>
+              </p:cTn>
+              <p:prevCondLst>
+                <p:cond evt="onPrev" delay="0">
+                  <p:tgtEl>
+                    <p:sldTgt/>
+                  </p:tgtEl>
+                </p:cond>
+              </p:prevCondLst>
+              <p:nextCondLst>
+                <p:cond evt="onNext" delay="0">
+                  <p:tgtEl>
+                    <p:sldTgt/>
+                  </p:tgtEl>
+                </p:cond>
+              </p:nextCondLst>
+            </p:seq>
+          </p:childTnLst>
+        </p:cTn>
+      </p:par>
+    </p:tnLst>
+    <p:bldLst>
+      <p:bldP spid="6" grpId="0"/>
+      <p:bldP spid="7" grpId="0"/>
+      <p:bldP spid="9" grpId="0"/>
+      <p:bldP spid="11" grpId="0"/>
+      <p:bldP spid="12" grpId="0"/>
+    </p:bldLst>
+  </p:timing>
+</p:sld>
+</file>
+
+<file path=ppt/slides/slide7.xml><?xml version="1.0" encoding="utf-8"?>
+<p:sld xmlns:a="http://schemas.openxmlformats.org/drawingml/2006/main" xmlns:r="http://schemas.openxmlformats.org/officeDocument/2006/relationships" xmlns:p="http://schemas.openxmlformats.org/presentationml/2006/main">
+  <p:cSld>
+    <p:bg>
+      <p:bgPr>
+        <a:blipFill rotWithShape="1">
+          <a:blip r:embed="rId2">
+            <a:duotone>
+              <a:schemeClr val="bg2">
+                <a:shade val="28000"/>
+                <a:satMod val="94000"/>
+                <a:lumMod val="20000"/>
+              </a:schemeClr>
+              <a:schemeClr val="bg2">
+                <a:tint val="94000"/>
+                <a:shade val="84000"/>
+                <a:satMod val="148000"/>
+                <a:lumMod val="114000"/>
+              </a:schemeClr>
+            </a:duotone>
+          </a:blip>
+          <a:stretch/>
+        </a:blipFill>
+        <a:effectLst/>
+      </p:bgPr>
+    </p:bg>
+    <p:spTree>
+      <p:nvGrpSpPr>
+        <p:cNvPr id="1" name=""/>
+        <p:cNvGrpSpPr/>
+        <p:nvPr/>
+      </p:nvGrpSpPr>
+      <p:grpSpPr>
+        <a:xfrm>
+          <a:off x="0" y="0"/>
+          <a:ext cx="0" cy="0"/>
+          <a:chOff x="0" y="0"/>
+          <a:chExt cx="0" cy="0"/>
+        </a:xfrm>
+      </p:grpSpPr>
+      <p:sp useBgFill="1">
+        <p:nvSpPr>
+          <p:cNvPr id="19" name="Rectangle 14">
+            <a:extLst>
+              <a:ext uri="{FF2B5EF4-FFF2-40B4-BE49-F238E27FC236}">
+                <a16:creationId xmlns:a16="http://schemas.microsoft.com/office/drawing/2014/main" id="{69BA26BC-113C-4698-8859-A985C8324074}"/>
               </a:ext>
               <a:ext uri="{C183D7F6-B498-43B3-948B-1728B52AA6E4}">
                 <adec:decorative xmlns:adec="http://schemas.microsoft.com/office/drawing/2017/decorative" val="1"/>
@@ -11461,19 +17839,15 @@
         </p:nvSpPr>
         <p:spPr>
           <a:xfrm>
-            <a:off x="0" y="5287297"/>
-            <a:ext cx="12192000" cy="1570704"/>
+            <a:off x="0" y="0"/>
+            <a:ext cx="12192000" cy="6858000"/>
           </a:xfrm>
           <a:prstGeom prst="rect">
             <a:avLst/>
           </a:prstGeom>
-          <a:solidFill>
-            <a:srgbClr val="0D0D0D"/>
-          </a:solidFill>
           <a:ln>
             <a:noFill/>
           </a:ln>
-          <a:effectLst/>
         </p:spPr>
         <p:style>
           <a:lnRef idx="2">
@@ -11502,10 +17876,10 @@
       </p:sp>
       <p:sp>
         <p:nvSpPr>
-          <p:cNvPr id="10" name="Rectangle 9">
+          <p:cNvPr id="20" name="Rounded Rectangle 9">
             <a:extLst>
               <a:ext uri="{FF2B5EF4-FFF2-40B4-BE49-F238E27FC236}">
-                <a16:creationId xmlns:a16="http://schemas.microsoft.com/office/drawing/2014/main" id="{23B8DCDE-0295-4B08-88C9-5E6D9560CA81}"/>
+                <a16:creationId xmlns:a16="http://schemas.microsoft.com/office/drawing/2014/main" id="{A68B73B6-D77B-4B55-8538-206CEFD2AF91}"/>
               </a:ext>
               <a:ext uri="{C183D7F6-B498-43B3-948B-1728B52AA6E4}">
                 <adec:decorative xmlns:adec="http://schemas.microsoft.com/office/drawing/2017/decorative" val="1"/>
@@ -11524,28 +17898,229 @@
           </p:nvPr>
         </p:nvSpPr>
         <p:spPr>
-          <a:xfrm rot="10800000">
-            <a:off x="0" y="5287297"/>
-            <a:ext cx="12192000" cy="466406"/>
+          <a:xfrm>
+            <a:off x="1596889" y="1846512"/>
+            <a:ext cx="8998224" cy="3164976"/>
+          </a:xfrm>
+          <a:prstGeom prst="roundRect">
+            <a:avLst>
+              <a:gd name="adj" fmla="val 4629"/>
+            </a:avLst>
+          </a:prstGeom>
+          <a:solidFill>
+            <a:schemeClr val="bg2"/>
+          </a:solidFill>
+          <a:ln w="44450">
+            <a:gradFill>
+              <a:gsLst>
+                <a:gs pos="0">
+                  <a:schemeClr val="bg2">
+                    <a:alpha val="65000"/>
+                  </a:schemeClr>
+                </a:gs>
+                <a:gs pos="98000">
+                  <a:schemeClr val="bg2">
+                    <a:lumMod val="75000"/>
+                    <a:alpha val="55000"/>
+                  </a:schemeClr>
+                </a:gs>
+              </a:gsLst>
+              <a:lin ang="5400000" scaled="1"/>
+            </a:gradFill>
+          </a:ln>
+          <a:effectLst>
+            <a:innerShdw blurRad="63500" dist="50800" dir="14460000">
+              <a:prstClr val="black">
+                <a:alpha val="70000"/>
+              </a:prstClr>
+            </a:innerShdw>
+          </a:effectLst>
+        </p:spPr>
+        <p:style>
+          <a:lnRef idx="2">
+            <a:schemeClr val="accent1">
+              <a:shade val="50000"/>
+            </a:schemeClr>
+          </a:lnRef>
+          <a:fillRef idx="1003">
+            <a:schemeClr val="dk2"/>
+          </a:fillRef>
+          <a:effectRef idx="0">
+            <a:schemeClr val="accent1"/>
+          </a:effectRef>
+          <a:fontRef idx="minor">
+            <a:schemeClr val="lt1"/>
+          </a:fontRef>
+        </p:style>
+        <p:txBody>
+          <a:bodyPr rtlCol="0" anchor="ctr"/>
+          <a:lstStyle/>
+          <a:p>
+            <a:pPr algn="ctr"/>
+            <a:endParaRPr lang="en-US"/>
+          </a:p>
+        </p:txBody>
+      </p:sp>
+      <p:sp>
+        <p:nvSpPr>
+          <p:cNvPr id="2" name="Title 1">
+            <a:extLst>
+              <a:ext uri="{FF2B5EF4-FFF2-40B4-BE49-F238E27FC236}">
+                <a16:creationId xmlns:a16="http://schemas.microsoft.com/office/drawing/2014/main" id="{2AD97B58-902E-44BF-827F-7E3E786F7B96}"/>
+              </a:ext>
+            </a:extLst>
+          </p:cNvPr>
+          <p:cNvSpPr>
+            <a:spLocks noGrp="1"/>
+          </p:cNvSpPr>
+          <p:nvPr>
+            <p:ph type="title"/>
+          </p:nvPr>
+        </p:nvSpPr>
+        <p:spPr>
+          <a:xfrm>
+            <a:off x="1757889" y="2651503"/>
+            <a:ext cx="8676222" cy="1554994"/>
+          </a:xfrm>
+        </p:spPr>
+        <p:txBody>
+          <a:bodyPr vert="horz" lIns="91440" tIns="45720" rIns="91440" bIns="45720" rtlCol="0" anchor="b">
+            <a:normAutofit fontScale="90000"/>
+          </a:bodyPr>
+          <a:lstStyle/>
+          <a:p>
+            <a:pPr algn="ctr"/>
+            <a:r>
+              <a:rPr lang="en-US" sz="8800" dirty="0">
+                <a:effectLst>
+                  <a:glow rad="38100">
+                    <a:schemeClr val="bg1">
+                      <a:lumMod val="65000"/>
+                      <a:lumOff val="35000"/>
+                      <a:alpha val="50000"/>
+                    </a:schemeClr>
+                  </a:glow>
+                  <a:outerShdw blurRad="28575" dist="31750" dir="13200000" algn="tl" rotWithShape="0">
+                    <a:srgbClr val="000000">
+                      <a:alpha val="25000"/>
+                    </a:srgbClr>
+                  </a:outerShdw>
+                </a:effectLst>
+              </a:rPr>
+              <a:t>Implementation</a:t>
+            </a:r>
+          </a:p>
+        </p:txBody>
+      </p:sp>
+    </p:spTree>
+    <p:extLst>
+      <p:ext uri="{BB962C8B-B14F-4D97-AF65-F5344CB8AC3E}">
+        <p14:creationId xmlns:p14="http://schemas.microsoft.com/office/powerpoint/2010/main" val="3181263730"/>
+      </p:ext>
+    </p:extLst>
+  </p:cSld>
+  <p:clrMapOvr>
+    <a:masterClrMapping/>
+  </p:clrMapOvr>
+  <mc:AlternateContent xmlns:mc="http://schemas.openxmlformats.org/markup-compatibility/2006">
+    <mc:Choice xmlns:p14="http://schemas.microsoft.com/office/powerpoint/2010/main" Requires="p14">
+      <p:transition spd="slow" p14:dur="1250">
+        <p14:doors dir="vert"/>
+      </p:transition>
+    </mc:Choice>
+    <mc:Fallback>
+      <p:transition spd="slow">
+        <p:fade/>
+      </p:transition>
+    </mc:Fallback>
+  </mc:AlternateContent>
+</p:sld>
+</file>
+
+<file path=ppt/slides/slide8.xml><?xml version="1.0" encoding="utf-8"?>
+<p:sld xmlns:a="http://schemas.openxmlformats.org/drawingml/2006/main" xmlns:r="http://schemas.openxmlformats.org/officeDocument/2006/relationships" xmlns:p="http://schemas.openxmlformats.org/presentationml/2006/main">
+  <p:cSld>
+    <p:bg>
+      <p:bgPr>
+        <a:blipFill rotWithShape="1">
+          <a:blip r:embed="rId2">
+            <a:duotone>
+              <a:schemeClr val="bg2">
+                <a:shade val="28000"/>
+                <a:satMod val="94000"/>
+                <a:lumMod val="20000"/>
+              </a:schemeClr>
+              <a:schemeClr val="bg2">
+                <a:tint val="94000"/>
+                <a:shade val="84000"/>
+                <a:satMod val="148000"/>
+                <a:lumMod val="114000"/>
+              </a:schemeClr>
+            </a:duotone>
+          </a:blip>
+          <a:stretch/>
+        </a:blipFill>
+        <a:effectLst/>
+      </p:bgPr>
+    </p:bg>
+    <p:spTree>
+      <p:nvGrpSpPr>
+        <p:cNvPr id="1" name=""/>
+        <p:cNvGrpSpPr/>
+        <p:nvPr/>
+      </p:nvGrpSpPr>
+      <p:grpSpPr>
+        <a:xfrm>
+          <a:off x="0" y="0"/>
+          <a:ext cx="0" cy="0"/>
+          <a:chOff x="0" y="0"/>
+          <a:chExt cx="0" cy="0"/>
+        </a:xfrm>
+      </p:grpSpPr>
+      <p:sp>
+        <p:nvSpPr>
+          <p:cNvPr id="59" name="Rectangle 51">
+            <a:extLst>
+              <a:ext uri="{FF2B5EF4-FFF2-40B4-BE49-F238E27FC236}">
+                <a16:creationId xmlns:a16="http://schemas.microsoft.com/office/drawing/2014/main" id="{FB3516BD-64C7-48EF-A342-9F00D167EE78}"/>
+              </a:ext>
+              <a:ext uri="{C183D7F6-B498-43B3-948B-1728B52AA6E4}">
+                <adec:decorative xmlns:adec="http://schemas.microsoft.com/office/drawing/2017/decorative" val="1"/>
+              </a:ext>
+            </a:extLst>
+          </p:cNvPr>
+          <p:cNvSpPr>
+            <a:spLocks noGrp="1" noRot="1" noChangeAspect="1" noMove="1" noResize="1" noEditPoints="1" noAdjustHandles="1" noChangeArrowheads="1" noChangeShapeType="1" noTextEdit="1"/>
+          </p:cNvSpPr>
+          <p:nvPr>
+            <p:extLst>
+              <p:ext uri="{386F3935-93C4-4BCD-93E2-E3B085C9AB24}">
+                <p16:designElem xmlns:p16="http://schemas.microsoft.com/office/powerpoint/2015/main" val="1"/>
+              </p:ext>
+            </p:extLst>
+          </p:nvPr>
+        </p:nvSpPr>
+        <p:spPr>
+          <a:xfrm>
+            <a:off x="643467" y="643467"/>
+            <a:ext cx="10905066" cy="5571066"/>
           </a:xfrm>
           <a:prstGeom prst="rect">
             <a:avLst/>
           </a:prstGeom>
-          <a:gradFill>
-            <a:gsLst>
-              <a:gs pos="0">
-                <a:srgbClr val="0D0D0D"/>
-              </a:gs>
-              <a:gs pos="100000">
-                <a:srgbClr val="000000"/>
-              </a:gs>
-            </a:gsLst>
-            <a:lin ang="5400000" scaled="0"/>
-          </a:gradFill>
+          <a:solidFill>
+            <a:srgbClr val="FFFFFF"/>
+          </a:solidFill>
           <a:ln>
             <a:noFill/>
           </a:ln>
-          <a:effectLst/>
+          <a:effectLst>
+            <a:outerShdw blurRad="165100" dist="38100" dir="5400000" sx="102000" sy="102000" algn="t" rotWithShape="0">
+              <a:prstClr val="black">
+                <a:alpha val="40000"/>
+              </a:prstClr>
+            </a:outerShdw>
+          </a:effectLst>
         </p:spPr>
         <p:style>
           <a:lnRef idx="2">
@@ -11564,34 +18139,434 @@
           </a:fontRef>
         </p:style>
         <p:txBody>
-          <a:bodyPr rot="0" spcFirstLastPara="0" vertOverflow="overflow" horzOverflow="overflow" vert="horz" wrap="square" lIns="91440" tIns="45720" rIns="91440" bIns="45720" numCol="1" spcCol="0" rtlCol="0" fromWordArt="0" anchor="ctr" anchorCtr="0" forceAA="0" compatLnSpc="1">
-            <a:prstTxWarp prst="textNoShape">
-              <a:avLst/>
-            </a:prstTxWarp>
-            <a:noAutofit/>
+          <a:bodyPr rtlCol="0" anchor="ctr"/>
+          <a:lstStyle/>
+          <a:p>
+            <a:pPr algn="ctr"/>
+            <a:endParaRPr lang="en-US"/>
+          </a:p>
+        </p:txBody>
+      </p:sp>
+      <p:sp>
+        <p:nvSpPr>
+          <p:cNvPr id="4" name="TextBox 3">
+            <a:extLst>
+              <a:ext uri="{FF2B5EF4-FFF2-40B4-BE49-F238E27FC236}">
+                <a16:creationId xmlns:a16="http://schemas.microsoft.com/office/drawing/2014/main" id="{5E331C3F-D6B4-4A35-9538-1EAE4F316B32}"/>
+              </a:ext>
+            </a:extLst>
+          </p:cNvPr>
+          <p:cNvSpPr txBox="1"/>
+          <p:nvPr/>
+        </p:nvSpPr>
+        <p:spPr>
+          <a:xfrm>
+            <a:off x="4898445" y="807213"/>
+            <a:ext cx="2395109" cy="923330"/>
+          </a:xfrm>
+          <a:prstGeom prst="rect">
+            <a:avLst/>
+          </a:prstGeom>
+          <a:noFill/>
+        </p:spPr>
+        <p:txBody>
+          <a:bodyPr wrap="square" rtlCol="0">
+            <a:spAutoFit/>
           </a:bodyPr>
           <a:lstStyle/>
           <a:p>
-            <a:pPr algn="ctr"/>
-            <a:endParaRPr lang="en-US"/>
-          </a:p>
-        </p:txBody>
-      </p:sp>
-      <p:cxnSp>
-        <p:nvCxnSpPr>
-          <p:cNvPr id="16" name="Straight Connector 11">
+            <a:r>
+              <a:rPr lang="en-GB" sz="5400" dirty="0">
+                <a:solidFill>
+                  <a:schemeClr val="bg1"/>
+                </a:solidFill>
+              </a:rPr>
+              <a:t>LOGIN</a:t>
+            </a:r>
+          </a:p>
+        </p:txBody>
+      </p:sp>
+      <p:sp>
+        <p:nvSpPr>
+          <p:cNvPr id="7" name="TextBox 6">
             <a:extLst>
               <a:ext uri="{FF2B5EF4-FFF2-40B4-BE49-F238E27FC236}">
-                <a16:creationId xmlns:a16="http://schemas.microsoft.com/office/drawing/2014/main" id="{08757D1C-8139-4BDF-A28F-418158B4F7C0}"/>
+                <a16:creationId xmlns:a16="http://schemas.microsoft.com/office/drawing/2014/main" id="{6FCF6712-AA4D-40A1-8787-5D0993D9AD13}"/>
+              </a:ext>
+            </a:extLst>
+          </p:cNvPr>
+          <p:cNvSpPr txBox="1"/>
+          <p:nvPr/>
+        </p:nvSpPr>
+        <p:spPr>
+          <a:xfrm>
+            <a:off x="1415844" y="2233600"/>
+            <a:ext cx="5877710" cy="3477875"/>
+          </a:xfrm>
+          <a:prstGeom prst="rect">
+            <a:avLst/>
+          </a:prstGeom>
+          <a:ln w="38100"/>
+        </p:spPr>
+        <p:style>
+          <a:lnRef idx="2">
+            <a:schemeClr val="dk1"/>
+          </a:lnRef>
+          <a:fillRef idx="1">
+            <a:schemeClr val="lt1"/>
+          </a:fillRef>
+          <a:effectRef idx="0">
+            <a:schemeClr val="dk1"/>
+          </a:effectRef>
+          <a:fontRef idx="minor">
+            <a:schemeClr val="dk1"/>
+          </a:fontRef>
+        </p:style>
+        <p:txBody>
+          <a:bodyPr wrap="square" rtlCol="0">
+            <a:spAutoFit/>
+          </a:bodyPr>
+          <a:lstStyle/>
+          <a:p>
+            <a:r>
+              <a:rPr lang="en-GB" sz="2000" dirty="0"/>
+              <a:t>Using Speech-to-Text capabilities and speaker recognition software provided by Microsoft Azure, users will be able to enter their login details by speaking into the application</a:t>
+            </a:r>
+          </a:p>
+          <a:p>
+            <a:endParaRPr lang="en-GB" sz="2000" dirty="0"/>
+          </a:p>
+          <a:p>
+            <a:r>
+              <a:rPr lang="en-GB" sz="2000" dirty="0"/>
+              <a:t>Using a voice feedback system the application will confirm and instruct the user of any relevant information</a:t>
+            </a:r>
+          </a:p>
+          <a:p>
+            <a:endParaRPr lang="en-GB" sz="2000" dirty="0"/>
+          </a:p>
+          <a:p>
+            <a:r>
+              <a:rPr lang="en-GB" sz="2000" dirty="0"/>
+              <a:t>The user will have to tap on the screen to submit their login information</a:t>
+            </a:r>
+          </a:p>
+        </p:txBody>
+      </p:sp>
+      <p:pic>
+        <p:nvPicPr>
+          <p:cNvPr id="11" name="Picture 10" descr="A screenshot of a cell phone&#10;&#10;Description automatically generated">
+            <a:extLst>
+              <a:ext uri="{FF2B5EF4-FFF2-40B4-BE49-F238E27FC236}">
+                <a16:creationId xmlns:a16="http://schemas.microsoft.com/office/drawing/2014/main" id="{DE49A5C4-0C7F-40A5-A648-2680E2A2A282}"/>
+              </a:ext>
+            </a:extLst>
+          </p:cNvPr>
+          <p:cNvPicPr>
+            <a:picLocks noChangeAspect="1"/>
+          </p:cNvPicPr>
+          <p:nvPr/>
+        </p:nvPicPr>
+        <p:blipFill>
+          <a:blip r:embed="rId3">
+            <a:extLst>
+              <a:ext uri="{28A0092B-C50C-407E-A947-70E740481C1C}">
+                <a14:useLocalDpi xmlns:a14="http://schemas.microsoft.com/office/drawing/2010/main" val="0"/>
+              </a:ext>
+            </a:extLst>
+          </a:blip>
+          <a:stretch>
+            <a:fillRect/>
+          </a:stretch>
+        </p:blipFill>
+        <p:spPr>
+          <a:xfrm>
+            <a:off x="8065931" y="823936"/>
+            <a:ext cx="2625848" cy="5210128"/>
+          </a:xfrm>
+          <a:prstGeom prst="rect">
+            <a:avLst/>
+          </a:prstGeom>
+        </p:spPr>
+      </p:pic>
+    </p:spTree>
+    <p:extLst>
+      <p:ext uri="{BB962C8B-B14F-4D97-AF65-F5344CB8AC3E}">
+        <p14:creationId xmlns:p14="http://schemas.microsoft.com/office/powerpoint/2010/main" val="2708381770"/>
+      </p:ext>
+    </p:extLst>
+  </p:cSld>
+  <p:clrMapOvr>
+    <a:masterClrMapping/>
+  </p:clrMapOvr>
+  <mc:AlternateContent xmlns:mc="http://schemas.openxmlformats.org/markup-compatibility/2006">
+    <mc:Choice xmlns:p14="http://schemas.microsoft.com/office/powerpoint/2010/main" Requires="p14">
+      <p:transition spd="slow" p14:dur="1250">
+        <p14:doors dir="vert"/>
+      </p:transition>
+    </mc:Choice>
+    <mc:Fallback>
+      <p:transition spd="slow">
+        <p:fade/>
+      </p:transition>
+    </mc:Fallback>
+  </mc:AlternateContent>
+  <p:timing>
+    <p:tnLst>
+      <p:par>
+        <p:cTn id="1" dur="indefinite" restart="never" nodeType="tmRoot">
+          <p:childTnLst>
+            <p:seq concurrent="1" nextAc="seek">
+              <p:cTn id="2" dur="indefinite" nodeType="mainSeq">
+                <p:childTnLst>
+                  <p:par>
+                    <p:cTn id="3" fill="hold">
+                      <p:stCondLst>
+                        <p:cond delay="indefinite"/>
+                        <p:cond evt="onBegin" delay="0">
+                          <p:tn val="2"/>
+                        </p:cond>
+                      </p:stCondLst>
+                      <p:childTnLst>
+                        <p:par>
+                          <p:cTn id="4" fill="hold">
+                            <p:stCondLst>
+                              <p:cond delay="0"/>
+                            </p:stCondLst>
+                            <p:childTnLst>
+                              <p:par>
+                                <p:cTn id="5" presetID="10" presetClass="entr" presetSubtype="0" fill="hold" nodeType="afterEffect">
+                                  <p:stCondLst>
+                                    <p:cond delay="0"/>
+                                  </p:stCondLst>
+                                  <p:childTnLst>
+                                    <p:set>
+                                      <p:cBhvr>
+                                        <p:cTn id="6" dur="1" fill="hold">
+                                          <p:stCondLst>
+                                            <p:cond delay="0"/>
+                                          </p:stCondLst>
+                                        </p:cTn>
+                                        <p:tgtEl>
+                                          <p:spTgt spid="7">
+                                            <p:txEl>
+                                              <p:pRg st="0" end="0"/>
+                                            </p:txEl>
+                                          </p:spTgt>
+                                        </p:tgtEl>
+                                        <p:attrNameLst>
+                                          <p:attrName>style.visibility</p:attrName>
+                                        </p:attrNameLst>
+                                      </p:cBhvr>
+                                      <p:to>
+                                        <p:strVal val="visible"/>
+                                      </p:to>
+                                    </p:set>
+                                    <p:animEffect transition="in" filter="fade">
+                                      <p:cBhvr>
+                                        <p:cTn id="7" dur="500"/>
+                                        <p:tgtEl>
+                                          <p:spTgt spid="7">
+                                            <p:txEl>
+                                              <p:pRg st="0" end="0"/>
+                                            </p:txEl>
+                                          </p:spTgt>
+                                        </p:tgtEl>
+                                      </p:cBhvr>
+                                    </p:animEffect>
+                                  </p:childTnLst>
+                                </p:cTn>
+                              </p:par>
+                            </p:childTnLst>
+                          </p:cTn>
+                        </p:par>
+                        <p:par>
+                          <p:cTn id="8" fill="hold">
+                            <p:stCondLst>
+                              <p:cond delay="500"/>
+                            </p:stCondLst>
+                            <p:childTnLst>
+                              <p:par>
+                                <p:cTn id="9" presetID="10" presetClass="entr" presetSubtype="0" fill="hold" nodeType="afterEffect">
+                                  <p:stCondLst>
+                                    <p:cond delay="0"/>
+                                  </p:stCondLst>
+                                  <p:childTnLst>
+                                    <p:set>
+                                      <p:cBhvr>
+                                        <p:cTn id="10" dur="1" fill="hold">
+                                          <p:stCondLst>
+                                            <p:cond delay="0"/>
+                                          </p:stCondLst>
+                                        </p:cTn>
+                                        <p:tgtEl>
+                                          <p:spTgt spid="7">
+                                            <p:txEl>
+                                              <p:pRg st="2" end="2"/>
+                                            </p:txEl>
+                                          </p:spTgt>
+                                        </p:tgtEl>
+                                        <p:attrNameLst>
+                                          <p:attrName>style.visibility</p:attrName>
+                                        </p:attrNameLst>
+                                      </p:cBhvr>
+                                      <p:to>
+                                        <p:strVal val="visible"/>
+                                      </p:to>
+                                    </p:set>
+                                    <p:animEffect transition="in" filter="fade">
+                                      <p:cBhvr>
+                                        <p:cTn id="11" dur="500"/>
+                                        <p:tgtEl>
+                                          <p:spTgt spid="7">
+                                            <p:txEl>
+                                              <p:pRg st="2" end="2"/>
+                                            </p:txEl>
+                                          </p:spTgt>
+                                        </p:tgtEl>
+                                      </p:cBhvr>
+                                    </p:animEffect>
+                                  </p:childTnLst>
+                                </p:cTn>
+                              </p:par>
+                            </p:childTnLst>
+                          </p:cTn>
+                        </p:par>
+                        <p:par>
+                          <p:cTn id="12" fill="hold">
+                            <p:stCondLst>
+                              <p:cond delay="1000"/>
+                            </p:stCondLst>
+                            <p:childTnLst>
+                              <p:par>
+                                <p:cTn id="13" presetID="10" presetClass="entr" presetSubtype="0" fill="hold" nodeType="afterEffect">
+                                  <p:stCondLst>
+                                    <p:cond delay="0"/>
+                                  </p:stCondLst>
+                                  <p:childTnLst>
+                                    <p:set>
+                                      <p:cBhvr>
+                                        <p:cTn id="14" dur="1" fill="hold">
+                                          <p:stCondLst>
+                                            <p:cond delay="0"/>
+                                          </p:stCondLst>
+                                        </p:cTn>
+                                        <p:tgtEl>
+                                          <p:spTgt spid="7">
+                                            <p:txEl>
+                                              <p:pRg st="4" end="4"/>
+                                            </p:txEl>
+                                          </p:spTgt>
+                                        </p:tgtEl>
+                                        <p:attrNameLst>
+                                          <p:attrName>style.visibility</p:attrName>
+                                        </p:attrNameLst>
+                                      </p:cBhvr>
+                                      <p:to>
+                                        <p:strVal val="visible"/>
+                                      </p:to>
+                                    </p:set>
+                                    <p:animEffect transition="in" filter="fade">
+                                      <p:cBhvr>
+                                        <p:cTn id="15" dur="500"/>
+                                        <p:tgtEl>
+                                          <p:spTgt spid="7">
+                                            <p:txEl>
+                                              <p:pRg st="4" end="4"/>
+                                            </p:txEl>
+                                          </p:spTgt>
+                                        </p:tgtEl>
+                                      </p:cBhvr>
+                                    </p:animEffect>
+                                  </p:childTnLst>
+                                </p:cTn>
+                              </p:par>
+                            </p:childTnLst>
+                          </p:cTn>
+                        </p:par>
+                      </p:childTnLst>
+                    </p:cTn>
+                  </p:par>
+                </p:childTnLst>
+              </p:cTn>
+              <p:prevCondLst>
+                <p:cond evt="onPrev" delay="0">
+                  <p:tgtEl>
+                    <p:sldTgt/>
+                  </p:tgtEl>
+                </p:cond>
+              </p:prevCondLst>
+              <p:nextCondLst>
+                <p:cond evt="onNext" delay="0">
+                  <p:tgtEl>
+                    <p:sldTgt/>
+                  </p:tgtEl>
+                </p:cond>
+              </p:nextCondLst>
+            </p:seq>
+          </p:childTnLst>
+        </p:cTn>
+      </p:par>
+    </p:tnLst>
+  </p:timing>
+</p:sld>
+</file>
+
+<file path=ppt/slides/slide9.xml><?xml version="1.0" encoding="utf-8"?>
+<p:sld xmlns:a="http://schemas.openxmlformats.org/drawingml/2006/main" xmlns:r="http://schemas.openxmlformats.org/officeDocument/2006/relationships" xmlns:p="http://schemas.openxmlformats.org/presentationml/2006/main">
+  <p:cSld>
+    <p:bg>
+      <p:bgPr>
+        <a:blipFill rotWithShape="1">
+          <a:blip r:embed="rId2">
+            <a:duotone>
+              <a:schemeClr val="bg2">
+                <a:shade val="28000"/>
+                <a:satMod val="94000"/>
+                <a:lumMod val="20000"/>
+              </a:schemeClr>
+              <a:schemeClr val="bg2">
+                <a:tint val="94000"/>
+                <a:shade val="84000"/>
+                <a:satMod val="148000"/>
+                <a:lumMod val="114000"/>
+              </a:schemeClr>
+            </a:duotone>
+          </a:blip>
+          <a:stretch/>
+        </a:blipFill>
+        <a:effectLst/>
+      </p:bgPr>
+    </p:bg>
+    <p:spTree>
+      <p:nvGrpSpPr>
+        <p:cNvPr id="1" name=""/>
+        <p:cNvGrpSpPr/>
+        <p:nvPr/>
+      </p:nvGrpSpPr>
+      <p:grpSpPr>
+        <a:xfrm>
+          <a:off x="0" y="0"/>
+          <a:ext cx="0" cy="0"/>
+          <a:chOff x="0" y="0"/>
+          <a:chExt cx="0" cy="0"/>
+        </a:xfrm>
+      </p:grpSpPr>
+      <p:sp>
+        <p:nvSpPr>
+          <p:cNvPr id="59" name="Rectangle 51">
+            <a:extLst>
+              <a:ext uri="{FF2B5EF4-FFF2-40B4-BE49-F238E27FC236}">
+                <a16:creationId xmlns:a16="http://schemas.microsoft.com/office/drawing/2014/main" id="{FB3516BD-64C7-48EF-A342-9F00D167EE78}"/>
               </a:ext>
               <a:ext uri="{C183D7F6-B498-43B3-948B-1728B52AA6E4}">
                 <adec:decorative xmlns:adec="http://schemas.microsoft.com/office/drawing/2017/decorative" val="1"/>
               </a:ext>
             </a:extLst>
           </p:cNvPr>
-          <p:cNvCxnSpPr>
-            <a:cxnSpLocks noGrp="1" noRot="1" noChangeAspect="1" noMove="1" noResize="1" noEditPoints="1" noAdjustHandles="1" noChangeArrowheads="1" noChangeShapeType="1"/>
-          </p:cNvCxnSpPr>
+          <p:cNvSpPr>
+            <a:spLocks noGrp="1" noRot="1" noChangeAspect="1" noMove="1" noResize="1" noEditPoints="1" noAdjustHandles="1" noChangeArrowheads="1" noChangeShapeType="1" noTextEdit="1"/>
+          </p:cNvSpPr>
           <p:nvPr>
             <p:extLst>
               <p:ext uri="{386F3935-93C4-4BCD-93E2-E3B085C9AB24}">
@@ -11599,36 +18574,28 @@
               </p:ext>
             </p:extLst>
           </p:nvPr>
-        </p:nvCxnSpPr>
+        </p:nvSpPr>
         <p:spPr>
           <a:xfrm>
-            <a:off x="0" y="5287297"/>
-            <a:ext cx="12192000" cy="0"/>
+            <a:off x="643467" y="643467"/>
+            <a:ext cx="10905066" cy="5571066"/>
           </a:xfrm>
-          <a:prstGeom prst="line">
+          <a:prstGeom prst="rect">
             <a:avLst/>
           </a:prstGeom>
           <a:solidFill>
             <a:srgbClr val="FFFFFF"/>
           </a:solidFill>
-          <a:ln w="38100" cap="flat">
-            <a:gradFill flip="none" rotWithShape="1">
-              <a:gsLst>
-                <a:gs pos="0">
-                  <a:srgbClr val="363D46"/>
-                </a:gs>
-                <a:gs pos="100000">
-                  <a:srgbClr val="363D46">
-                    <a:lumMod val="75000"/>
-                  </a:srgbClr>
-                </a:gs>
-              </a:gsLst>
-              <a:lin ang="5400000" scaled="0"/>
-              <a:tileRect/>
-            </a:gradFill>
-            <a:miter lim="800000"/>
+          <a:ln>
+            <a:noFill/>
           </a:ln>
-          <a:effectLst/>
+          <a:effectLst>
+            <a:outerShdw blurRad="165100" dist="38100" dir="5400000" sx="102000" sy="102000" algn="t" rotWithShape="0">
+              <a:prstClr val="black">
+                <a:alpha val="40000"/>
+              </a:prstClr>
+            </a:outerShdw>
+          </a:effectLst>
         </p:spPr>
         <p:style>
           <a:lnRef idx="2">
@@ -11646,110 +18613,578 @@
             <a:schemeClr val="lt1"/>
           </a:fontRef>
         </p:style>
-      </p:cxnSp>
-      <p:sp>
-        <p:nvSpPr>
-          <p:cNvPr id="20" name="Title 1">
+        <p:txBody>
+          <a:bodyPr rtlCol="0" anchor="ctr"/>
+          <a:lstStyle/>
+          <a:p>
+            <a:pPr algn="ctr"/>
+            <a:endParaRPr lang="en-US"/>
+          </a:p>
+        </p:txBody>
+      </p:sp>
+      <p:sp>
+        <p:nvSpPr>
+          <p:cNvPr id="4" name="TextBox 3">
             <a:extLst>
               <a:ext uri="{FF2B5EF4-FFF2-40B4-BE49-F238E27FC236}">
-                <a16:creationId xmlns:a16="http://schemas.microsoft.com/office/drawing/2014/main" id="{0AC0F794-395A-4077-B374-DF1833E44C4A}"/>
+                <a16:creationId xmlns:a16="http://schemas.microsoft.com/office/drawing/2014/main" id="{5E331C3F-D6B4-4A35-9538-1EAE4F316B32}"/>
               </a:ext>
             </a:extLst>
           </p:cNvPr>
-          <p:cNvSpPr>
-            <a:spLocks noGrp="1"/>
-          </p:cNvSpPr>
-          <p:nvPr>
-            <p:ph type="title"/>
-          </p:nvPr>
+          <p:cNvSpPr txBox="1"/>
+          <p:nvPr/>
         </p:nvSpPr>
         <p:spPr>
           <a:xfrm>
-            <a:off x="1053307" y="648427"/>
-            <a:ext cx="6075552" cy="4638869"/>
+            <a:off x="4898445" y="865557"/>
+            <a:ext cx="2395109" cy="923330"/>
           </a:xfrm>
+          <a:prstGeom prst="rect">
+            <a:avLst/>
+          </a:prstGeom>
+          <a:noFill/>
         </p:spPr>
         <p:txBody>
-          <a:bodyPr vert="horz" lIns="91440" tIns="45720" rIns="91440" bIns="45720" rtlCol="0" anchor="ctr">
-            <a:noAutofit/>
+          <a:bodyPr wrap="square" rtlCol="0">
+            <a:spAutoFit/>
           </a:bodyPr>
           <a:lstStyle/>
           <a:p>
-            <a:endParaRPr lang="en-GB" sz="2400" dirty="0"/>
-          </a:p>
-        </p:txBody>
-      </p:sp>
+            <a:r>
+              <a:rPr lang="en-GB" sz="5400" dirty="0">
+                <a:solidFill>
+                  <a:schemeClr val="bg1"/>
+                </a:solidFill>
+              </a:rPr>
+              <a:t>Home</a:t>
+            </a:r>
+          </a:p>
+        </p:txBody>
+      </p:sp>
+      <p:sp>
+        <p:nvSpPr>
+          <p:cNvPr id="7" name="TextBox 6">
+            <a:extLst>
+              <a:ext uri="{FF2B5EF4-FFF2-40B4-BE49-F238E27FC236}">
+                <a16:creationId xmlns:a16="http://schemas.microsoft.com/office/drawing/2014/main" id="{6FCF6712-AA4D-40A1-8787-5D0993D9AD13}"/>
+              </a:ext>
+            </a:extLst>
+          </p:cNvPr>
+          <p:cNvSpPr txBox="1"/>
+          <p:nvPr/>
+        </p:nvSpPr>
+        <p:spPr>
+          <a:xfrm>
+            <a:off x="5462243" y="2262772"/>
+            <a:ext cx="4796160" cy="3477875"/>
+          </a:xfrm>
+          <a:prstGeom prst="rect">
+            <a:avLst/>
+          </a:prstGeom>
+          <a:ln w="38100"/>
+        </p:spPr>
+        <p:style>
+          <a:lnRef idx="2">
+            <a:schemeClr val="dk1"/>
+          </a:lnRef>
+          <a:fillRef idx="1">
+            <a:schemeClr val="lt1"/>
+          </a:fillRef>
+          <a:effectRef idx="0">
+            <a:schemeClr val="dk1"/>
+          </a:effectRef>
+          <a:fontRef idx="minor">
+            <a:schemeClr val="dk1"/>
+          </a:fontRef>
+        </p:style>
+        <p:txBody>
+          <a:bodyPr wrap="square" rtlCol="0">
+            <a:spAutoFit/>
+          </a:bodyPr>
+          <a:lstStyle/>
+          <a:p>
+            <a:r>
+              <a:rPr lang="en-GB" sz="2000" dirty="0"/>
+              <a:t>The Home screen will inform the user of their successful login attempt</a:t>
+            </a:r>
+          </a:p>
+          <a:p>
+            <a:endParaRPr lang="en-GB" sz="2000" dirty="0"/>
+          </a:p>
+          <a:p>
+            <a:r>
+              <a:rPr lang="en-GB" sz="2000" dirty="0"/>
+              <a:t>This screen will automatically transition into the following screens after a certain time:</a:t>
+            </a:r>
+          </a:p>
+          <a:p>
+            <a:pPr marL="800100" lvl="1" indent="-342900">
+              <a:buFont typeface="Wingdings" panose="05000000000000000000" pitchFamily="2" charset="2"/>
+              <a:buChar char="§"/>
+            </a:pPr>
+            <a:endParaRPr lang="en-GB" sz="2000" dirty="0"/>
+          </a:p>
+          <a:p>
+            <a:pPr marL="800100" lvl="1" indent="-342900">
+              <a:buFont typeface="Wingdings" panose="05000000000000000000" pitchFamily="2" charset="2"/>
+              <a:buChar char="§"/>
+            </a:pPr>
+            <a:r>
+              <a:rPr lang="en-GB" sz="2000" dirty="0"/>
+              <a:t>Account Summary</a:t>
+            </a:r>
+          </a:p>
+          <a:p>
+            <a:pPr marL="800100" lvl="1" indent="-342900">
+              <a:buFont typeface="Wingdings" panose="05000000000000000000" pitchFamily="2" charset="2"/>
+              <a:buChar char="§"/>
+            </a:pPr>
+            <a:r>
+              <a:rPr lang="en-GB" sz="2000" dirty="0"/>
+              <a:t>Transfer Funds</a:t>
+            </a:r>
+          </a:p>
+          <a:p>
+            <a:pPr marL="800100" lvl="1" indent="-342900">
+              <a:buFont typeface="Wingdings" panose="05000000000000000000" pitchFamily="2" charset="2"/>
+              <a:buChar char="§"/>
+            </a:pPr>
+            <a:r>
+              <a:rPr lang="en-GB" sz="2000" dirty="0"/>
+              <a:t>Nearest Branch</a:t>
+            </a:r>
+          </a:p>
+          <a:p>
+            <a:pPr marL="800100" lvl="1" indent="-342900">
+              <a:buFont typeface="Wingdings" panose="05000000000000000000" pitchFamily="2" charset="2"/>
+              <a:buChar char="§"/>
+            </a:pPr>
+            <a:r>
+              <a:rPr lang="en-GB" sz="2000" dirty="0"/>
+              <a:t>Customer Support</a:t>
+            </a:r>
+          </a:p>
+        </p:txBody>
+      </p:sp>
+      <p:pic>
+        <p:nvPicPr>
+          <p:cNvPr id="3" name="Picture 2" descr="A screenshot of a cell phone&#10;&#10;Description automatically generated">
+            <a:extLst>
+              <a:ext uri="{FF2B5EF4-FFF2-40B4-BE49-F238E27FC236}">
+                <a16:creationId xmlns:a16="http://schemas.microsoft.com/office/drawing/2014/main" id="{B174C27A-5EF2-4E1E-9458-532A0F90D06E}"/>
+              </a:ext>
+            </a:extLst>
+          </p:cNvPr>
+          <p:cNvPicPr>
+            <a:picLocks noChangeAspect="1"/>
+          </p:cNvPicPr>
+          <p:nvPr/>
+        </p:nvPicPr>
+        <p:blipFill>
+          <a:blip r:embed="rId3">
+            <a:extLst>
+              <a:ext uri="{28A0092B-C50C-407E-A947-70E740481C1C}">
+                <a14:useLocalDpi xmlns:a14="http://schemas.microsoft.com/office/drawing/2010/main" val="0"/>
+              </a:ext>
+            </a:extLst>
+          </a:blip>
+          <a:stretch>
+            <a:fillRect/>
+          </a:stretch>
+        </p:blipFill>
+        <p:spPr>
+          <a:xfrm>
+            <a:off x="1606620" y="880563"/>
+            <a:ext cx="2565494" cy="5096873"/>
+          </a:xfrm>
+          <a:prstGeom prst="rect">
+            <a:avLst/>
+          </a:prstGeom>
+        </p:spPr>
+      </p:pic>
     </p:spTree>
     <p:extLst>
       <p:ext uri="{BB962C8B-B14F-4D97-AF65-F5344CB8AC3E}">
-        <p14:creationId xmlns:p14="http://schemas.microsoft.com/office/powerpoint/2010/main" val="2708381770"/>
+        <p14:creationId xmlns:p14="http://schemas.microsoft.com/office/powerpoint/2010/main" val="1083932436"/>
       </p:ext>
     </p:extLst>
   </p:cSld>
   <p:clrMapOvr>
     <a:masterClrMapping/>
   </p:clrMapOvr>
+  <mc:AlternateContent xmlns:mc="http://schemas.openxmlformats.org/markup-compatibility/2006">
+    <mc:Choice xmlns:p14="http://schemas.microsoft.com/office/powerpoint/2010/main" Requires="p14">
+      <p:transition spd="slow" p14:dur="1250">
+        <p14:doors dir="vert"/>
+      </p:transition>
+    </mc:Choice>
+    <mc:Fallback>
+      <p:transition spd="slow">
+        <p:fade/>
+      </p:transition>
+    </mc:Fallback>
+  </mc:AlternateContent>
+  <p:timing>
+    <p:tnLst>
+      <p:par>
+        <p:cTn id="1" dur="indefinite" restart="never" nodeType="tmRoot">
+          <p:childTnLst>
+            <p:seq concurrent="1" nextAc="seek">
+              <p:cTn id="2" dur="indefinite" nodeType="mainSeq">
+                <p:childTnLst>
+                  <p:par>
+                    <p:cTn id="3" fill="hold">
+                      <p:stCondLst>
+                        <p:cond delay="indefinite"/>
+                        <p:cond evt="onBegin" delay="0">
+                          <p:tn val="2"/>
+                        </p:cond>
+                      </p:stCondLst>
+                      <p:childTnLst>
+                        <p:par>
+                          <p:cTn id="4" fill="hold">
+                            <p:stCondLst>
+                              <p:cond delay="0"/>
+                            </p:stCondLst>
+                            <p:childTnLst>
+                              <p:par>
+                                <p:cTn id="5" presetID="10" presetClass="entr" presetSubtype="0" fill="hold" nodeType="afterEffect">
+                                  <p:stCondLst>
+                                    <p:cond delay="0"/>
+                                  </p:stCondLst>
+                                  <p:childTnLst>
+                                    <p:set>
+                                      <p:cBhvr>
+                                        <p:cTn id="6" dur="1" fill="hold">
+                                          <p:stCondLst>
+                                            <p:cond delay="0"/>
+                                          </p:stCondLst>
+                                        </p:cTn>
+                                        <p:tgtEl>
+                                          <p:spTgt spid="7">
+                                            <p:txEl>
+                                              <p:pRg st="0" end="0"/>
+                                            </p:txEl>
+                                          </p:spTgt>
+                                        </p:tgtEl>
+                                        <p:attrNameLst>
+                                          <p:attrName>style.visibility</p:attrName>
+                                        </p:attrNameLst>
+                                      </p:cBhvr>
+                                      <p:to>
+                                        <p:strVal val="visible"/>
+                                      </p:to>
+                                    </p:set>
+                                    <p:animEffect transition="in" filter="fade">
+                                      <p:cBhvr>
+                                        <p:cTn id="7" dur="500"/>
+                                        <p:tgtEl>
+                                          <p:spTgt spid="7">
+                                            <p:txEl>
+                                              <p:pRg st="0" end="0"/>
+                                            </p:txEl>
+                                          </p:spTgt>
+                                        </p:tgtEl>
+                                      </p:cBhvr>
+                                    </p:animEffect>
+                                  </p:childTnLst>
+                                </p:cTn>
+                              </p:par>
+                            </p:childTnLst>
+                          </p:cTn>
+                        </p:par>
+                        <p:par>
+                          <p:cTn id="8" fill="hold">
+                            <p:stCondLst>
+                              <p:cond delay="500"/>
+                            </p:stCondLst>
+                            <p:childTnLst>
+                              <p:par>
+                                <p:cTn id="9" presetID="10" presetClass="entr" presetSubtype="0" fill="hold" nodeType="afterEffect">
+                                  <p:stCondLst>
+                                    <p:cond delay="0"/>
+                                  </p:stCondLst>
+                                  <p:childTnLst>
+                                    <p:set>
+                                      <p:cBhvr>
+                                        <p:cTn id="10" dur="1" fill="hold">
+                                          <p:stCondLst>
+                                            <p:cond delay="0"/>
+                                          </p:stCondLst>
+                                        </p:cTn>
+                                        <p:tgtEl>
+                                          <p:spTgt spid="7">
+                                            <p:txEl>
+                                              <p:pRg st="2" end="2"/>
+                                            </p:txEl>
+                                          </p:spTgt>
+                                        </p:tgtEl>
+                                        <p:attrNameLst>
+                                          <p:attrName>style.visibility</p:attrName>
+                                        </p:attrNameLst>
+                                      </p:cBhvr>
+                                      <p:to>
+                                        <p:strVal val="visible"/>
+                                      </p:to>
+                                    </p:set>
+                                    <p:animEffect transition="in" filter="fade">
+                                      <p:cBhvr>
+                                        <p:cTn id="11" dur="500"/>
+                                        <p:tgtEl>
+                                          <p:spTgt spid="7">
+                                            <p:txEl>
+                                              <p:pRg st="2" end="2"/>
+                                            </p:txEl>
+                                          </p:spTgt>
+                                        </p:tgtEl>
+                                      </p:cBhvr>
+                                    </p:animEffect>
+                                  </p:childTnLst>
+                                </p:cTn>
+                              </p:par>
+                            </p:childTnLst>
+                          </p:cTn>
+                        </p:par>
+                        <p:par>
+                          <p:cTn id="12" fill="hold">
+                            <p:stCondLst>
+                              <p:cond delay="1000"/>
+                            </p:stCondLst>
+                            <p:childTnLst>
+                              <p:par>
+                                <p:cTn id="13" presetID="10" presetClass="entr" presetSubtype="0" fill="hold" nodeType="afterEffect">
+                                  <p:stCondLst>
+                                    <p:cond delay="0"/>
+                                  </p:stCondLst>
+                                  <p:childTnLst>
+                                    <p:set>
+                                      <p:cBhvr>
+                                        <p:cTn id="14" dur="1" fill="hold">
+                                          <p:stCondLst>
+                                            <p:cond delay="0"/>
+                                          </p:stCondLst>
+                                        </p:cTn>
+                                        <p:tgtEl>
+                                          <p:spTgt spid="7">
+                                            <p:txEl>
+                                              <p:pRg st="4" end="4"/>
+                                            </p:txEl>
+                                          </p:spTgt>
+                                        </p:tgtEl>
+                                        <p:attrNameLst>
+                                          <p:attrName>style.visibility</p:attrName>
+                                        </p:attrNameLst>
+                                      </p:cBhvr>
+                                      <p:to>
+                                        <p:strVal val="visible"/>
+                                      </p:to>
+                                    </p:set>
+                                    <p:animEffect transition="in" filter="fade">
+                                      <p:cBhvr>
+                                        <p:cTn id="15" dur="500"/>
+                                        <p:tgtEl>
+                                          <p:spTgt spid="7">
+                                            <p:txEl>
+                                              <p:pRg st="4" end="4"/>
+                                            </p:txEl>
+                                          </p:spTgt>
+                                        </p:tgtEl>
+                                      </p:cBhvr>
+                                    </p:animEffect>
+                                  </p:childTnLst>
+                                </p:cTn>
+                              </p:par>
+                            </p:childTnLst>
+                          </p:cTn>
+                        </p:par>
+                        <p:par>
+                          <p:cTn id="16" fill="hold">
+                            <p:stCondLst>
+                              <p:cond delay="1500"/>
+                            </p:stCondLst>
+                            <p:childTnLst>
+                              <p:par>
+                                <p:cTn id="17" presetID="10" presetClass="entr" presetSubtype="0" fill="hold" nodeType="afterEffect">
+                                  <p:stCondLst>
+                                    <p:cond delay="0"/>
+                                  </p:stCondLst>
+                                  <p:childTnLst>
+                                    <p:set>
+                                      <p:cBhvr>
+                                        <p:cTn id="18" dur="1" fill="hold">
+                                          <p:stCondLst>
+                                            <p:cond delay="0"/>
+                                          </p:stCondLst>
+                                        </p:cTn>
+                                        <p:tgtEl>
+                                          <p:spTgt spid="7">
+                                            <p:txEl>
+                                              <p:pRg st="5" end="5"/>
+                                            </p:txEl>
+                                          </p:spTgt>
+                                        </p:tgtEl>
+                                        <p:attrNameLst>
+                                          <p:attrName>style.visibility</p:attrName>
+                                        </p:attrNameLst>
+                                      </p:cBhvr>
+                                      <p:to>
+                                        <p:strVal val="visible"/>
+                                      </p:to>
+                                    </p:set>
+                                    <p:animEffect transition="in" filter="fade">
+                                      <p:cBhvr>
+                                        <p:cTn id="19" dur="500"/>
+                                        <p:tgtEl>
+                                          <p:spTgt spid="7">
+                                            <p:txEl>
+                                              <p:pRg st="5" end="5"/>
+                                            </p:txEl>
+                                          </p:spTgt>
+                                        </p:tgtEl>
+                                      </p:cBhvr>
+                                    </p:animEffect>
+                                  </p:childTnLst>
+                                </p:cTn>
+                              </p:par>
+                            </p:childTnLst>
+                          </p:cTn>
+                        </p:par>
+                        <p:par>
+                          <p:cTn id="20" fill="hold">
+                            <p:stCondLst>
+                              <p:cond delay="2000"/>
+                            </p:stCondLst>
+                            <p:childTnLst>
+                              <p:par>
+                                <p:cTn id="21" presetID="10" presetClass="entr" presetSubtype="0" fill="hold" nodeType="afterEffect">
+                                  <p:stCondLst>
+                                    <p:cond delay="0"/>
+                                  </p:stCondLst>
+                                  <p:childTnLst>
+                                    <p:set>
+                                      <p:cBhvr>
+                                        <p:cTn id="22" dur="1" fill="hold">
+                                          <p:stCondLst>
+                                            <p:cond delay="0"/>
+                                          </p:stCondLst>
+                                        </p:cTn>
+                                        <p:tgtEl>
+                                          <p:spTgt spid="7">
+                                            <p:txEl>
+                                              <p:pRg st="6" end="6"/>
+                                            </p:txEl>
+                                          </p:spTgt>
+                                        </p:tgtEl>
+                                        <p:attrNameLst>
+                                          <p:attrName>style.visibility</p:attrName>
+                                        </p:attrNameLst>
+                                      </p:cBhvr>
+                                      <p:to>
+                                        <p:strVal val="visible"/>
+                                      </p:to>
+                                    </p:set>
+                                    <p:animEffect transition="in" filter="fade">
+                                      <p:cBhvr>
+                                        <p:cTn id="23" dur="500"/>
+                                        <p:tgtEl>
+                                          <p:spTgt spid="7">
+                                            <p:txEl>
+                                              <p:pRg st="6" end="6"/>
+                                            </p:txEl>
+                                          </p:spTgt>
+                                        </p:tgtEl>
+                                      </p:cBhvr>
+                                    </p:animEffect>
+                                  </p:childTnLst>
+                                </p:cTn>
+                              </p:par>
+                            </p:childTnLst>
+                          </p:cTn>
+                        </p:par>
+                        <p:par>
+                          <p:cTn id="24" fill="hold">
+                            <p:stCondLst>
+                              <p:cond delay="2500"/>
+                            </p:stCondLst>
+                            <p:childTnLst>
+                              <p:par>
+                                <p:cTn id="25" presetID="10" presetClass="entr" presetSubtype="0" fill="hold" nodeType="afterEffect">
+                                  <p:stCondLst>
+                                    <p:cond delay="0"/>
+                                  </p:stCondLst>
+                                  <p:childTnLst>
+                                    <p:set>
+                                      <p:cBhvr>
+                                        <p:cTn id="26" dur="1" fill="hold">
+                                          <p:stCondLst>
+                                            <p:cond delay="0"/>
+                                          </p:stCondLst>
+                                        </p:cTn>
+                                        <p:tgtEl>
+                                          <p:spTgt spid="7">
+                                            <p:txEl>
+                                              <p:pRg st="7" end="7"/>
+                                            </p:txEl>
+                                          </p:spTgt>
+                                        </p:tgtEl>
+                                        <p:attrNameLst>
+                                          <p:attrName>style.visibility</p:attrName>
+                                        </p:attrNameLst>
+                                      </p:cBhvr>
+                                      <p:to>
+                                        <p:strVal val="visible"/>
+                                      </p:to>
+                                    </p:set>
+                                    <p:animEffect transition="in" filter="fade">
+                                      <p:cBhvr>
+                                        <p:cTn id="27" dur="500"/>
+                                        <p:tgtEl>
+                                          <p:spTgt spid="7">
+                                            <p:txEl>
+                                              <p:pRg st="7" end="7"/>
+                                            </p:txEl>
+                                          </p:spTgt>
+                                        </p:tgtEl>
+                                      </p:cBhvr>
+                                    </p:animEffect>
+                                  </p:childTnLst>
+                                </p:cTn>
+                              </p:par>
+                            </p:childTnLst>
+                          </p:cTn>
+                        </p:par>
+                      </p:childTnLst>
+                    </p:cTn>
+                  </p:par>
+                </p:childTnLst>
+              </p:cTn>
+              <p:prevCondLst>
+                <p:cond evt="onPrev" delay="0">
+                  <p:tgtEl>
+                    <p:sldTgt/>
+                  </p:tgtEl>
+                </p:cond>
+              </p:prevCondLst>
+              <p:nextCondLst>
+                <p:cond evt="onNext" delay="0">
+                  <p:tgtEl>
+                    <p:sldTgt/>
+                  </p:tgtEl>
+                </p:cond>
+              </p:nextCondLst>
+            </p:seq>
+          </p:childTnLst>
+        </p:cTn>
+      </p:par>
+    </p:tnLst>
+  </p:timing>
 </p:sld>
 </file>
 
-<file path=ppt/slides/slide8.xml><?xml version="1.0" encoding="utf-8"?>
-<p:sld xmlns:a="http://schemas.openxmlformats.org/drawingml/2006/main" xmlns:r="http://schemas.openxmlformats.org/officeDocument/2006/relationships" xmlns:p="http://schemas.openxmlformats.org/presentationml/2006/main">
-  <p:cSld>
-    <p:spTree>
-      <p:nvGrpSpPr>
-        <p:cNvPr id="1" name=""/>
-        <p:cNvGrpSpPr/>
-        <p:nvPr/>
-      </p:nvGrpSpPr>
-      <p:grpSpPr>
-        <a:xfrm>
-          <a:off x="0" y="0"/>
-          <a:ext cx="0" cy="0"/>
-          <a:chOff x="0" y="0"/>
-          <a:chExt cx="0" cy="0"/>
-        </a:xfrm>
-      </p:grpSpPr>
-      <p:sp>
-        <p:nvSpPr>
-          <p:cNvPr id="3" name="Content Placeholder 2">
-            <a:extLst>
-              <a:ext uri="{FF2B5EF4-FFF2-40B4-BE49-F238E27FC236}">
-                <a16:creationId xmlns:a16="http://schemas.microsoft.com/office/drawing/2014/main" id="{54E9EB68-5760-447E-A0B2-7E7D9AAD4E76}"/>
-              </a:ext>
-            </a:extLst>
-          </p:cNvPr>
-          <p:cNvSpPr>
-            <a:spLocks noGrp="1"/>
-          </p:cNvSpPr>
-          <p:nvPr>
-            <p:ph idx="1"/>
-          </p:nvPr>
-        </p:nvSpPr>
-        <p:spPr>
-          <a:xfrm>
-            <a:off x="1141413" y="1160206"/>
-            <a:ext cx="9905998" cy="4630994"/>
-          </a:xfrm>
-        </p:spPr>
-        <p:txBody>
-          <a:bodyPr/>
-          <a:lstStyle/>
-          <a:p>
-            <a:endParaRPr lang="en-GB" dirty="0"/>
-          </a:p>
-        </p:txBody>
-      </p:sp>
-    </p:spTree>
-    <p:extLst>
-      <p:ext uri="{BB962C8B-B14F-4D97-AF65-F5344CB8AC3E}">
-        <p14:creationId xmlns:p14="http://schemas.microsoft.com/office/powerpoint/2010/main" val="2908600229"/>
-      </p:ext>
-    </p:extLst>
-  </p:cSld>
-  <p:clrMapOvr>
-    <a:masterClrMapping/>
-  </p:clrMapOvr>
-</p:sld>
+<file path=ppt/tags/tag1.xml><?xml version="1.0" encoding="utf-8"?>
+<p:tagLst xmlns:a="http://schemas.openxmlformats.org/drawingml/2006/main" xmlns:r="http://schemas.openxmlformats.org/officeDocument/2006/relationships" xmlns:p="http://schemas.openxmlformats.org/presentationml/2006/main">
+  <p:tag name="TIMING" val="|1.1"/>
+</p:tagLst>
 </file>
 
 <file path=ppt/theme/theme1.xml><?xml version="1.0" encoding="utf-8"?>
